--- a/Smart_Jardinage/ASC BMC Template sept 2020.pptx
+++ b/Smart_Jardinage/ASC BMC Template sept 2020.pptx
@@ -35,7 +35,7 @@
       </p:grpSpPr>
       <p:sp>
         <p:nvSpPr>
-          <p:cNvPr id="41" name="PlaceHolder 1"/>
+          <p:cNvPr id="38" name="PlaceHolder 1"/>
           <p:cNvSpPr>
             <a:spLocks noGrp="1"/>
           </p:cNvSpPr>
@@ -57,27 +57,154 @@
             <a:noAutofit/>
           </a:bodyPr>
           <a:p>
-            <a:r>
-              <a:rPr b="0" lang="en-US" sz="5800" spc="-1" strike="noStrike">
-                <a:solidFill>
-                  <a:srgbClr val="000000"/>
-                </a:solidFill>
-                <a:latin typeface="Calibri"/>
-              </a:rPr>
-              <a:t>Click to move the slide</a:t>
-            </a:r>
-            <a:endParaRPr b="0" lang="en-US" sz="5800" spc="-1" strike="noStrike">
-              <a:solidFill>
-                <a:srgbClr val="000000"/>
-              </a:solidFill>
-              <a:latin typeface="Calibri"/>
+            <a:pPr algn="ctr"/>
+            <a:r>
+              <a:rPr b="0" lang="fr-FR" sz="4400" spc="-1" strike="noStrike">
+                <a:latin typeface="Arial"/>
+              </a:rPr>
+              <a:t>C</a:t>
+            </a:r>
+            <a:r>
+              <a:rPr b="0" lang="fr-FR" sz="4400" spc="-1" strike="noStrike">
+                <a:latin typeface="Arial"/>
+              </a:rPr>
+              <a:t>l</a:t>
+            </a:r>
+            <a:r>
+              <a:rPr b="0" lang="fr-FR" sz="4400" spc="-1" strike="noStrike">
+                <a:latin typeface="Arial"/>
+              </a:rPr>
+              <a:t>i</a:t>
+            </a:r>
+            <a:r>
+              <a:rPr b="0" lang="fr-FR" sz="4400" spc="-1" strike="noStrike">
+                <a:latin typeface="Arial"/>
+              </a:rPr>
+              <a:t>c</a:t>
+            </a:r>
+            <a:r>
+              <a:rPr b="0" lang="fr-FR" sz="4400" spc="-1" strike="noStrike">
+                <a:latin typeface="Arial"/>
+              </a:rPr>
+              <a:t>k</a:t>
+            </a:r>
+            <a:r>
+              <a:rPr b="0" lang="fr-FR" sz="4400" spc="-1" strike="noStrike">
+                <a:latin typeface="Arial"/>
+              </a:rPr>
+              <a:t> </a:t>
+            </a:r>
+            <a:r>
+              <a:rPr b="0" lang="fr-FR" sz="4400" spc="-1" strike="noStrike">
+                <a:latin typeface="Arial"/>
+              </a:rPr>
+              <a:t>t</a:t>
+            </a:r>
+            <a:r>
+              <a:rPr b="0" lang="fr-FR" sz="4400" spc="-1" strike="noStrike">
+                <a:latin typeface="Arial"/>
+              </a:rPr>
+              <a:t>o</a:t>
+            </a:r>
+            <a:r>
+              <a:rPr b="0" lang="fr-FR" sz="4400" spc="-1" strike="noStrike">
+                <a:latin typeface="Arial"/>
+              </a:rPr>
+              <a:t> </a:t>
+            </a:r>
+            <a:r>
+              <a:rPr b="0" lang="fr-FR" sz="4400" spc="-1" strike="noStrike">
+                <a:latin typeface="Arial"/>
+              </a:rPr>
+              <a:t>m</a:t>
+            </a:r>
+            <a:r>
+              <a:rPr b="0" lang="fr-FR" sz="4400" spc="-1" strike="noStrike">
+                <a:latin typeface="Arial"/>
+              </a:rPr>
+              <a:t>o</a:t>
+            </a:r>
+            <a:r>
+              <a:rPr b="0" lang="fr-FR" sz="4400" spc="-1" strike="noStrike">
+                <a:latin typeface="Arial"/>
+              </a:rPr>
+              <a:t>v</a:t>
+            </a:r>
+            <a:r>
+              <a:rPr b="0" lang="fr-FR" sz="4400" spc="-1" strike="noStrike">
+                <a:latin typeface="Arial"/>
+              </a:rPr>
+              <a:t>e</a:t>
+            </a:r>
+            <a:r>
+              <a:rPr b="0" lang="fr-FR" sz="4400" spc="-1" strike="noStrike">
+                <a:latin typeface="Arial"/>
+              </a:rPr>
+              <a:t> </a:t>
+            </a:r>
+            <a:r>
+              <a:rPr b="0" lang="fr-FR" sz="4400" spc="-1" strike="noStrike">
+                <a:latin typeface="Arial"/>
+              </a:rPr>
+              <a:t>t</a:t>
+            </a:r>
+            <a:r>
+              <a:rPr b="0" lang="fr-FR" sz="4400" spc="-1" strike="noStrike">
+                <a:latin typeface="Arial"/>
+              </a:rPr>
+              <a:t>h</a:t>
+            </a:r>
+            <a:r>
+              <a:rPr b="0" lang="fr-FR" sz="4400" spc="-1" strike="noStrike">
+                <a:latin typeface="Arial"/>
+              </a:rPr>
+              <a:t>e</a:t>
+            </a:r>
+            <a:r>
+              <a:rPr b="0" lang="fr-FR" sz="4400" spc="-1" strike="noStrike">
+                <a:latin typeface="Arial"/>
+              </a:rPr>
+              <a:t> </a:t>
+            </a:r>
+            <a:r>
+              <a:rPr b="0" lang="fr-FR" sz="4400" spc="-1" strike="noStrike">
+                <a:latin typeface="Arial"/>
+              </a:rPr>
+              <a:t>s</a:t>
+            </a:r>
+            <a:r>
+              <a:rPr b="0" lang="fr-FR" sz="4400" spc="-1" strike="noStrike">
+                <a:latin typeface="Arial"/>
+              </a:rPr>
+              <a:t>l</a:t>
+            </a:r>
+            <a:r>
+              <a:rPr b="0" lang="fr-FR" sz="4400" spc="-1" strike="noStrike">
+                <a:latin typeface="Arial"/>
+              </a:rPr>
+              <a:t>i</a:t>
+            </a:r>
+            <a:r>
+              <a:rPr b="0" lang="fr-FR" sz="4400" spc="-1" strike="noStrike">
+                <a:latin typeface="Arial"/>
+              </a:rPr>
+              <a:t>d</a:t>
+            </a:r>
+            <a:r>
+              <a:rPr b="0" lang="fr-FR" sz="4400" spc="-1" strike="noStrike">
+                <a:latin typeface="Arial"/>
+              </a:rPr>
+              <a:t>e</a:t>
+            </a:r>
+            <a:endParaRPr b="0" lang="fr-FR" sz="4400" spc="-1" strike="noStrike">
+              <a:latin typeface="Arial"/>
             </a:endParaRPr>
           </a:p>
         </p:txBody>
       </p:sp>
       <p:sp>
         <p:nvSpPr>
-          <p:cNvPr id="42" name="PlaceHolder 2"/>
+          <p:cNvPr id="39" name="PlaceHolder 2"/>
           <p:cNvSpPr>
             <a:spLocks noGrp="1"/>
           </p:cNvSpPr>
@@ -103,7 +230,181 @@
               <a:rPr b="0" lang="fr-FR" sz="2000" spc="-1" strike="noStrike">
                 <a:latin typeface="Arial"/>
               </a:rPr>
-              <a:t>Click to edit the notes format</a:t>
+              <a:t>C</a:t>
+            </a:r>
+            <a:r>
+              <a:rPr b="0" lang="fr-FR" sz="2000" spc="-1" strike="noStrike">
+                <a:latin typeface="Arial"/>
+              </a:rPr>
+              <a:t>l</a:t>
+            </a:r>
+            <a:r>
+              <a:rPr b="0" lang="fr-FR" sz="2000" spc="-1" strike="noStrike">
+                <a:latin typeface="Arial"/>
+              </a:rPr>
+              <a:t>i</a:t>
+            </a:r>
+            <a:r>
+              <a:rPr b="0" lang="fr-FR" sz="2000" spc="-1" strike="noStrike">
+                <a:latin typeface="Arial"/>
+              </a:rPr>
+              <a:t>c</a:t>
+            </a:r>
+            <a:r>
+              <a:rPr b="0" lang="fr-FR" sz="2000" spc="-1" strike="noStrike">
+                <a:latin typeface="Arial"/>
+              </a:rPr>
+              <a:t>k</a:t>
+            </a:r>
+            <a:r>
+              <a:rPr b="0" lang="fr-FR" sz="2000" spc="-1" strike="noStrike">
+                <a:latin typeface="Arial"/>
+              </a:rPr>
+              <a:t> </a:t>
+            </a:r>
+            <a:r>
+              <a:rPr b="0" lang="fr-FR" sz="2000" spc="-1" strike="noStrike">
+                <a:latin typeface="Arial"/>
+              </a:rPr>
+              <a:t>t</a:t>
+            </a:r>
+            <a:r>
+              <a:rPr b="0" lang="fr-FR" sz="2000" spc="-1" strike="noStrike">
+                <a:latin typeface="Arial"/>
+              </a:rPr>
+              <a:t>o</a:t>
+            </a:r>
+            <a:r>
+              <a:rPr b="0" lang="fr-FR" sz="2000" spc="-1" strike="noStrike">
+                <a:latin typeface="Arial"/>
+              </a:rPr>
+              <a:t> </a:t>
+            </a:r>
+            <a:r>
+              <a:rPr b="0" lang="fr-FR" sz="2000" spc="-1" strike="noStrike">
+                <a:latin typeface="Arial"/>
+              </a:rPr>
+              <a:t>e</a:t>
+            </a:r>
+            <a:r>
+              <a:rPr b="0" lang="fr-FR" sz="2000" spc="-1" strike="noStrike">
+                <a:latin typeface="Arial"/>
+              </a:rPr>
+              <a:t>d</a:t>
+            </a:r>
+            <a:r>
+              <a:rPr b="0" lang="fr-FR" sz="2000" spc="-1" strike="noStrike">
+                <a:latin typeface="Arial"/>
+              </a:rPr>
+              <a:t>i</a:t>
+            </a:r>
+            <a:r>
+              <a:rPr b="0" lang="fr-FR" sz="2000" spc="-1" strike="noStrike">
+                <a:latin typeface="Arial"/>
+              </a:rPr>
+              <a:t>t</a:t>
+            </a:r>
+            <a:r>
+              <a:rPr b="0" lang="fr-FR" sz="2000" spc="-1" strike="noStrike">
+                <a:latin typeface="Arial"/>
+              </a:rPr>
+              <a:t> </a:t>
+            </a:r>
+            <a:r>
+              <a:rPr b="0" lang="fr-FR" sz="2000" spc="-1" strike="noStrike">
+                <a:latin typeface="Arial"/>
+              </a:rPr>
+              <a:t>t</a:t>
+            </a:r>
+            <a:r>
+              <a:rPr b="0" lang="fr-FR" sz="2000" spc="-1" strike="noStrike">
+                <a:latin typeface="Arial"/>
+              </a:rPr>
+              <a:t>h</a:t>
+            </a:r>
+            <a:r>
+              <a:rPr b="0" lang="fr-FR" sz="2000" spc="-1" strike="noStrike">
+                <a:latin typeface="Arial"/>
+              </a:rPr>
+              <a:t>e</a:t>
+            </a:r>
+            <a:r>
+              <a:rPr b="0" lang="fr-FR" sz="2000" spc="-1" strike="noStrike">
+                <a:latin typeface="Arial"/>
+              </a:rPr>
+              <a:t> </a:t>
+            </a:r>
+            <a:r>
+              <a:rPr b="0" lang="fr-FR" sz="2000" spc="-1" strike="noStrike">
+                <a:latin typeface="Arial"/>
+              </a:rPr>
+              <a:t>n</a:t>
+            </a:r>
+            <a:r>
+              <a:rPr b="0" lang="fr-FR" sz="2000" spc="-1" strike="noStrike">
+                <a:latin typeface="Arial"/>
+              </a:rPr>
+              <a:t>o</a:t>
+            </a:r>
+            <a:r>
+              <a:rPr b="0" lang="fr-FR" sz="2000" spc="-1" strike="noStrike">
+                <a:latin typeface="Arial"/>
+              </a:rPr>
+              <a:t>t</a:t>
+            </a:r>
+            <a:r>
+              <a:rPr b="0" lang="fr-FR" sz="2000" spc="-1" strike="noStrike">
+                <a:latin typeface="Arial"/>
+              </a:rPr>
+              <a:t>e</a:t>
+            </a:r>
+            <a:r>
+              <a:rPr b="0" lang="fr-FR" sz="2000" spc="-1" strike="noStrike">
+                <a:latin typeface="Arial"/>
+              </a:rPr>
+              <a:t>s</a:t>
+            </a:r>
+            <a:r>
+              <a:rPr b="0" lang="fr-FR" sz="2000" spc="-1" strike="noStrike">
+                <a:latin typeface="Arial"/>
+              </a:rPr>
+              <a:t> </a:t>
+            </a:r>
+            <a:r>
+              <a:rPr b="0" lang="fr-FR" sz="2000" spc="-1" strike="noStrike">
+                <a:latin typeface="Arial"/>
+              </a:rPr>
+              <a:t>f</a:t>
+            </a:r>
+            <a:r>
+              <a:rPr b="0" lang="fr-FR" sz="2000" spc="-1" strike="noStrike">
+                <a:latin typeface="Arial"/>
+              </a:rPr>
+              <a:t>o</a:t>
+            </a:r>
+            <a:r>
+              <a:rPr b="0" lang="fr-FR" sz="2000" spc="-1" strike="noStrike">
+                <a:latin typeface="Arial"/>
+              </a:rPr>
+              <a:t>r</a:t>
+            </a:r>
+            <a:r>
+              <a:rPr b="0" lang="fr-FR" sz="2000" spc="-1" strike="noStrike">
+                <a:latin typeface="Arial"/>
+              </a:rPr>
+              <a:t>m</a:t>
+            </a:r>
+            <a:r>
+              <a:rPr b="0" lang="fr-FR" sz="2000" spc="-1" strike="noStrike">
+                <a:latin typeface="Arial"/>
+              </a:rPr>
+              <a:t>a</a:t>
+            </a:r>
+            <a:r>
+              <a:rPr b="0" lang="fr-FR" sz="2000" spc="-1" strike="noStrike">
+                <a:latin typeface="Arial"/>
+              </a:rPr>
+              <a:t>t</a:t>
             </a:r>
             <a:endParaRPr b="0" lang="fr-FR" sz="2000" spc="-1" strike="noStrike">
               <a:latin typeface="Arial"/>
@@ -113,7 +414,7 @@
       </p:sp>
       <p:sp>
         <p:nvSpPr>
-          <p:cNvPr id="43" name="PlaceHolder 3"/>
+          <p:cNvPr id="40" name="PlaceHolder 3"/>
           <p:cNvSpPr>
             <a:spLocks noGrp="1"/>
           </p:cNvSpPr>
@@ -149,7 +450,7 @@
       </p:sp>
       <p:sp>
         <p:nvSpPr>
-          <p:cNvPr id="44" name="PlaceHolder 4"/>
+          <p:cNvPr id="41" name="PlaceHolder 4"/>
           <p:cNvSpPr>
             <a:spLocks noGrp="1"/>
           </p:cNvSpPr>
@@ -186,7 +487,7 @@
       </p:sp>
       <p:sp>
         <p:nvSpPr>
-          <p:cNvPr id="45" name="PlaceHolder 5"/>
+          <p:cNvPr id="42" name="PlaceHolder 5"/>
           <p:cNvSpPr>
             <a:spLocks noGrp="1"/>
           </p:cNvSpPr>
@@ -222,7 +523,7 @@
       </p:sp>
       <p:sp>
         <p:nvSpPr>
-          <p:cNvPr id="46" name="PlaceHolder 6"/>
+          <p:cNvPr id="43" name="PlaceHolder 6"/>
           <p:cNvSpPr>
             <a:spLocks noGrp="1"/>
           </p:cNvSpPr>
@@ -245,7 +546,7 @@
           </a:bodyPr>
           <a:p>
             <a:pPr algn="r"/>
-            <a:fld id="{8D42FC25-79CE-41F8-ADF0-59507609EEF1}" type="slidenum">
+            <a:fld id="{CE70F12D-02B1-407C-AF40-095D125D4479}" type="slidenum">
               <a:rPr b="0" lang="fr-FR" sz="1400" spc="-1" strike="noStrike">
                 <a:latin typeface="Times New Roman"/>
               </a:rPr>
@@ -282,7 +583,7 @@
       </p:grpSpPr>
       <p:sp>
         <p:nvSpPr>
-          <p:cNvPr id="104" name="PlaceHolder 1"/>
+          <p:cNvPr id="102" name="PlaceHolder 1"/>
           <p:cNvSpPr>
             <a:spLocks noGrp="1"/>
           </p:cNvSpPr>
@@ -293,7 +594,7 @@
         <p:spPr>
           <a:xfrm>
             <a:off x="2971800" y="549360"/>
-            <a:ext cx="3657240" cy="2742840"/>
+            <a:ext cx="3656520" cy="2742120"/>
           </a:xfrm>
           <a:prstGeom prst="rect">
             <a:avLst/>
@@ -302,7 +603,7 @@
       </p:sp>
       <p:sp>
         <p:nvSpPr>
-          <p:cNvPr id="105" name="PlaceHolder 2"/>
+          <p:cNvPr id="103" name="PlaceHolder 2"/>
           <p:cNvSpPr>
             <a:spLocks noGrp="1"/>
           </p:cNvSpPr>
@@ -313,7 +614,7 @@
         <p:spPr>
           <a:xfrm>
             <a:off x="960120" y="3474720"/>
-            <a:ext cx="7680600" cy="3291480"/>
+            <a:ext cx="7679880" cy="3290760"/>
           </a:xfrm>
           <a:prstGeom prst="rect">
             <a:avLst/>
@@ -332,14 +633,14 @@
       </p:sp>
       <p:sp>
         <p:nvSpPr>
-          <p:cNvPr id="106" name="TextShape 3"/>
-          <p:cNvSpPr txBox="1"/>
+          <p:cNvPr id="104" name="CustomShape 3"/>
+          <p:cNvSpPr/>
           <p:nvPr/>
         </p:nvSpPr>
         <p:spPr>
           <a:xfrm>
             <a:off x="5438520" y="6948000"/>
-            <a:ext cx="4160160" cy="365400"/>
+            <a:ext cx="4159440" cy="364680"/>
           </a:xfrm>
           <a:prstGeom prst="rect">
             <a:avLst/>
@@ -349,6 +650,12 @@
             <a:noFill/>
           </a:ln>
         </p:spPr>
+        <p:style>
+          <a:lnRef idx="0"/>
+          <a:fillRef idx="0"/>
+          <a:effectRef idx="0"/>
+          <a:fontRef idx="minor"/>
+        </p:style>
         <p:txBody>
           <a:bodyPr lIns="96840" rIns="96840" tIns="48240" bIns="48240" anchor="b">
             <a:noAutofit/>
@@ -359,7 +666,7 @@
                 <a:spcPct val="100000"/>
               </a:lnSpc>
             </a:pPr>
-            <a:fld id="{FAA17858-CAAA-44FD-8763-C02A34D52DE5}" type="slidenum">
+            <a:fld id="{DEAEA588-1AE5-4489-B5E2-2F6097A62987}" type="slidenum">
               <a:rPr b="0" lang="fr-FR" sz="1300" spc="-1" strike="noStrike">
                 <a:solidFill>
                   <a:srgbClr val="000000"/>
@@ -367,10 +674,10 @@
                 <a:latin typeface="+mn-lt"/>
                 <a:ea typeface="+mn-ea"/>
               </a:rPr>
-              <a:t>&lt;number&gt;</a:t>
+              <a:t>1</a:t>
             </a:fld>
             <a:endParaRPr b="0" lang="fr-FR" sz="1300" spc="-1" strike="noStrike">
-              <a:latin typeface="Times New Roman"/>
+              <a:latin typeface="Arial"/>
             </a:endParaRPr>
           </a:p>
         </p:txBody>
@@ -399,7 +706,7 @@
       </p:grpSpPr>
       <p:sp>
         <p:nvSpPr>
-          <p:cNvPr id="107" name="PlaceHolder 1"/>
+          <p:cNvPr id="105" name="PlaceHolder 1"/>
           <p:cNvSpPr>
             <a:spLocks noGrp="1"/>
           </p:cNvSpPr>
@@ -409,8 +716,8 @@
         </p:nvSpPr>
         <p:spPr>
           <a:xfrm>
-            <a:off x="2971800" y="549360"/>
-            <a:ext cx="3657240" cy="2742840"/>
+            <a:off x="216000" y="812520"/>
+            <a:ext cx="7126560" cy="4008240"/>
           </a:xfrm>
           <a:prstGeom prst="rect">
             <a:avLst/>
@@ -419,7 +726,7 @@
       </p:sp>
       <p:sp>
         <p:nvSpPr>
-          <p:cNvPr id="108" name="PlaceHolder 2"/>
+          <p:cNvPr id="106" name="PlaceHolder 2"/>
           <p:cNvSpPr>
             <a:spLocks noGrp="1"/>
           </p:cNvSpPr>
@@ -430,7 +737,7 @@
         <p:spPr>
           <a:xfrm>
             <a:off x="960120" y="3474720"/>
-            <a:ext cx="7680600" cy="3291480"/>
+            <a:ext cx="7679880" cy="3290760"/>
           </a:xfrm>
           <a:prstGeom prst="rect">
             <a:avLst/>
@@ -449,14 +756,14 @@
       </p:sp>
       <p:sp>
         <p:nvSpPr>
-          <p:cNvPr id="109" name="TextShape 3"/>
-          <p:cNvSpPr txBox="1"/>
+          <p:cNvPr id="107" name="CustomShape 3"/>
+          <p:cNvSpPr/>
           <p:nvPr/>
         </p:nvSpPr>
         <p:spPr>
           <a:xfrm>
             <a:off x="5438520" y="6948000"/>
-            <a:ext cx="4160160" cy="365400"/>
+            <a:ext cx="4159440" cy="364680"/>
           </a:xfrm>
           <a:prstGeom prst="rect">
             <a:avLst/>
@@ -466,6 +773,12 @@
             <a:noFill/>
           </a:ln>
         </p:spPr>
+        <p:style>
+          <a:lnRef idx="0"/>
+          <a:fillRef idx="0"/>
+          <a:effectRef idx="0"/>
+          <a:fontRef idx="minor"/>
+        </p:style>
         <p:txBody>
           <a:bodyPr lIns="96840" rIns="96840" tIns="48240" bIns="48240" anchor="b">
             <a:noAutofit/>
@@ -476,7 +789,7 @@
                 <a:spcPct val="100000"/>
               </a:lnSpc>
             </a:pPr>
-            <a:fld id="{5FECE955-63E4-43E6-A518-92F8548088CF}" type="slidenum">
+            <a:fld id="{25AD1B9F-23BA-4D9B-BE0F-CDD974D01FCD}" type="slidenum">
               <a:rPr b="0" lang="fr-FR" sz="1300" spc="-1" strike="noStrike">
                 <a:solidFill>
                   <a:srgbClr val="000000"/>
@@ -484,10 +797,10 @@
                 <a:latin typeface="+mn-lt"/>
                 <a:ea typeface="+mn-ea"/>
               </a:rPr>
-              <a:t>&lt;number&gt;</a:t>
+              <a:t>2</a:t>
             </a:fld>
             <a:endParaRPr b="0" lang="fr-FR" sz="1300" spc="-1" strike="noStrike">
-              <a:latin typeface="Times New Roman"/>
+              <a:latin typeface="Arial"/>
             </a:endParaRPr>
           </a:p>
         </p:txBody>
@@ -538,7 +851,7 @@
       </p:grpSpPr>
       <p:sp>
         <p:nvSpPr>
-          <p:cNvPr id="26" name="PlaceHolder 1"/>
+          <p:cNvPr id="23" name="PlaceHolder 1"/>
           <p:cNvSpPr>
             <a:spLocks noGrp="1"/>
           </p:cNvSpPr>
@@ -548,8 +861,8 @@
         </p:nvSpPr>
         <p:spPr>
           <a:xfrm>
-            <a:off x="2194560" y="6817320"/>
-            <a:ext cx="24871320" cy="4703760"/>
+            <a:off x="2194560" y="7336440"/>
+            <a:ext cx="24870600" cy="3664440"/>
           </a:xfrm>
           <a:prstGeom prst="rect">
             <a:avLst/>
@@ -560,18 +873,16 @@
             <a:spAutoFit/>
           </a:bodyPr>
           <a:p>
-            <a:endParaRPr b="0" lang="en-US" sz="5800" spc="-1" strike="noStrike">
-              <a:solidFill>
-                <a:srgbClr val="000000"/>
-              </a:solidFill>
-              <a:latin typeface="Calibri"/>
+            <a:pPr algn="ctr"/>
+            <a:endParaRPr b="0" lang="fr-FR" sz="4400" spc="-1" strike="noStrike">
+              <a:latin typeface="Arial"/>
             </a:endParaRPr>
           </a:p>
         </p:txBody>
       </p:sp>
       <p:sp>
         <p:nvSpPr>
-          <p:cNvPr id="27" name="PlaceHolder 2"/>
+          <p:cNvPr id="24" name="PlaceHolder 2"/>
           <p:cNvSpPr>
             <a:spLocks noGrp="1"/>
           </p:cNvSpPr>
@@ -582,7 +893,7 @@
         <p:spPr>
           <a:xfrm>
             <a:off x="1463040" y="5135040"/>
-            <a:ext cx="26334360" cy="6071040"/>
+            <a:ext cx="26334000" cy="6070680"/>
           </a:xfrm>
           <a:prstGeom prst="rect">
             <a:avLst/>
@@ -593,18 +904,15 @@
             <a:normAutofit/>
           </a:bodyPr>
           <a:p>
-            <a:endParaRPr b="0" lang="en-US" sz="10200" spc="-1" strike="noStrike">
-              <a:solidFill>
-                <a:srgbClr val="000000"/>
-              </a:solidFill>
-              <a:latin typeface="Calibri"/>
+            <a:endParaRPr b="0" lang="fr-FR" sz="3200" spc="-1" strike="noStrike">
+              <a:latin typeface="Arial"/>
             </a:endParaRPr>
           </a:p>
         </p:txBody>
       </p:sp>
       <p:sp>
         <p:nvSpPr>
-          <p:cNvPr id="28" name="PlaceHolder 3"/>
+          <p:cNvPr id="25" name="PlaceHolder 3"/>
           <p:cNvSpPr>
             <a:spLocks noGrp="1"/>
           </p:cNvSpPr>
@@ -614,8 +922,8 @@
         </p:nvSpPr>
         <p:spPr>
           <a:xfrm>
-            <a:off x="1463040" y="11783160"/>
-            <a:ext cx="26334360" cy="6071040"/>
+            <a:off x="1463040" y="11782800"/>
+            <a:ext cx="26334000" cy="6070680"/>
           </a:xfrm>
           <a:prstGeom prst="rect">
             <a:avLst/>
@@ -626,11 +934,8 @@
             <a:normAutofit/>
           </a:bodyPr>
           <a:p>
-            <a:endParaRPr b="0" lang="en-US" sz="10200" spc="-1" strike="noStrike">
-              <a:solidFill>
-                <a:srgbClr val="000000"/>
-              </a:solidFill>
-              <a:latin typeface="Calibri"/>
+            <a:endParaRPr b="0" lang="fr-FR" sz="3200" spc="-1" strike="noStrike">
+              <a:latin typeface="Arial"/>
             </a:endParaRPr>
           </a:p>
         </p:txBody>
@@ -659,7 +964,7 @@
       </p:grpSpPr>
       <p:sp>
         <p:nvSpPr>
-          <p:cNvPr id="29" name="PlaceHolder 1"/>
+          <p:cNvPr id="26" name="PlaceHolder 1"/>
           <p:cNvSpPr>
             <a:spLocks noGrp="1"/>
           </p:cNvSpPr>
@@ -669,8 +974,8 @@
         </p:nvSpPr>
         <p:spPr>
           <a:xfrm>
-            <a:off x="2194560" y="6817320"/>
-            <a:ext cx="24871320" cy="4703760"/>
+            <a:off x="2194560" y="7336440"/>
+            <a:ext cx="24870600" cy="3664440"/>
           </a:xfrm>
           <a:prstGeom prst="rect">
             <a:avLst/>
@@ -681,18 +986,16 @@
             <a:spAutoFit/>
           </a:bodyPr>
           <a:p>
-            <a:endParaRPr b="0" lang="en-US" sz="5800" spc="-1" strike="noStrike">
-              <a:solidFill>
-                <a:srgbClr val="000000"/>
-              </a:solidFill>
-              <a:latin typeface="Calibri"/>
+            <a:pPr algn="ctr"/>
+            <a:endParaRPr b="0" lang="fr-FR" sz="4400" spc="-1" strike="noStrike">
+              <a:latin typeface="Arial"/>
             </a:endParaRPr>
           </a:p>
         </p:txBody>
       </p:sp>
       <p:sp>
         <p:nvSpPr>
-          <p:cNvPr id="30" name="PlaceHolder 2"/>
+          <p:cNvPr id="27" name="PlaceHolder 2"/>
           <p:cNvSpPr>
             <a:spLocks noGrp="1"/>
           </p:cNvSpPr>
@@ -703,7 +1006,7 @@
         <p:spPr>
           <a:xfrm>
             <a:off x="1463040" y="5135040"/>
-            <a:ext cx="12850920" cy="6071040"/>
+            <a:ext cx="12850920" cy="6070680"/>
           </a:xfrm>
           <a:prstGeom prst="rect">
             <a:avLst/>
@@ -714,18 +1017,15 @@
             <a:normAutofit/>
           </a:bodyPr>
           <a:p>
-            <a:endParaRPr b="0" lang="en-US" sz="10200" spc="-1" strike="noStrike">
-              <a:solidFill>
-                <a:srgbClr val="000000"/>
-              </a:solidFill>
-              <a:latin typeface="Calibri"/>
+            <a:endParaRPr b="0" lang="fr-FR" sz="3200" spc="-1" strike="noStrike">
+              <a:latin typeface="Arial"/>
             </a:endParaRPr>
           </a:p>
         </p:txBody>
       </p:sp>
       <p:sp>
         <p:nvSpPr>
-          <p:cNvPr id="31" name="PlaceHolder 3"/>
+          <p:cNvPr id="28" name="PlaceHolder 3"/>
           <p:cNvSpPr>
             <a:spLocks noGrp="1"/>
           </p:cNvSpPr>
@@ -736,7 +1036,7 @@
         <p:spPr>
           <a:xfrm>
             <a:off x="14956920" y="5135040"/>
-            <a:ext cx="12850920" cy="6071040"/>
+            <a:ext cx="12850920" cy="6070680"/>
           </a:xfrm>
           <a:prstGeom prst="rect">
             <a:avLst/>
@@ -747,18 +1047,15 @@
             <a:normAutofit/>
           </a:bodyPr>
           <a:p>
-            <a:endParaRPr b="0" lang="en-US" sz="10200" spc="-1" strike="noStrike">
-              <a:solidFill>
-                <a:srgbClr val="000000"/>
-              </a:solidFill>
-              <a:latin typeface="Calibri"/>
+            <a:endParaRPr b="0" lang="fr-FR" sz="3200" spc="-1" strike="noStrike">
+              <a:latin typeface="Arial"/>
             </a:endParaRPr>
           </a:p>
         </p:txBody>
       </p:sp>
       <p:sp>
         <p:nvSpPr>
-          <p:cNvPr id="32" name="PlaceHolder 4"/>
+          <p:cNvPr id="29" name="PlaceHolder 4"/>
           <p:cNvSpPr>
             <a:spLocks noGrp="1"/>
           </p:cNvSpPr>
@@ -768,8 +1065,8 @@
         </p:nvSpPr>
         <p:spPr>
           <a:xfrm>
-            <a:off x="1463040" y="11783160"/>
-            <a:ext cx="12850920" cy="6071040"/>
+            <a:off x="1463040" y="11782800"/>
+            <a:ext cx="12850920" cy="6070680"/>
           </a:xfrm>
           <a:prstGeom prst="rect">
             <a:avLst/>
@@ -780,18 +1077,15 @@
             <a:normAutofit/>
           </a:bodyPr>
           <a:p>
-            <a:endParaRPr b="0" lang="en-US" sz="10200" spc="-1" strike="noStrike">
-              <a:solidFill>
-                <a:srgbClr val="000000"/>
-              </a:solidFill>
-              <a:latin typeface="Calibri"/>
+            <a:endParaRPr b="0" lang="fr-FR" sz="3200" spc="-1" strike="noStrike">
+              <a:latin typeface="Arial"/>
             </a:endParaRPr>
           </a:p>
         </p:txBody>
       </p:sp>
       <p:sp>
         <p:nvSpPr>
-          <p:cNvPr id="33" name="PlaceHolder 5"/>
+          <p:cNvPr id="30" name="PlaceHolder 5"/>
           <p:cNvSpPr>
             <a:spLocks noGrp="1"/>
           </p:cNvSpPr>
@@ -801,8 +1095,8 @@
         </p:nvSpPr>
         <p:spPr>
           <a:xfrm>
-            <a:off x="14956920" y="11783160"/>
-            <a:ext cx="12850920" cy="6071040"/>
+            <a:off x="14956920" y="11782800"/>
+            <a:ext cx="12850920" cy="6070680"/>
           </a:xfrm>
           <a:prstGeom prst="rect">
             <a:avLst/>
@@ -813,11 +1107,8 @@
             <a:normAutofit/>
           </a:bodyPr>
           <a:p>
-            <a:endParaRPr b="0" lang="en-US" sz="10200" spc="-1" strike="noStrike">
-              <a:solidFill>
-                <a:srgbClr val="000000"/>
-              </a:solidFill>
-              <a:latin typeface="Calibri"/>
+            <a:endParaRPr b="0" lang="fr-FR" sz="3200" spc="-1" strike="noStrike">
+              <a:latin typeface="Arial"/>
             </a:endParaRPr>
           </a:p>
         </p:txBody>
@@ -846,7 +1137,7 @@
       </p:grpSpPr>
       <p:sp>
         <p:nvSpPr>
-          <p:cNvPr id="34" name="PlaceHolder 1"/>
+          <p:cNvPr id="31" name="PlaceHolder 1"/>
           <p:cNvSpPr>
             <a:spLocks noGrp="1"/>
           </p:cNvSpPr>
@@ -856,8 +1147,8 @@
         </p:nvSpPr>
         <p:spPr>
           <a:xfrm>
-            <a:off x="2194560" y="6817320"/>
-            <a:ext cx="24871320" cy="4703760"/>
+            <a:off x="2194560" y="7336440"/>
+            <a:ext cx="24870600" cy="3664440"/>
           </a:xfrm>
           <a:prstGeom prst="rect">
             <a:avLst/>
@@ -868,18 +1159,16 @@
             <a:spAutoFit/>
           </a:bodyPr>
           <a:p>
-            <a:endParaRPr b="0" lang="en-US" sz="5800" spc="-1" strike="noStrike">
-              <a:solidFill>
-                <a:srgbClr val="000000"/>
-              </a:solidFill>
-              <a:latin typeface="Calibri"/>
+            <a:pPr algn="ctr"/>
+            <a:endParaRPr b="0" lang="fr-FR" sz="4400" spc="-1" strike="noStrike">
+              <a:latin typeface="Arial"/>
             </a:endParaRPr>
           </a:p>
         </p:txBody>
       </p:sp>
       <p:sp>
         <p:nvSpPr>
-          <p:cNvPr id="35" name="PlaceHolder 2"/>
+          <p:cNvPr id="32" name="PlaceHolder 2"/>
           <p:cNvSpPr>
             <a:spLocks noGrp="1"/>
           </p:cNvSpPr>
@@ -890,7 +1179,7 @@
         <p:spPr>
           <a:xfrm>
             <a:off x="1463040" y="5135040"/>
-            <a:ext cx="8479440" cy="6071040"/>
+            <a:ext cx="8479440" cy="6070680"/>
           </a:xfrm>
           <a:prstGeom prst="rect">
             <a:avLst/>
@@ -901,18 +1190,15 @@
             <a:normAutofit/>
           </a:bodyPr>
           <a:p>
-            <a:endParaRPr b="0" lang="en-US" sz="10200" spc="-1" strike="noStrike">
-              <a:solidFill>
-                <a:srgbClr val="000000"/>
-              </a:solidFill>
-              <a:latin typeface="Calibri"/>
+            <a:endParaRPr b="0" lang="fr-FR" sz="3200" spc="-1" strike="noStrike">
+              <a:latin typeface="Arial"/>
             </a:endParaRPr>
           </a:p>
         </p:txBody>
       </p:sp>
       <p:sp>
         <p:nvSpPr>
-          <p:cNvPr id="36" name="PlaceHolder 3"/>
+          <p:cNvPr id="33" name="PlaceHolder 3"/>
           <p:cNvSpPr>
             <a:spLocks noGrp="1"/>
           </p:cNvSpPr>
@@ -923,7 +1209,7 @@
         <p:spPr>
           <a:xfrm>
             <a:off x="10366920" y="5135040"/>
-            <a:ext cx="8479440" cy="6071040"/>
+            <a:ext cx="8479440" cy="6070680"/>
           </a:xfrm>
           <a:prstGeom prst="rect">
             <a:avLst/>
@@ -934,18 +1220,15 @@
             <a:normAutofit/>
           </a:bodyPr>
           <a:p>
-            <a:endParaRPr b="0" lang="en-US" sz="10200" spc="-1" strike="noStrike">
-              <a:solidFill>
-                <a:srgbClr val="000000"/>
-              </a:solidFill>
-              <a:latin typeface="Calibri"/>
+            <a:endParaRPr b="0" lang="fr-FR" sz="3200" spc="-1" strike="noStrike">
+              <a:latin typeface="Arial"/>
             </a:endParaRPr>
           </a:p>
         </p:txBody>
       </p:sp>
       <p:sp>
         <p:nvSpPr>
-          <p:cNvPr id="37" name="PlaceHolder 4"/>
+          <p:cNvPr id="34" name="PlaceHolder 4"/>
           <p:cNvSpPr>
             <a:spLocks noGrp="1"/>
           </p:cNvSpPr>
@@ -956,7 +1239,7 @@
         <p:spPr>
           <a:xfrm>
             <a:off x="19270800" y="5135040"/>
-            <a:ext cx="8479440" cy="6071040"/>
+            <a:ext cx="8479440" cy="6070680"/>
           </a:xfrm>
           <a:prstGeom prst="rect">
             <a:avLst/>
@@ -967,18 +1250,15 @@
             <a:normAutofit/>
           </a:bodyPr>
           <a:p>
-            <a:endParaRPr b="0" lang="en-US" sz="10200" spc="-1" strike="noStrike">
-              <a:solidFill>
-                <a:srgbClr val="000000"/>
-              </a:solidFill>
-              <a:latin typeface="Calibri"/>
+            <a:endParaRPr b="0" lang="fr-FR" sz="3200" spc="-1" strike="noStrike">
+              <a:latin typeface="Arial"/>
             </a:endParaRPr>
           </a:p>
         </p:txBody>
       </p:sp>
       <p:sp>
         <p:nvSpPr>
-          <p:cNvPr id="38" name="PlaceHolder 5"/>
+          <p:cNvPr id="35" name="PlaceHolder 5"/>
           <p:cNvSpPr>
             <a:spLocks noGrp="1"/>
           </p:cNvSpPr>
@@ -988,8 +1268,8 @@
         </p:nvSpPr>
         <p:spPr>
           <a:xfrm>
-            <a:off x="1463040" y="11783160"/>
-            <a:ext cx="8479440" cy="6071040"/>
+            <a:off x="1463040" y="11782800"/>
+            <a:ext cx="8479440" cy="6070680"/>
           </a:xfrm>
           <a:prstGeom prst="rect">
             <a:avLst/>
@@ -1000,18 +1280,15 @@
             <a:normAutofit/>
           </a:bodyPr>
           <a:p>
-            <a:endParaRPr b="0" lang="en-US" sz="10200" spc="-1" strike="noStrike">
-              <a:solidFill>
-                <a:srgbClr val="000000"/>
-              </a:solidFill>
-              <a:latin typeface="Calibri"/>
+            <a:endParaRPr b="0" lang="fr-FR" sz="3200" spc="-1" strike="noStrike">
+              <a:latin typeface="Arial"/>
             </a:endParaRPr>
           </a:p>
         </p:txBody>
       </p:sp>
       <p:sp>
         <p:nvSpPr>
-          <p:cNvPr id="39" name="PlaceHolder 6"/>
+          <p:cNvPr id="36" name="PlaceHolder 6"/>
           <p:cNvSpPr>
             <a:spLocks noGrp="1"/>
           </p:cNvSpPr>
@@ -1021,8 +1298,8 @@
         </p:nvSpPr>
         <p:spPr>
           <a:xfrm>
-            <a:off x="10366920" y="11783160"/>
-            <a:ext cx="8479440" cy="6071040"/>
+            <a:off x="10366920" y="11782800"/>
+            <a:ext cx="8479440" cy="6070680"/>
           </a:xfrm>
           <a:prstGeom prst="rect">
             <a:avLst/>
@@ -1033,18 +1310,15 @@
             <a:normAutofit/>
           </a:bodyPr>
           <a:p>
-            <a:endParaRPr b="0" lang="en-US" sz="10200" spc="-1" strike="noStrike">
-              <a:solidFill>
-                <a:srgbClr val="000000"/>
-              </a:solidFill>
-              <a:latin typeface="Calibri"/>
+            <a:endParaRPr b="0" lang="fr-FR" sz="3200" spc="-1" strike="noStrike">
+              <a:latin typeface="Arial"/>
             </a:endParaRPr>
           </a:p>
         </p:txBody>
       </p:sp>
       <p:sp>
         <p:nvSpPr>
-          <p:cNvPr id="40" name="PlaceHolder 7"/>
+          <p:cNvPr id="37" name="PlaceHolder 7"/>
           <p:cNvSpPr>
             <a:spLocks noGrp="1"/>
           </p:cNvSpPr>
@@ -1054,8 +1328,8 @@
         </p:nvSpPr>
         <p:spPr>
           <a:xfrm>
-            <a:off x="19270800" y="11783160"/>
-            <a:ext cx="8479440" cy="6071040"/>
+            <a:off x="19270800" y="11782800"/>
+            <a:ext cx="8479440" cy="6070680"/>
           </a:xfrm>
           <a:prstGeom prst="rect">
             <a:avLst/>
@@ -1066,11 +1340,8 @@
             <a:normAutofit/>
           </a:bodyPr>
           <a:p>
-            <a:endParaRPr b="0" lang="en-US" sz="10200" spc="-1" strike="noStrike">
-              <a:solidFill>
-                <a:srgbClr val="000000"/>
-              </a:solidFill>
-              <a:latin typeface="Calibri"/>
+            <a:endParaRPr b="0" lang="fr-FR" sz="3200" spc="-1" strike="noStrike">
+              <a:latin typeface="Arial"/>
             </a:endParaRPr>
           </a:p>
         </p:txBody>
@@ -1099,7 +1370,7 @@
       </p:grpSpPr>
       <p:sp>
         <p:nvSpPr>
-          <p:cNvPr id="5" name="PlaceHolder 1"/>
+          <p:cNvPr id="2" name="PlaceHolder 1"/>
           <p:cNvSpPr>
             <a:spLocks noGrp="1"/>
           </p:cNvSpPr>
@@ -1109,8 +1380,8 @@
         </p:nvSpPr>
         <p:spPr>
           <a:xfrm>
-            <a:off x="2194560" y="6817320"/>
-            <a:ext cx="24871320" cy="4703760"/>
+            <a:off x="2194560" y="7336440"/>
+            <a:ext cx="24870600" cy="3664440"/>
           </a:xfrm>
           <a:prstGeom prst="rect">
             <a:avLst/>
@@ -1121,18 +1392,16 @@
             <a:spAutoFit/>
           </a:bodyPr>
           <a:p>
-            <a:endParaRPr b="0" lang="en-US" sz="5800" spc="-1" strike="noStrike">
-              <a:solidFill>
-                <a:srgbClr val="000000"/>
-              </a:solidFill>
-              <a:latin typeface="Calibri"/>
+            <a:pPr algn="ctr"/>
+            <a:endParaRPr b="0" lang="fr-FR" sz="4400" spc="-1" strike="noStrike">
+              <a:latin typeface="Arial"/>
             </a:endParaRPr>
           </a:p>
         </p:txBody>
       </p:sp>
       <p:sp>
         <p:nvSpPr>
-          <p:cNvPr id="6" name="PlaceHolder 2"/>
+          <p:cNvPr id="3" name="PlaceHolder 2"/>
           <p:cNvSpPr>
             <a:spLocks noGrp="1"/>
           </p:cNvSpPr>
@@ -1143,7 +1412,7 @@
         <p:spPr>
           <a:xfrm>
             <a:off x="1463040" y="5135040"/>
-            <a:ext cx="26334360" cy="12727800"/>
+            <a:ext cx="26334000" cy="12727440"/>
           </a:xfrm>
           <a:prstGeom prst="rect">
             <a:avLst/>
@@ -1185,7 +1454,7 @@
       </p:grpSpPr>
       <p:sp>
         <p:nvSpPr>
-          <p:cNvPr id="7" name="PlaceHolder 1"/>
+          <p:cNvPr id="4" name="PlaceHolder 1"/>
           <p:cNvSpPr>
             <a:spLocks noGrp="1"/>
           </p:cNvSpPr>
@@ -1195,8 +1464,8 @@
         </p:nvSpPr>
         <p:spPr>
           <a:xfrm>
-            <a:off x="2194560" y="6817320"/>
-            <a:ext cx="24871320" cy="4703760"/>
+            <a:off x="2194560" y="7336440"/>
+            <a:ext cx="24870600" cy="3664440"/>
           </a:xfrm>
           <a:prstGeom prst="rect">
             <a:avLst/>
@@ -1207,18 +1476,16 @@
             <a:spAutoFit/>
           </a:bodyPr>
           <a:p>
-            <a:endParaRPr b="0" lang="en-US" sz="5800" spc="-1" strike="noStrike">
-              <a:solidFill>
-                <a:srgbClr val="000000"/>
-              </a:solidFill>
-              <a:latin typeface="Calibri"/>
+            <a:pPr algn="ctr"/>
+            <a:endParaRPr b="0" lang="fr-FR" sz="4400" spc="-1" strike="noStrike">
+              <a:latin typeface="Arial"/>
             </a:endParaRPr>
           </a:p>
         </p:txBody>
       </p:sp>
       <p:sp>
         <p:nvSpPr>
-          <p:cNvPr id="8" name="PlaceHolder 2"/>
+          <p:cNvPr id="5" name="PlaceHolder 2"/>
           <p:cNvSpPr>
             <a:spLocks noGrp="1"/>
           </p:cNvSpPr>
@@ -1229,7 +1496,7 @@
         <p:spPr>
           <a:xfrm>
             <a:off x="1463040" y="5135040"/>
-            <a:ext cx="26334360" cy="12727800"/>
+            <a:ext cx="26334000" cy="12727440"/>
           </a:xfrm>
           <a:prstGeom prst="rect">
             <a:avLst/>
@@ -1240,11 +1507,8 @@
             <a:normAutofit/>
           </a:bodyPr>
           <a:p>
-            <a:endParaRPr b="0" lang="en-US" sz="10200" spc="-1" strike="noStrike">
-              <a:solidFill>
-                <a:srgbClr val="000000"/>
-              </a:solidFill>
-              <a:latin typeface="Calibri"/>
+            <a:endParaRPr b="0" lang="fr-FR" sz="3200" spc="-1" strike="noStrike">
+              <a:latin typeface="Arial"/>
             </a:endParaRPr>
           </a:p>
         </p:txBody>
@@ -1273,7 +1537,7 @@
       </p:grpSpPr>
       <p:sp>
         <p:nvSpPr>
-          <p:cNvPr id="9" name="PlaceHolder 1"/>
+          <p:cNvPr id="6" name="PlaceHolder 1"/>
           <p:cNvSpPr>
             <a:spLocks noGrp="1"/>
           </p:cNvSpPr>
@@ -1283,8 +1547,8 @@
         </p:nvSpPr>
         <p:spPr>
           <a:xfrm>
-            <a:off x="2194560" y="6817320"/>
-            <a:ext cx="24871320" cy="4703760"/>
+            <a:off x="2194560" y="7336440"/>
+            <a:ext cx="24870600" cy="3664440"/>
           </a:xfrm>
           <a:prstGeom prst="rect">
             <a:avLst/>
@@ -1295,18 +1559,16 @@
             <a:spAutoFit/>
           </a:bodyPr>
           <a:p>
-            <a:endParaRPr b="0" lang="en-US" sz="5800" spc="-1" strike="noStrike">
-              <a:solidFill>
-                <a:srgbClr val="000000"/>
-              </a:solidFill>
-              <a:latin typeface="Calibri"/>
+            <a:pPr algn="ctr"/>
+            <a:endParaRPr b="0" lang="fr-FR" sz="4400" spc="-1" strike="noStrike">
+              <a:latin typeface="Arial"/>
             </a:endParaRPr>
           </a:p>
         </p:txBody>
       </p:sp>
       <p:sp>
         <p:nvSpPr>
-          <p:cNvPr id="10" name="PlaceHolder 2"/>
+          <p:cNvPr id="7" name="PlaceHolder 2"/>
           <p:cNvSpPr>
             <a:spLocks noGrp="1"/>
           </p:cNvSpPr>
@@ -1317,7 +1579,7 @@
         <p:spPr>
           <a:xfrm>
             <a:off x="1463040" y="5135040"/>
-            <a:ext cx="12850920" cy="12727800"/>
+            <a:ext cx="12850920" cy="12727440"/>
           </a:xfrm>
           <a:prstGeom prst="rect">
             <a:avLst/>
@@ -1328,18 +1590,15 @@
             <a:normAutofit/>
           </a:bodyPr>
           <a:p>
-            <a:endParaRPr b="0" lang="en-US" sz="10200" spc="-1" strike="noStrike">
-              <a:solidFill>
-                <a:srgbClr val="000000"/>
-              </a:solidFill>
-              <a:latin typeface="Calibri"/>
+            <a:endParaRPr b="0" lang="fr-FR" sz="3200" spc="-1" strike="noStrike">
+              <a:latin typeface="Arial"/>
             </a:endParaRPr>
           </a:p>
         </p:txBody>
       </p:sp>
       <p:sp>
         <p:nvSpPr>
-          <p:cNvPr id="11" name="PlaceHolder 3"/>
+          <p:cNvPr id="8" name="PlaceHolder 3"/>
           <p:cNvSpPr>
             <a:spLocks noGrp="1"/>
           </p:cNvSpPr>
@@ -1350,7 +1609,7 @@
         <p:spPr>
           <a:xfrm>
             <a:off x="14956920" y="5135040"/>
-            <a:ext cx="12850920" cy="12727800"/>
+            <a:ext cx="12850920" cy="12727440"/>
           </a:xfrm>
           <a:prstGeom prst="rect">
             <a:avLst/>
@@ -1361,11 +1620,8 @@
             <a:normAutofit/>
           </a:bodyPr>
           <a:p>
-            <a:endParaRPr b="0" lang="en-US" sz="10200" spc="-1" strike="noStrike">
-              <a:solidFill>
-                <a:srgbClr val="000000"/>
-              </a:solidFill>
-              <a:latin typeface="Calibri"/>
+            <a:endParaRPr b="0" lang="fr-FR" sz="3200" spc="-1" strike="noStrike">
+              <a:latin typeface="Arial"/>
             </a:endParaRPr>
           </a:p>
         </p:txBody>
@@ -1394,7 +1650,7 @@
       </p:grpSpPr>
       <p:sp>
         <p:nvSpPr>
-          <p:cNvPr id="12" name="PlaceHolder 1"/>
+          <p:cNvPr id="9" name="PlaceHolder 1"/>
           <p:cNvSpPr>
             <a:spLocks noGrp="1"/>
           </p:cNvSpPr>
@@ -1404,8 +1660,8 @@
         </p:nvSpPr>
         <p:spPr>
           <a:xfrm>
-            <a:off x="2194560" y="6817320"/>
-            <a:ext cx="24871320" cy="4703760"/>
+            <a:off x="2194560" y="7336440"/>
+            <a:ext cx="24870600" cy="3664440"/>
           </a:xfrm>
           <a:prstGeom prst="rect">
             <a:avLst/>
@@ -1416,11 +1672,9 @@
             <a:spAutoFit/>
           </a:bodyPr>
           <a:p>
-            <a:endParaRPr b="0" lang="en-US" sz="5800" spc="-1" strike="noStrike">
-              <a:solidFill>
-                <a:srgbClr val="000000"/>
-              </a:solidFill>
-              <a:latin typeface="Calibri"/>
+            <a:pPr algn="ctr"/>
+            <a:endParaRPr b="0" lang="fr-FR" sz="4400" spc="-1" strike="noStrike">
+              <a:latin typeface="Arial"/>
             </a:endParaRPr>
           </a:p>
         </p:txBody>
@@ -1449,7 +1703,7 @@
       </p:grpSpPr>
       <p:sp>
         <p:nvSpPr>
-          <p:cNvPr id="13" name="PlaceHolder 1"/>
+          <p:cNvPr id="10" name="PlaceHolder 1"/>
           <p:cNvSpPr>
             <a:spLocks noGrp="1"/>
           </p:cNvSpPr>
@@ -1459,8 +1713,8 @@
         </p:nvSpPr>
         <p:spPr>
           <a:xfrm>
-            <a:off x="2194560" y="6817320"/>
-            <a:ext cx="24871320" cy="21805200"/>
+            <a:off x="2194560" y="7336440"/>
+            <a:ext cx="24870600" cy="16987320"/>
           </a:xfrm>
           <a:prstGeom prst="rect">
             <a:avLst/>
@@ -1502,7 +1756,7 @@
       </p:grpSpPr>
       <p:sp>
         <p:nvSpPr>
-          <p:cNvPr id="14" name="PlaceHolder 1"/>
+          <p:cNvPr id="11" name="PlaceHolder 1"/>
           <p:cNvSpPr>
             <a:spLocks noGrp="1"/>
           </p:cNvSpPr>
@@ -1512,8 +1766,8 @@
         </p:nvSpPr>
         <p:spPr>
           <a:xfrm>
-            <a:off x="2194560" y="6817320"/>
-            <a:ext cx="24871320" cy="4703760"/>
+            <a:off x="2194560" y="7336440"/>
+            <a:ext cx="24870600" cy="3664440"/>
           </a:xfrm>
           <a:prstGeom prst="rect">
             <a:avLst/>
@@ -1524,18 +1778,16 @@
             <a:spAutoFit/>
           </a:bodyPr>
           <a:p>
-            <a:endParaRPr b="0" lang="en-US" sz="5800" spc="-1" strike="noStrike">
-              <a:solidFill>
-                <a:srgbClr val="000000"/>
-              </a:solidFill>
-              <a:latin typeface="Calibri"/>
+            <a:pPr algn="ctr"/>
+            <a:endParaRPr b="0" lang="fr-FR" sz="4400" spc="-1" strike="noStrike">
+              <a:latin typeface="Arial"/>
             </a:endParaRPr>
           </a:p>
         </p:txBody>
       </p:sp>
       <p:sp>
         <p:nvSpPr>
-          <p:cNvPr id="15" name="PlaceHolder 2"/>
+          <p:cNvPr id="12" name="PlaceHolder 2"/>
           <p:cNvSpPr>
             <a:spLocks noGrp="1"/>
           </p:cNvSpPr>
@@ -1546,7 +1798,7 @@
         <p:spPr>
           <a:xfrm>
             <a:off x="1463040" y="5135040"/>
-            <a:ext cx="12850920" cy="6071040"/>
+            <a:ext cx="12850920" cy="6070680"/>
           </a:xfrm>
           <a:prstGeom prst="rect">
             <a:avLst/>
@@ -1557,18 +1809,15 @@
             <a:normAutofit/>
           </a:bodyPr>
           <a:p>
-            <a:endParaRPr b="0" lang="en-US" sz="10200" spc="-1" strike="noStrike">
-              <a:solidFill>
-                <a:srgbClr val="000000"/>
-              </a:solidFill>
-              <a:latin typeface="Calibri"/>
+            <a:endParaRPr b="0" lang="fr-FR" sz="3200" spc="-1" strike="noStrike">
+              <a:latin typeface="Arial"/>
             </a:endParaRPr>
           </a:p>
         </p:txBody>
       </p:sp>
       <p:sp>
         <p:nvSpPr>
-          <p:cNvPr id="16" name="PlaceHolder 3"/>
+          <p:cNvPr id="13" name="PlaceHolder 3"/>
           <p:cNvSpPr>
             <a:spLocks noGrp="1"/>
           </p:cNvSpPr>
@@ -1579,7 +1828,7 @@
         <p:spPr>
           <a:xfrm>
             <a:off x="14956920" y="5135040"/>
-            <a:ext cx="12850920" cy="12727800"/>
+            <a:ext cx="12850920" cy="12727440"/>
           </a:xfrm>
           <a:prstGeom prst="rect">
             <a:avLst/>
@@ -1590,18 +1839,15 @@
             <a:normAutofit/>
           </a:bodyPr>
           <a:p>
-            <a:endParaRPr b="0" lang="en-US" sz="10200" spc="-1" strike="noStrike">
-              <a:solidFill>
-                <a:srgbClr val="000000"/>
-              </a:solidFill>
-              <a:latin typeface="Calibri"/>
+            <a:endParaRPr b="0" lang="fr-FR" sz="3200" spc="-1" strike="noStrike">
+              <a:latin typeface="Arial"/>
             </a:endParaRPr>
           </a:p>
         </p:txBody>
       </p:sp>
       <p:sp>
         <p:nvSpPr>
-          <p:cNvPr id="17" name="PlaceHolder 4"/>
+          <p:cNvPr id="14" name="PlaceHolder 4"/>
           <p:cNvSpPr>
             <a:spLocks noGrp="1"/>
           </p:cNvSpPr>
@@ -1611,8 +1857,8 @@
         </p:nvSpPr>
         <p:spPr>
           <a:xfrm>
-            <a:off x="1463040" y="11783160"/>
-            <a:ext cx="12850920" cy="6071040"/>
+            <a:off x="1463040" y="11782800"/>
+            <a:ext cx="12850920" cy="6070680"/>
           </a:xfrm>
           <a:prstGeom prst="rect">
             <a:avLst/>
@@ -1623,11 +1869,8 @@
             <a:normAutofit/>
           </a:bodyPr>
           <a:p>
-            <a:endParaRPr b="0" lang="en-US" sz="10200" spc="-1" strike="noStrike">
-              <a:solidFill>
-                <a:srgbClr val="000000"/>
-              </a:solidFill>
-              <a:latin typeface="Calibri"/>
+            <a:endParaRPr b="0" lang="fr-FR" sz="3200" spc="-1" strike="noStrike">
+              <a:latin typeface="Arial"/>
             </a:endParaRPr>
           </a:p>
         </p:txBody>
@@ -1656,7 +1899,7 @@
       </p:grpSpPr>
       <p:sp>
         <p:nvSpPr>
-          <p:cNvPr id="18" name="PlaceHolder 1"/>
+          <p:cNvPr id="15" name="PlaceHolder 1"/>
           <p:cNvSpPr>
             <a:spLocks noGrp="1"/>
           </p:cNvSpPr>
@@ -1666,8 +1909,8 @@
         </p:nvSpPr>
         <p:spPr>
           <a:xfrm>
-            <a:off x="2194560" y="6817320"/>
-            <a:ext cx="24871320" cy="4703760"/>
+            <a:off x="2194560" y="7336440"/>
+            <a:ext cx="24870600" cy="3664440"/>
           </a:xfrm>
           <a:prstGeom prst="rect">
             <a:avLst/>
@@ -1678,18 +1921,16 @@
             <a:spAutoFit/>
           </a:bodyPr>
           <a:p>
-            <a:endParaRPr b="0" lang="en-US" sz="5800" spc="-1" strike="noStrike">
-              <a:solidFill>
-                <a:srgbClr val="000000"/>
-              </a:solidFill>
-              <a:latin typeface="Calibri"/>
+            <a:pPr algn="ctr"/>
+            <a:endParaRPr b="0" lang="fr-FR" sz="4400" spc="-1" strike="noStrike">
+              <a:latin typeface="Arial"/>
             </a:endParaRPr>
           </a:p>
         </p:txBody>
       </p:sp>
       <p:sp>
         <p:nvSpPr>
-          <p:cNvPr id="19" name="PlaceHolder 2"/>
+          <p:cNvPr id="16" name="PlaceHolder 2"/>
           <p:cNvSpPr>
             <a:spLocks noGrp="1"/>
           </p:cNvSpPr>
@@ -1700,7 +1941,7 @@
         <p:spPr>
           <a:xfrm>
             <a:off x="1463040" y="5135040"/>
-            <a:ext cx="12850920" cy="12727800"/>
+            <a:ext cx="12850920" cy="12727440"/>
           </a:xfrm>
           <a:prstGeom prst="rect">
             <a:avLst/>
@@ -1711,18 +1952,15 @@
             <a:normAutofit/>
           </a:bodyPr>
           <a:p>
-            <a:endParaRPr b="0" lang="en-US" sz="10200" spc="-1" strike="noStrike">
-              <a:solidFill>
-                <a:srgbClr val="000000"/>
-              </a:solidFill>
-              <a:latin typeface="Calibri"/>
+            <a:endParaRPr b="0" lang="fr-FR" sz="3200" spc="-1" strike="noStrike">
+              <a:latin typeface="Arial"/>
             </a:endParaRPr>
           </a:p>
         </p:txBody>
       </p:sp>
       <p:sp>
         <p:nvSpPr>
-          <p:cNvPr id="20" name="PlaceHolder 3"/>
+          <p:cNvPr id="17" name="PlaceHolder 3"/>
           <p:cNvSpPr>
             <a:spLocks noGrp="1"/>
           </p:cNvSpPr>
@@ -1733,7 +1971,7 @@
         <p:spPr>
           <a:xfrm>
             <a:off x="14956920" y="5135040"/>
-            <a:ext cx="12850920" cy="6071040"/>
+            <a:ext cx="12850920" cy="6070680"/>
           </a:xfrm>
           <a:prstGeom prst="rect">
             <a:avLst/>
@@ -1744,18 +1982,15 @@
             <a:normAutofit/>
           </a:bodyPr>
           <a:p>
-            <a:endParaRPr b="0" lang="en-US" sz="10200" spc="-1" strike="noStrike">
-              <a:solidFill>
-                <a:srgbClr val="000000"/>
-              </a:solidFill>
-              <a:latin typeface="Calibri"/>
+            <a:endParaRPr b="0" lang="fr-FR" sz="3200" spc="-1" strike="noStrike">
+              <a:latin typeface="Arial"/>
             </a:endParaRPr>
           </a:p>
         </p:txBody>
       </p:sp>
       <p:sp>
         <p:nvSpPr>
-          <p:cNvPr id="21" name="PlaceHolder 4"/>
+          <p:cNvPr id="18" name="PlaceHolder 4"/>
           <p:cNvSpPr>
             <a:spLocks noGrp="1"/>
           </p:cNvSpPr>
@@ -1765,8 +2000,8 @@
         </p:nvSpPr>
         <p:spPr>
           <a:xfrm>
-            <a:off x="14956920" y="11783160"/>
-            <a:ext cx="12850920" cy="6071040"/>
+            <a:off x="14956920" y="11782800"/>
+            <a:ext cx="12850920" cy="6070680"/>
           </a:xfrm>
           <a:prstGeom prst="rect">
             <a:avLst/>
@@ -1777,11 +2012,8 @@
             <a:normAutofit/>
           </a:bodyPr>
           <a:p>
-            <a:endParaRPr b="0" lang="en-US" sz="10200" spc="-1" strike="noStrike">
-              <a:solidFill>
-                <a:srgbClr val="000000"/>
-              </a:solidFill>
-              <a:latin typeface="Calibri"/>
+            <a:endParaRPr b="0" lang="fr-FR" sz="3200" spc="-1" strike="noStrike">
+              <a:latin typeface="Arial"/>
             </a:endParaRPr>
           </a:p>
         </p:txBody>
@@ -1810,7 +2042,7 @@
       </p:grpSpPr>
       <p:sp>
         <p:nvSpPr>
-          <p:cNvPr id="22" name="PlaceHolder 1"/>
+          <p:cNvPr id="19" name="PlaceHolder 1"/>
           <p:cNvSpPr>
             <a:spLocks noGrp="1"/>
           </p:cNvSpPr>
@@ -1820,8 +2052,8 @@
         </p:nvSpPr>
         <p:spPr>
           <a:xfrm>
-            <a:off x="2194560" y="6817320"/>
-            <a:ext cx="24871320" cy="4703760"/>
+            <a:off x="2194560" y="7336440"/>
+            <a:ext cx="24870600" cy="3664440"/>
           </a:xfrm>
           <a:prstGeom prst="rect">
             <a:avLst/>
@@ -1832,18 +2064,16 @@
             <a:spAutoFit/>
           </a:bodyPr>
           <a:p>
-            <a:endParaRPr b="0" lang="en-US" sz="5800" spc="-1" strike="noStrike">
-              <a:solidFill>
-                <a:srgbClr val="000000"/>
-              </a:solidFill>
-              <a:latin typeface="Calibri"/>
+            <a:pPr algn="ctr"/>
+            <a:endParaRPr b="0" lang="fr-FR" sz="4400" spc="-1" strike="noStrike">
+              <a:latin typeface="Arial"/>
             </a:endParaRPr>
           </a:p>
         </p:txBody>
       </p:sp>
       <p:sp>
         <p:nvSpPr>
-          <p:cNvPr id="23" name="PlaceHolder 2"/>
+          <p:cNvPr id="20" name="PlaceHolder 2"/>
           <p:cNvSpPr>
             <a:spLocks noGrp="1"/>
           </p:cNvSpPr>
@@ -1854,7 +2084,7 @@
         <p:spPr>
           <a:xfrm>
             <a:off x="1463040" y="5135040"/>
-            <a:ext cx="12850920" cy="6071040"/>
+            <a:ext cx="12850920" cy="6070680"/>
           </a:xfrm>
           <a:prstGeom prst="rect">
             <a:avLst/>
@@ -1865,18 +2095,15 @@
             <a:normAutofit/>
           </a:bodyPr>
           <a:p>
-            <a:endParaRPr b="0" lang="en-US" sz="10200" spc="-1" strike="noStrike">
-              <a:solidFill>
-                <a:srgbClr val="000000"/>
-              </a:solidFill>
-              <a:latin typeface="Calibri"/>
+            <a:endParaRPr b="0" lang="fr-FR" sz="3200" spc="-1" strike="noStrike">
+              <a:latin typeface="Arial"/>
             </a:endParaRPr>
           </a:p>
         </p:txBody>
       </p:sp>
       <p:sp>
         <p:nvSpPr>
-          <p:cNvPr id="24" name="PlaceHolder 3"/>
+          <p:cNvPr id="21" name="PlaceHolder 3"/>
           <p:cNvSpPr>
             <a:spLocks noGrp="1"/>
           </p:cNvSpPr>
@@ -1887,7 +2114,7 @@
         <p:spPr>
           <a:xfrm>
             <a:off x="14956920" y="5135040"/>
-            <a:ext cx="12850920" cy="6071040"/>
+            <a:ext cx="12850920" cy="6070680"/>
           </a:xfrm>
           <a:prstGeom prst="rect">
             <a:avLst/>
@@ -1898,18 +2125,15 @@
             <a:normAutofit/>
           </a:bodyPr>
           <a:p>
-            <a:endParaRPr b="0" lang="en-US" sz="10200" spc="-1" strike="noStrike">
-              <a:solidFill>
-                <a:srgbClr val="000000"/>
-              </a:solidFill>
-              <a:latin typeface="Calibri"/>
+            <a:endParaRPr b="0" lang="fr-FR" sz="3200" spc="-1" strike="noStrike">
+              <a:latin typeface="Arial"/>
             </a:endParaRPr>
           </a:p>
         </p:txBody>
       </p:sp>
       <p:sp>
         <p:nvSpPr>
-          <p:cNvPr id="25" name="PlaceHolder 4"/>
+          <p:cNvPr id="22" name="PlaceHolder 4"/>
           <p:cNvSpPr>
             <a:spLocks noGrp="1"/>
           </p:cNvSpPr>
@@ -1919,8 +2143,8 @@
         </p:nvSpPr>
         <p:spPr>
           <a:xfrm>
-            <a:off x="1463040" y="11783160"/>
-            <a:ext cx="26334360" cy="6071040"/>
+            <a:off x="1463040" y="11782800"/>
+            <a:ext cx="26334000" cy="6070680"/>
           </a:xfrm>
           <a:prstGeom prst="rect">
             <a:avLst/>
@@ -1931,11 +2155,8 @@
             <a:normAutofit/>
           </a:bodyPr>
           <a:p>
-            <a:endParaRPr b="0" lang="en-US" sz="10200" spc="-1" strike="noStrike">
-              <a:solidFill>
-                <a:srgbClr val="000000"/>
-              </a:solidFill>
-              <a:latin typeface="Calibri"/>
+            <a:endParaRPr b="0" lang="fr-FR" sz="3200" spc="-1" strike="noStrike">
+              <a:latin typeface="Arial"/>
             </a:endParaRPr>
           </a:p>
         </p:txBody>
@@ -1981,316 +2202,26 @@
         </p:nvSpPr>
         <p:spPr>
           <a:xfrm>
-            <a:off x="2194560" y="6817320"/>
-            <a:ext cx="24871320" cy="4703760"/>
+            <a:off x="2194560" y="7336440"/>
+            <a:ext cx="24870600" cy="3664440"/>
           </a:xfrm>
           <a:prstGeom prst="rect">
             <a:avLst/>
           </a:prstGeom>
         </p:spPr>
         <p:txBody>
-          <a:bodyPr lIns="292680" rIns="292680" tIns="146160" bIns="146160" anchor="ctr">
+          <a:bodyPr lIns="0" rIns="0" tIns="0" bIns="0" anchor="ctr">
             <a:noAutofit/>
           </a:bodyPr>
           <a:p>
-            <a:pPr algn="ctr">
-              <a:lnSpc>
-                <a:spcPct val="100000"/>
-              </a:lnSpc>
-            </a:pPr>
-            <a:r>
-              <a:rPr b="0" lang="en-US" sz="14100" spc="-1" strike="noStrike">
-                <a:solidFill>
-                  <a:srgbClr val="000000"/>
-                </a:solidFill>
-                <a:latin typeface="Calibri"/>
-              </a:rPr>
-              <a:t>C</a:t>
-            </a:r>
-            <a:r>
-              <a:rPr b="0" lang="en-US" sz="14100" spc="-1" strike="noStrike">
-                <a:solidFill>
-                  <a:srgbClr val="000000"/>
-                </a:solidFill>
-                <a:latin typeface="Calibri"/>
-              </a:rPr>
-              <a:t>l</a:t>
-            </a:r>
-            <a:r>
-              <a:rPr b="0" lang="en-US" sz="14100" spc="-1" strike="noStrike">
-                <a:solidFill>
-                  <a:srgbClr val="000000"/>
-                </a:solidFill>
-                <a:latin typeface="Calibri"/>
-              </a:rPr>
-              <a:t>i</a:t>
-            </a:r>
-            <a:r>
-              <a:rPr b="0" lang="en-US" sz="14100" spc="-1" strike="noStrike">
-                <a:solidFill>
-                  <a:srgbClr val="000000"/>
-                </a:solidFill>
-                <a:latin typeface="Calibri"/>
-              </a:rPr>
-              <a:t>c</a:t>
-            </a:r>
-            <a:r>
-              <a:rPr b="0" lang="en-US" sz="14100" spc="-1" strike="noStrike">
-                <a:solidFill>
-                  <a:srgbClr val="000000"/>
-                </a:solidFill>
-                <a:latin typeface="Calibri"/>
-              </a:rPr>
-              <a:t>k</a:t>
-            </a:r>
-            <a:r>
-              <a:rPr b="0" lang="en-US" sz="14100" spc="-1" strike="noStrike">
-                <a:solidFill>
-                  <a:srgbClr val="000000"/>
-                </a:solidFill>
-                <a:latin typeface="Calibri"/>
-              </a:rPr>
-              <a:t> </a:t>
-            </a:r>
-            <a:r>
-              <a:rPr b="0" lang="en-US" sz="14100" spc="-1" strike="noStrike">
-                <a:solidFill>
-                  <a:srgbClr val="000000"/>
-                </a:solidFill>
-                <a:latin typeface="Calibri"/>
-              </a:rPr>
-              <a:t>t</a:t>
-            </a:r>
-            <a:r>
-              <a:rPr b="0" lang="en-US" sz="14100" spc="-1" strike="noStrike">
-                <a:solidFill>
-                  <a:srgbClr val="000000"/>
-                </a:solidFill>
-                <a:latin typeface="Calibri"/>
-              </a:rPr>
-              <a:t>o</a:t>
-            </a:r>
-            <a:r>
-              <a:rPr b="0" lang="en-US" sz="14100" spc="-1" strike="noStrike">
-                <a:solidFill>
-                  <a:srgbClr val="000000"/>
-                </a:solidFill>
-                <a:latin typeface="Calibri"/>
-              </a:rPr>
-              <a:t> </a:t>
-            </a:r>
-            <a:r>
-              <a:rPr b="0" lang="en-US" sz="14100" spc="-1" strike="noStrike">
-                <a:solidFill>
-                  <a:srgbClr val="000000"/>
-                </a:solidFill>
-                <a:latin typeface="Calibri"/>
-              </a:rPr>
-              <a:t>e</a:t>
-            </a:r>
-            <a:r>
-              <a:rPr b="0" lang="en-US" sz="14100" spc="-1" strike="noStrike">
-                <a:solidFill>
-                  <a:srgbClr val="000000"/>
-                </a:solidFill>
-                <a:latin typeface="Calibri"/>
-              </a:rPr>
-              <a:t>d</a:t>
-            </a:r>
-            <a:r>
-              <a:rPr b="0" lang="en-US" sz="14100" spc="-1" strike="noStrike">
-                <a:solidFill>
-                  <a:srgbClr val="000000"/>
-                </a:solidFill>
-                <a:latin typeface="Calibri"/>
-              </a:rPr>
-              <a:t>i</a:t>
-            </a:r>
-            <a:r>
-              <a:rPr b="0" lang="en-US" sz="14100" spc="-1" strike="noStrike">
-                <a:solidFill>
-                  <a:srgbClr val="000000"/>
-                </a:solidFill>
-                <a:latin typeface="Calibri"/>
-              </a:rPr>
-              <a:t>t</a:t>
-            </a:r>
-            <a:r>
-              <a:rPr b="0" lang="en-US" sz="14100" spc="-1" strike="noStrike">
-                <a:solidFill>
-                  <a:srgbClr val="000000"/>
-                </a:solidFill>
-                <a:latin typeface="Calibri"/>
-              </a:rPr>
-              <a:t> </a:t>
-            </a:r>
-            <a:r>
-              <a:rPr b="0" lang="en-US" sz="14100" spc="-1" strike="noStrike">
-                <a:solidFill>
-                  <a:srgbClr val="000000"/>
-                </a:solidFill>
-                <a:latin typeface="Calibri"/>
-              </a:rPr>
-              <a:t>M</a:t>
-            </a:r>
-            <a:r>
-              <a:rPr b="0" lang="en-US" sz="14100" spc="-1" strike="noStrike">
-                <a:solidFill>
-                  <a:srgbClr val="000000"/>
-                </a:solidFill>
-                <a:latin typeface="Calibri"/>
-              </a:rPr>
-              <a:t>a</a:t>
-            </a:r>
-            <a:r>
-              <a:rPr b="0" lang="en-US" sz="14100" spc="-1" strike="noStrike">
-                <a:solidFill>
-                  <a:srgbClr val="000000"/>
-                </a:solidFill>
-                <a:latin typeface="Calibri"/>
-              </a:rPr>
-              <a:t>s</a:t>
-            </a:r>
-            <a:r>
-              <a:rPr b="0" lang="en-US" sz="14100" spc="-1" strike="noStrike">
-                <a:solidFill>
-                  <a:srgbClr val="000000"/>
-                </a:solidFill>
-                <a:latin typeface="Calibri"/>
-              </a:rPr>
-              <a:t>t</a:t>
-            </a:r>
-            <a:r>
-              <a:rPr b="0" lang="en-US" sz="14100" spc="-1" strike="noStrike">
-                <a:solidFill>
-                  <a:srgbClr val="000000"/>
-                </a:solidFill>
-                <a:latin typeface="Calibri"/>
-              </a:rPr>
-              <a:t>e</a:t>
-            </a:r>
-            <a:r>
-              <a:rPr b="0" lang="en-US" sz="14100" spc="-1" strike="noStrike">
-                <a:solidFill>
-                  <a:srgbClr val="000000"/>
-                </a:solidFill>
-                <a:latin typeface="Calibri"/>
-              </a:rPr>
-              <a:t>r</a:t>
-            </a:r>
-            <a:r>
-              <a:rPr b="0" lang="en-US" sz="14100" spc="-1" strike="noStrike">
-                <a:solidFill>
-                  <a:srgbClr val="000000"/>
-                </a:solidFill>
-                <a:latin typeface="Calibri"/>
-              </a:rPr>
-              <a:t> </a:t>
-            </a:r>
-            <a:r>
-              <a:rPr b="0" lang="en-US" sz="14100" spc="-1" strike="noStrike">
-                <a:solidFill>
-                  <a:srgbClr val="000000"/>
-                </a:solidFill>
-                <a:latin typeface="Calibri"/>
-              </a:rPr>
-              <a:t>t</a:t>
-            </a:r>
-            <a:r>
-              <a:rPr b="0" lang="en-US" sz="14100" spc="-1" strike="noStrike">
-                <a:solidFill>
-                  <a:srgbClr val="000000"/>
-                </a:solidFill>
-                <a:latin typeface="Calibri"/>
-              </a:rPr>
-              <a:t>i</a:t>
-            </a:r>
-            <a:r>
-              <a:rPr b="0" lang="en-US" sz="14100" spc="-1" strike="noStrike">
-                <a:solidFill>
-                  <a:srgbClr val="000000"/>
-                </a:solidFill>
-                <a:latin typeface="Calibri"/>
-              </a:rPr>
-              <a:t>t</a:t>
-            </a:r>
-            <a:r>
-              <a:rPr b="0" lang="en-US" sz="14100" spc="-1" strike="noStrike">
-                <a:solidFill>
-                  <a:srgbClr val="000000"/>
-                </a:solidFill>
-                <a:latin typeface="Calibri"/>
-              </a:rPr>
-              <a:t>l</a:t>
-            </a:r>
-            <a:r>
-              <a:rPr b="0" lang="en-US" sz="14100" spc="-1" strike="noStrike">
-                <a:solidFill>
-                  <a:srgbClr val="000000"/>
-                </a:solidFill>
-                <a:latin typeface="Calibri"/>
-              </a:rPr>
-              <a:t>e</a:t>
-            </a:r>
-            <a:r>
-              <a:rPr b="0" lang="en-US" sz="14100" spc="-1" strike="noStrike">
-                <a:solidFill>
-                  <a:srgbClr val="000000"/>
-                </a:solidFill>
-                <a:latin typeface="Calibri"/>
-              </a:rPr>
-              <a:t> </a:t>
-            </a:r>
-            <a:r>
-              <a:rPr b="0" lang="en-US" sz="14100" spc="-1" strike="noStrike">
-                <a:solidFill>
-                  <a:srgbClr val="000000"/>
-                </a:solidFill>
-                <a:latin typeface="Calibri"/>
-              </a:rPr>
-              <a:t>s</a:t>
-            </a:r>
-            <a:r>
-              <a:rPr b="0" lang="en-US" sz="14100" spc="-1" strike="noStrike">
-                <a:solidFill>
-                  <a:srgbClr val="000000"/>
-                </a:solidFill>
-                <a:latin typeface="Calibri"/>
-              </a:rPr>
-              <a:t>t</a:t>
-            </a:r>
-            <a:r>
-              <a:rPr b="0" lang="en-US" sz="14100" spc="-1" strike="noStrike">
-                <a:solidFill>
-                  <a:srgbClr val="000000"/>
-                </a:solidFill>
-                <a:latin typeface="Calibri"/>
-              </a:rPr>
-              <a:t>y</a:t>
-            </a:r>
-            <a:r>
-              <a:rPr b="0" lang="en-US" sz="14100" spc="-1" strike="noStrike">
-                <a:solidFill>
-                  <a:srgbClr val="000000"/>
-                </a:solidFill>
-                <a:latin typeface="Calibri"/>
-              </a:rPr>
-              <a:t>l</a:t>
-            </a:r>
-            <a:r>
-              <a:rPr b="0" lang="en-US" sz="14100" spc="-1" strike="noStrike">
-                <a:solidFill>
-                  <a:srgbClr val="000000"/>
-                </a:solidFill>
-                <a:latin typeface="Calibri"/>
-              </a:rPr>
-              <a:t>e</a:t>
-            </a:r>
-            <a:endParaRPr b="0" lang="en-US" sz="14100" spc="-1" strike="noStrike">
-              <a:solidFill>
-                <a:srgbClr val="000000"/>
-              </a:solidFill>
-              <a:latin typeface="Calibri"/>
+            <a:r>
+              <a:rPr b="0" lang="fr-FR" sz="1800" spc="-1" strike="noStrike">
+                <a:latin typeface="Arial"/>
+              </a:rPr>
+              <a:t>Click to edit the title text format</a:t>
+            </a:r>
+            <a:endParaRPr b="0" lang="fr-FR" sz="1800" spc="-1" strike="noStrike">
+              <a:latin typeface="Arial"/>
             </a:endParaRPr>
           </a:p>
         </p:txBody>
@@ -2302,131 +2233,13 @@
             <a:spLocks noGrp="1"/>
           </p:cNvSpPr>
           <p:nvPr>
-            <p:ph type="dt"/>
-          </p:nvPr>
-        </p:nvSpPr>
-        <p:spPr>
-          <a:xfrm>
-            <a:off x="1463040" y="20340360"/>
-            <a:ext cx="6827040" cy="1168200"/>
-          </a:xfrm>
-          <a:prstGeom prst="rect">
-            <a:avLst/>
-          </a:prstGeom>
-        </p:spPr>
-        <p:txBody>
-          <a:bodyPr lIns="292680" rIns="292680" tIns="146160" bIns="146160" anchor="ctr">
-            <a:noAutofit/>
-          </a:bodyPr>
-          <a:p>
-            <a:pPr>
-              <a:lnSpc>
-                <a:spcPct val="100000"/>
-              </a:lnSpc>
-            </a:pPr>
-            <a:fld id="{8C83F5DF-4682-48F7-AB3D-241F87F6749A}" type="datetime">
-              <a:rPr b="0" lang="fr-FR" sz="3800" spc="-1" strike="noStrike">
-                <a:solidFill>
-                  <a:srgbClr val="8b8b8b"/>
-                </a:solidFill>
-                <a:latin typeface="Calibri"/>
-              </a:rPr>
-              <a:t>20/09/2020</a:t>
-            </a:fld>
-            <a:endParaRPr b="0" lang="fr-FR" sz="3800" spc="-1" strike="noStrike">
-              <a:latin typeface="Times New Roman"/>
-            </a:endParaRPr>
-          </a:p>
-        </p:txBody>
-      </p:sp>
-      <p:sp>
-        <p:nvSpPr>
-          <p:cNvPr id="2" name="PlaceHolder 3"/>
-          <p:cNvSpPr>
-            <a:spLocks noGrp="1"/>
-          </p:cNvSpPr>
-          <p:nvPr>
-            <p:ph type="ftr"/>
-          </p:nvPr>
-        </p:nvSpPr>
-        <p:spPr>
-          <a:xfrm>
-            <a:off x="9997560" y="20340360"/>
-            <a:ext cx="9265680" cy="1168200"/>
-          </a:xfrm>
-          <a:prstGeom prst="rect">
-            <a:avLst/>
-          </a:prstGeom>
-        </p:spPr>
-        <p:txBody>
-          <a:bodyPr lIns="292680" rIns="292680" tIns="146160" bIns="146160" anchor="ctr">
-            <a:noAutofit/>
-          </a:bodyPr>
-          <a:p>
-            <a:endParaRPr b="0" lang="fr-FR" sz="2400" spc="-1" strike="noStrike">
-              <a:latin typeface="Times New Roman"/>
-            </a:endParaRPr>
-          </a:p>
-        </p:txBody>
-      </p:sp>
-      <p:sp>
-        <p:nvSpPr>
-          <p:cNvPr id="3" name="PlaceHolder 4"/>
-          <p:cNvSpPr>
-            <a:spLocks noGrp="1"/>
-          </p:cNvSpPr>
-          <p:nvPr>
-            <p:ph type="sldNum"/>
-          </p:nvPr>
-        </p:nvSpPr>
-        <p:spPr>
-          <a:xfrm>
-            <a:off x="20970360" y="20340360"/>
-            <a:ext cx="6827040" cy="1168200"/>
-          </a:xfrm>
-          <a:prstGeom prst="rect">
-            <a:avLst/>
-          </a:prstGeom>
-        </p:spPr>
-        <p:txBody>
-          <a:bodyPr lIns="292680" rIns="292680" tIns="146160" bIns="146160" anchor="ctr">
-            <a:noAutofit/>
-          </a:bodyPr>
-          <a:p>
-            <a:pPr algn="r">
-              <a:lnSpc>
-                <a:spcPct val="100000"/>
-              </a:lnSpc>
-            </a:pPr>
-            <a:fld id="{7D34F609-8D4B-4A8B-B119-B0A83FCE5E61}" type="slidenum">
-              <a:rPr b="0" lang="fr-FR" sz="3800" spc="-1" strike="noStrike">
-                <a:solidFill>
-                  <a:srgbClr val="8b8b8b"/>
-                </a:solidFill>
-                <a:latin typeface="Calibri"/>
-              </a:rPr>
-              <a:t>&lt;number&gt;</a:t>
-            </a:fld>
-            <a:endParaRPr b="0" lang="fr-FR" sz="3800" spc="-1" strike="noStrike">
-              <a:latin typeface="Times New Roman"/>
-            </a:endParaRPr>
-          </a:p>
-        </p:txBody>
-      </p:sp>
-      <p:sp>
-        <p:nvSpPr>
-          <p:cNvPr id="4" name="PlaceHolder 5"/>
-          <p:cNvSpPr>
-            <a:spLocks noGrp="1"/>
-          </p:cNvSpPr>
-          <p:nvPr>
             <p:ph type="body"/>
           </p:nvPr>
         </p:nvSpPr>
         <p:spPr>
           <a:xfrm>
             <a:off x="1463040" y="5135040"/>
-            <a:ext cx="26334360" cy="12727800"/>
+            <a:ext cx="26334000" cy="12727440"/>
           </a:xfrm>
           <a:prstGeom prst="rect">
             <a:avLst/>
@@ -2449,19 +2262,13 @@
               <a:buChar char=""/>
             </a:pPr>
             <a:r>
-              <a:rPr b="0" lang="en-US" sz="10200" spc="-1" strike="noStrike">
-                <a:solidFill>
-                  <a:srgbClr val="000000"/>
-                </a:solidFill>
-                <a:latin typeface="Calibri"/>
+              <a:rPr b="0" lang="fr-FR" sz="1800" spc="-1" strike="noStrike">
+                <a:latin typeface="Arial"/>
               </a:rPr>
               <a:t>Click to edit the outline text format</a:t>
             </a:r>
-            <a:endParaRPr b="0" lang="en-US" sz="10200" spc="-1" strike="noStrike">
-              <a:solidFill>
-                <a:srgbClr val="000000"/>
-              </a:solidFill>
-              <a:latin typeface="Calibri"/>
+            <a:endParaRPr b="0" lang="fr-FR" sz="1800" spc="-1" strike="noStrike">
+              <a:latin typeface="Arial"/>
             </a:endParaRPr>
           </a:p>
           <a:p>
@@ -2477,19 +2284,13 @@
               <a:buChar char=""/>
             </a:pPr>
             <a:r>
-              <a:rPr b="0" lang="en-US" sz="7700" spc="-1" strike="noStrike">
-                <a:solidFill>
-                  <a:srgbClr val="000000"/>
-                </a:solidFill>
-                <a:latin typeface="Calibri"/>
+              <a:rPr b="0" lang="fr-FR" sz="1800" spc="-1" strike="noStrike">
+                <a:latin typeface="Arial"/>
               </a:rPr>
               <a:t>Second Outline Level</a:t>
             </a:r>
-            <a:endParaRPr b="0" lang="en-US" sz="7700" spc="-1" strike="noStrike">
-              <a:solidFill>
-                <a:srgbClr val="000000"/>
-              </a:solidFill>
-              <a:latin typeface="Calibri"/>
+            <a:endParaRPr b="0" lang="fr-FR" sz="1800" spc="-1" strike="noStrike">
+              <a:latin typeface="Arial"/>
             </a:endParaRPr>
           </a:p>
           <a:p>
@@ -2505,19 +2306,13 @@
               <a:buChar char=""/>
             </a:pPr>
             <a:r>
-              <a:rPr b="0" lang="en-US" sz="6400" spc="-1" strike="noStrike">
-                <a:solidFill>
-                  <a:srgbClr val="000000"/>
-                </a:solidFill>
-                <a:latin typeface="Calibri"/>
+              <a:rPr b="0" lang="fr-FR" sz="1800" spc="-1" strike="noStrike">
+                <a:latin typeface="Arial"/>
               </a:rPr>
               <a:t>Third Outline Level</a:t>
             </a:r>
-            <a:endParaRPr b="0" lang="en-US" sz="6400" spc="-1" strike="noStrike">
-              <a:solidFill>
-                <a:srgbClr val="000000"/>
-              </a:solidFill>
-              <a:latin typeface="Calibri"/>
+            <a:endParaRPr b="0" lang="fr-FR" sz="1800" spc="-1" strike="noStrike">
+              <a:latin typeface="Arial"/>
             </a:endParaRPr>
           </a:p>
           <a:p>
@@ -2533,19 +2328,13 @@
               <a:buChar char=""/>
             </a:pPr>
             <a:r>
-              <a:rPr b="0" lang="en-US" sz="6400" spc="-1" strike="noStrike">
-                <a:solidFill>
-                  <a:srgbClr val="000000"/>
-                </a:solidFill>
-                <a:latin typeface="Calibri"/>
+              <a:rPr b="0" lang="fr-FR" sz="1800" spc="-1" strike="noStrike">
+                <a:latin typeface="Arial"/>
               </a:rPr>
               <a:t>Fourth Outline Level</a:t>
             </a:r>
-            <a:endParaRPr b="0" lang="en-US" sz="6400" spc="-1" strike="noStrike">
-              <a:solidFill>
-                <a:srgbClr val="000000"/>
-              </a:solidFill>
-              <a:latin typeface="Calibri"/>
+            <a:endParaRPr b="0" lang="fr-FR" sz="1800" spc="-1" strike="noStrike">
+              <a:latin typeface="Arial"/>
             </a:endParaRPr>
           </a:p>
           <a:p>
@@ -2561,19 +2350,13 @@
               <a:buChar char=""/>
             </a:pPr>
             <a:r>
-              <a:rPr b="0" lang="en-US" sz="2000" spc="-1" strike="noStrike">
-                <a:solidFill>
-                  <a:srgbClr val="000000"/>
-                </a:solidFill>
-                <a:latin typeface="Calibri"/>
+              <a:rPr b="0" lang="fr-FR" sz="1800" spc="-1" strike="noStrike">
+                <a:latin typeface="Arial"/>
               </a:rPr>
               <a:t>Fifth Outline Level</a:t>
             </a:r>
-            <a:endParaRPr b="0" lang="en-US" sz="2000" spc="-1" strike="noStrike">
-              <a:solidFill>
-                <a:srgbClr val="000000"/>
-              </a:solidFill>
-              <a:latin typeface="Calibri"/>
+            <a:endParaRPr b="0" lang="fr-FR" sz="1800" spc="-1" strike="noStrike">
+              <a:latin typeface="Arial"/>
             </a:endParaRPr>
           </a:p>
           <a:p>
@@ -2589,19 +2372,13 @@
               <a:buChar char=""/>
             </a:pPr>
             <a:r>
-              <a:rPr b="0" lang="en-US" sz="2000" spc="-1" strike="noStrike">
-                <a:solidFill>
-                  <a:srgbClr val="000000"/>
-                </a:solidFill>
-                <a:latin typeface="Calibri"/>
+              <a:rPr b="0" lang="fr-FR" sz="1800" spc="-1" strike="noStrike">
+                <a:latin typeface="Arial"/>
               </a:rPr>
               <a:t>Sixth Outline Level</a:t>
             </a:r>
-            <a:endParaRPr b="0" lang="en-US" sz="2000" spc="-1" strike="noStrike">
-              <a:solidFill>
-                <a:srgbClr val="000000"/>
-              </a:solidFill>
-              <a:latin typeface="Calibri"/>
+            <a:endParaRPr b="0" lang="fr-FR" sz="1800" spc="-1" strike="noStrike">
+              <a:latin typeface="Arial"/>
             </a:endParaRPr>
           </a:p>
           <a:p>
@@ -2617,19 +2394,13 @@
               <a:buChar char=""/>
             </a:pPr>
             <a:r>
-              <a:rPr b="0" lang="en-US" sz="2000" spc="-1" strike="noStrike">
-                <a:solidFill>
-                  <a:srgbClr val="000000"/>
-                </a:solidFill>
-                <a:latin typeface="Calibri"/>
+              <a:rPr b="0" lang="fr-FR" sz="1800" spc="-1" strike="noStrike">
+                <a:latin typeface="Arial"/>
               </a:rPr>
               <a:t>Seventh Outline Level</a:t>
             </a:r>
-            <a:endParaRPr b="0" lang="en-US" sz="2000" spc="-1" strike="noStrike">
-              <a:solidFill>
-                <a:srgbClr val="000000"/>
-              </a:solidFill>
-              <a:latin typeface="Calibri"/>
+            <a:endParaRPr b="0" lang="fr-FR" sz="1800" spc="-1" strike="noStrike">
+              <a:latin typeface="Arial"/>
             </a:endParaRPr>
           </a:p>
         </p:txBody>
@@ -2673,14 +2444,14 @@
       </p:grpSpPr>
       <p:sp>
         <p:nvSpPr>
-          <p:cNvPr id="47" name="CustomShape 1"/>
+          <p:cNvPr id="44" name="CustomShape 1"/>
           <p:cNvSpPr/>
           <p:nvPr/>
         </p:nvSpPr>
         <p:spPr>
           <a:xfrm>
             <a:off x="17068680" y="9592560"/>
-            <a:ext cx="5486040" cy="5809320"/>
+            <a:ext cx="5485320" cy="5808600"/>
           </a:xfrm>
           <a:prstGeom prst="rect">
             <a:avLst/>
@@ -2715,6 +2486,7 @@
                   <a:srgbClr val="000000"/>
                 </a:solidFill>
                 <a:latin typeface="Arial"/>
+                <a:ea typeface="DejaVu Sans"/>
               </a:rPr>
               <a:t>Channels</a:t>
             </a:r>
@@ -2744,6 +2516,7 @@
                   <a:srgbClr val="002060"/>
                 </a:solidFill>
                 <a:latin typeface="Arial Narrow"/>
+                <a:ea typeface="DejaVu Sans"/>
               </a:rPr>
               <a:t>How do we communicate with customers during </a:t>
             </a:r>
@@ -2754,6 +2527,7 @@
                   <a:srgbClr val="002060"/>
                 </a:solidFill>
                 <a:latin typeface="Arial Narrow"/>
+                <a:ea typeface="DejaVu Sans"/>
               </a:rPr>
               <a:t>the different phases of the engagement? (see below)</a:t>
             </a:r>
@@ -2773,6 +2547,7 @@
                   <a:srgbClr val="002060"/>
                 </a:solidFill>
                 <a:latin typeface="Arial Narrow"/>
+                <a:ea typeface="DejaVu Sans"/>
               </a:rPr>
               <a:t>How will we reach our customers physically?</a:t>
             </a:r>
@@ -2792,6 +2567,7 @@
                   <a:srgbClr val="002060"/>
                 </a:solidFill>
                 <a:latin typeface="Arial Narrow"/>
+                <a:ea typeface="DejaVu Sans"/>
               </a:rPr>
               <a:t>Which end-user channels will scale?</a:t>
             </a:r>
@@ -2821,6 +2597,7 @@
                   <a:srgbClr val="002060"/>
                 </a:solidFill>
                 <a:latin typeface="Arial Narrow"/>
+                <a:ea typeface="DejaVu Sans"/>
               </a:rPr>
               <a:t>Customer Channel phases:</a:t>
             </a:r>
@@ -2840,6 +2617,7 @@
                   <a:srgbClr val="002060"/>
                 </a:solidFill>
                 <a:latin typeface="Arial Narrow"/>
+                <a:ea typeface="DejaVu Sans"/>
               </a:rPr>
               <a:t>Awareness - How folk know about our products?</a:t>
             </a:r>
@@ -2848,7 +2626,7 @@
             </a:endParaRPr>
           </a:p>
           <a:p>
-            <a:pPr marL="228600" indent="-228240">
+            <a:pPr marL="228600" indent="-227520">
               <a:lnSpc>
                 <a:spcPct val="100000"/>
               </a:lnSpc>
@@ -2859,6 +2637,7 @@
                   <a:srgbClr val="002060"/>
                 </a:solidFill>
                 <a:latin typeface="Arial Narrow"/>
+                <a:ea typeface="DejaVu Sans"/>
               </a:rPr>
               <a:t>Advertising, Demonstrations…</a:t>
             </a:r>
@@ -2867,7 +2646,7 @@
             </a:endParaRPr>
           </a:p>
           <a:p>
-            <a:pPr marL="228600" indent="-228240">
+            <a:pPr marL="228600" indent="-227520">
               <a:lnSpc>
                 <a:spcPct val="100000"/>
               </a:lnSpc>
@@ -2878,6 +2657,7 @@
                   <a:srgbClr val="002060"/>
                 </a:solidFill>
                 <a:latin typeface="Arial Narrow"/>
+                <a:ea typeface="DejaVu Sans"/>
               </a:rPr>
               <a:t>Evaluation - How we help customers decide to Purchase - How do</a:t>
             </a:r>
@@ -2886,7 +2666,7 @@
             </a:endParaRPr>
           </a:p>
           <a:p>
-            <a:pPr marL="228600" indent="-228240">
+            <a:pPr marL="228600" indent="-227520">
               <a:lnSpc>
                 <a:spcPct val="100000"/>
               </a:lnSpc>
@@ -2897,6 +2677,7 @@
                   <a:srgbClr val="002060"/>
                 </a:solidFill>
                 <a:latin typeface="Arial Narrow"/>
+                <a:ea typeface="DejaVu Sans"/>
               </a:rPr>
               <a:t>customers purchase product?</a:t>
             </a:r>
@@ -2905,7 +2686,7 @@
             </a:endParaRPr>
           </a:p>
           <a:p>
-            <a:pPr marL="228600" indent="-228240">
+            <a:pPr marL="228600" indent="-227520">
               <a:lnSpc>
                 <a:spcPct val="100000"/>
               </a:lnSpc>
@@ -2916,6 +2697,7 @@
                   <a:srgbClr val="002060"/>
                 </a:solidFill>
                 <a:latin typeface="Arial Narrow"/>
+                <a:ea typeface="DejaVu Sans"/>
               </a:rPr>
               <a:t>Sales Channels, Payment Methods…</a:t>
             </a:r>
@@ -2924,7 +2706,7 @@
             </a:endParaRPr>
           </a:p>
           <a:p>
-            <a:pPr>
+            <a:pPr marL="228600" indent="-227520">
               <a:lnSpc>
                 <a:spcPct val="100000"/>
               </a:lnSpc>
@@ -2935,6 +2717,7 @@
                   <a:srgbClr val="002060"/>
                 </a:solidFill>
                 <a:latin typeface="Arial Narrow"/>
+                <a:ea typeface="DejaVu Sans"/>
               </a:rPr>
               <a:t>Delivery - How do we deliver our value prop?</a:t>
             </a:r>
@@ -2943,7 +2726,7 @@
             </a:endParaRPr>
           </a:p>
           <a:p>
-            <a:pPr>
+            <a:pPr marL="228600" indent="-227520">
               <a:lnSpc>
                 <a:spcPct val="100000"/>
               </a:lnSpc>
@@ -2954,6 +2737,7 @@
                   <a:srgbClr val="002060"/>
                 </a:solidFill>
                 <a:latin typeface="Arial Narrow"/>
+                <a:ea typeface="DejaVu Sans"/>
               </a:rPr>
               <a:t>Physical Delivery, Last Mile Routing, Access to Services…</a:t>
             </a:r>
@@ -2962,7 +2746,7 @@
             </a:endParaRPr>
           </a:p>
           <a:p>
-            <a:pPr>
+            <a:pPr marL="228600" indent="-227520">
               <a:lnSpc>
                 <a:spcPct val="100000"/>
               </a:lnSpc>
@@ -2973,6 +2757,7 @@
                   <a:srgbClr val="002060"/>
                 </a:solidFill>
                 <a:latin typeface="Arial Narrow"/>
+                <a:ea typeface="DejaVu Sans"/>
               </a:rPr>
               <a:t>After Sale - How do we provide on-going support?</a:t>
             </a:r>
@@ -2981,7 +2766,7 @@
             </a:endParaRPr>
           </a:p>
           <a:p>
-            <a:pPr>
+            <a:pPr marL="228600" indent="-227520">
               <a:lnSpc>
                 <a:spcPct val="100000"/>
               </a:lnSpc>
@@ -2992,6 +2777,7 @@
                   <a:srgbClr val="002060"/>
                 </a:solidFill>
                 <a:latin typeface="Arial Narrow"/>
+                <a:ea typeface="DejaVu Sans"/>
               </a:rPr>
               <a:t>Maintenance, Consumables…</a:t>
             </a:r>
@@ -3000,17 +2786,17 @@
             </a:endParaRPr>
           </a:p>
           <a:p>
-            <a:pPr>
-              <a:lnSpc>
-                <a:spcPct val="100000"/>
-              </a:lnSpc>
-            </a:pPr>
-            <a:endParaRPr b="0" lang="fr-FR" sz="1400" spc="-1" strike="noStrike">
-              <a:latin typeface="Arial"/>
-            </a:endParaRPr>
-          </a:p>
-          <a:p>
-            <a:pPr>
+            <a:pPr marL="228600" indent="-227520">
+              <a:lnSpc>
+                <a:spcPct val="100000"/>
+              </a:lnSpc>
+            </a:pPr>
+            <a:endParaRPr b="0" lang="fr-FR" sz="1400" spc="-1" strike="noStrike">
+              <a:latin typeface="Arial"/>
+            </a:endParaRPr>
+          </a:p>
+          <a:p>
+            <a:pPr marL="228600" indent="-227520">
               <a:lnSpc>
                 <a:spcPct val="100000"/>
               </a:lnSpc>
@@ -3023,7 +2809,7 @@
       </p:sp>
       <p:pic>
         <p:nvPicPr>
-          <p:cNvPr id="48" name="Picture 29" descr=""/>
+          <p:cNvPr id="45" name="Picture 29" descr=""/>
           <p:cNvPicPr/>
           <p:nvPr/>
         </p:nvPicPr>
@@ -3034,7 +2820,7 @@
         <p:spPr>
           <a:xfrm>
             <a:off x="20806560" y="9632880"/>
-            <a:ext cx="1666440" cy="1316520"/>
+            <a:ext cx="1665720" cy="1315800"/>
           </a:xfrm>
           <a:prstGeom prst="rect">
             <a:avLst/>
@@ -3046,14 +2832,14 @@
       </p:pic>
       <p:sp>
         <p:nvSpPr>
-          <p:cNvPr id="49" name="CustomShape 2"/>
+          <p:cNvPr id="46" name="CustomShape 2"/>
           <p:cNvSpPr/>
           <p:nvPr/>
         </p:nvSpPr>
         <p:spPr>
           <a:xfrm>
             <a:off x="11582280" y="3979080"/>
-            <a:ext cx="5486040" cy="11424960"/>
+            <a:ext cx="5485320" cy="11424240"/>
           </a:xfrm>
           <a:prstGeom prst="rect">
             <a:avLst/>
@@ -3088,6 +2874,7 @@
                   <a:srgbClr val="000000"/>
                 </a:solidFill>
                 <a:latin typeface="Arial"/>
+                <a:ea typeface="DejaVu Sans"/>
               </a:rPr>
               <a:t>Value</a:t>
             </a:r>
@@ -3107,6 +2894,7 @@
                   <a:srgbClr val="000000"/>
                 </a:solidFill>
                 <a:latin typeface="Arial"/>
+                <a:ea typeface="DejaVu Sans"/>
               </a:rPr>
               <a:t>Propositions</a:t>
             </a:r>
@@ -3136,6 +2924,7 @@
                   <a:srgbClr val="002060"/>
                 </a:solidFill>
                 <a:latin typeface="Arial Narrow"/>
+                <a:ea typeface="DejaVu Sans"/>
               </a:rPr>
               <a:t>What value do we deliver to our customer?</a:t>
             </a:r>
@@ -3155,6 +2944,7 @@
                   <a:srgbClr val="002060"/>
                 </a:solidFill>
                 <a:latin typeface="Arial Narrow"/>
+                <a:ea typeface="DejaVu Sans"/>
               </a:rPr>
               <a:t>What problem are we solving for our customer?</a:t>
             </a:r>
@@ -3174,6 +2964,7 @@
                   <a:srgbClr val="002060"/>
                 </a:solidFill>
                 <a:latin typeface="Arial Narrow"/>
+                <a:ea typeface="DejaVu Sans"/>
               </a:rPr>
               <a:t>What added value are we providing?</a:t>
             </a:r>
@@ -3193,6 +2984,7 @@
                   <a:srgbClr val="002060"/>
                 </a:solidFill>
                 <a:latin typeface="Arial Narrow"/>
+                <a:ea typeface="DejaVu Sans"/>
               </a:rPr>
               <a:t>What bundles of products and services do we offer each Customer Segment?</a:t>
             </a:r>
@@ -3212,6 +3004,7 @@
                   <a:srgbClr val="002060"/>
                 </a:solidFill>
                 <a:latin typeface="Arial Narrow"/>
+                <a:ea typeface="DejaVu Sans"/>
               </a:rPr>
               <a:t>Which customer needs do we satisfy?</a:t>
             </a:r>
@@ -3231,6 +3024,7 @@
                   <a:srgbClr val="002060"/>
                 </a:solidFill>
                 <a:latin typeface="Arial Narrow"/>
+                <a:ea typeface="DejaVu Sans"/>
               </a:rPr>
               <a:t>Why should our customers choose us over our competitors (or no solution at all)?</a:t>
             </a:r>
@@ -3260,6 +3054,7 @@
                   <a:srgbClr val="002060"/>
                 </a:solidFill>
                 <a:latin typeface="Arial Narrow"/>
+                <a:ea typeface="DejaVu Sans"/>
               </a:rPr>
               <a:t>Some Potential Value Propositions:</a:t>
             </a:r>
@@ -3268,7 +3063,7 @@
             </a:endParaRPr>
           </a:p>
           <a:p>
-            <a:pPr indent="-216000">
+            <a:pPr marL="216000" indent="-215280">
               <a:lnSpc>
                 <a:spcPct val="100000"/>
               </a:lnSpc>
@@ -3284,6 +3079,7 @@
                   <a:srgbClr val="002060"/>
                 </a:solidFill>
                 <a:latin typeface="Arial Narrow"/>
+                <a:ea typeface="DejaVu Sans"/>
               </a:rPr>
               <a:t>Performance</a:t>
             </a:r>
@@ -3292,7 +3088,7 @@
             </a:endParaRPr>
           </a:p>
           <a:p>
-            <a:pPr indent="-216000">
+            <a:pPr marL="216000" indent="-215280">
               <a:lnSpc>
                 <a:spcPct val="100000"/>
               </a:lnSpc>
@@ -3308,6 +3104,7 @@
                   <a:srgbClr val="002060"/>
                 </a:solidFill>
                 <a:latin typeface="Arial Narrow"/>
+                <a:ea typeface="DejaVu Sans"/>
               </a:rPr>
               <a:t>Customization</a:t>
             </a:r>
@@ -3316,7 +3113,7 @@
             </a:endParaRPr>
           </a:p>
           <a:p>
-            <a:pPr indent="-216000">
+            <a:pPr marL="216000" indent="-215280">
               <a:lnSpc>
                 <a:spcPct val="100000"/>
               </a:lnSpc>
@@ -3332,6 +3129,7 @@
                   <a:srgbClr val="002060"/>
                 </a:solidFill>
                 <a:latin typeface="Arial Narrow"/>
+                <a:ea typeface="DejaVu Sans"/>
               </a:rPr>
               <a:t>“</a:t>
             </a:r>
@@ -3341,6 +3139,7 @@
                   <a:srgbClr val="002060"/>
                 </a:solidFill>
                 <a:latin typeface="Arial Narrow"/>
+                <a:ea typeface="DejaVu Sans"/>
               </a:rPr>
               <a:t>Getting the Job Done”</a:t>
             </a:r>
@@ -3349,7 +3148,7 @@
             </a:endParaRPr>
           </a:p>
           <a:p>
-            <a:pPr indent="-216000">
+            <a:pPr marL="216000" indent="-215280">
               <a:lnSpc>
                 <a:spcPct val="100000"/>
               </a:lnSpc>
@@ -3365,6 +3164,7 @@
                   <a:srgbClr val="002060"/>
                 </a:solidFill>
                 <a:latin typeface="Arial Narrow"/>
+                <a:ea typeface="DejaVu Sans"/>
               </a:rPr>
               <a:t>Design</a:t>
             </a:r>
@@ -3373,7 +3173,7 @@
             </a:endParaRPr>
           </a:p>
           <a:p>
-            <a:pPr indent="-216000">
+            <a:pPr marL="216000" indent="-215280">
               <a:lnSpc>
                 <a:spcPct val="100000"/>
               </a:lnSpc>
@@ -3389,6 +3189,7 @@
                   <a:srgbClr val="002060"/>
                 </a:solidFill>
                 <a:latin typeface="Arial Narrow"/>
+                <a:ea typeface="DejaVu Sans"/>
               </a:rPr>
               <a:t>Brand/Status</a:t>
             </a:r>
@@ -3397,7 +3198,7 @@
             </a:endParaRPr>
           </a:p>
           <a:p>
-            <a:pPr indent="-216000">
+            <a:pPr marL="216000" indent="-215280">
               <a:lnSpc>
                 <a:spcPct val="100000"/>
               </a:lnSpc>
@@ -3413,6 +3214,7 @@
                   <a:srgbClr val="002060"/>
                 </a:solidFill>
                 <a:latin typeface="Arial Narrow"/>
+                <a:ea typeface="DejaVu Sans"/>
               </a:rPr>
               <a:t>Price</a:t>
             </a:r>
@@ -3421,7 +3223,7 @@
             </a:endParaRPr>
           </a:p>
           <a:p>
-            <a:pPr indent="-216000">
+            <a:pPr marL="216000" indent="-215280">
               <a:lnSpc>
                 <a:spcPct val="100000"/>
               </a:lnSpc>
@@ -3437,6 +3239,7 @@
                   <a:srgbClr val="002060"/>
                 </a:solidFill>
                 <a:latin typeface="Arial Narrow"/>
+                <a:ea typeface="DejaVu Sans"/>
               </a:rPr>
               <a:t>Cost Reduction</a:t>
             </a:r>
@@ -3445,7 +3248,7 @@
             </a:endParaRPr>
           </a:p>
           <a:p>
-            <a:pPr indent="-216000">
+            <a:pPr marL="216000" indent="-215280">
               <a:lnSpc>
                 <a:spcPct val="100000"/>
               </a:lnSpc>
@@ -3461,6 +3264,7 @@
                   <a:srgbClr val="002060"/>
                 </a:solidFill>
                 <a:latin typeface="Arial Narrow"/>
+                <a:ea typeface="DejaVu Sans"/>
               </a:rPr>
               <a:t>Risk Reduction</a:t>
             </a:r>
@@ -3469,7 +3273,7 @@
             </a:endParaRPr>
           </a:p>
           <a:p>
-            <a:pPr indent="-216000">
+            <a:pPr marL="216000" indent="-215280">
               <a:lnSpc>
                 <a:spcPct val="100000"/>
               </a:lnSpc>
@@ -3485,6 +3289,7 @@
                   <a:srgbClr val="002060"/>
                 </a:solidFill>
                 <a:latin typeface="Arial Narrow"/>
+                <a:ea typeface="DejaVu Sans"/>
               </a:rPr>
               <a:t>Accessibility</a:t>
             </a:r>
@@ -3493,7 +3298,7 @@
             </a:endParaRPr>
           </a:p>
           <a:p>
-            <a:pPr indent="-216000">
+            <a:pPr marL="216000" indent="-215280">
               <a:lnSpc>
                 <a:spcPct val="100000"/>
               </a:lnSpc>
@@ -3509,6 +3314,7 @@
                   <a:srgbClr val="002060"/>
                 </a:solidFill>
                 <a:latin typeface="Arial Narrow"/>
+                <a:ea typeface="DejaVu Sans"/>
               </a:rPr>
               <a:t>Convenience/Usability</a:t>
             </a:r>
@@ -3517,7 +3323,7 @@
             </a:endParaRPr>
           </a:p>
           <a:p>
-            <a:pPr indent="-216000">
+            <a:pPr marL="216000" indent="-215280">
               <a:lnSpc>
                 <a:spcPct val="100000"/>
               </a:lnSpc>
@@ -3533,6 +3339,7 @@
                   <a:srgbClr val="002060"/>
                 </a:solidFill>
                 <a:latin typeface="Arial Narrow"/>
+                <a:ea typeface="DejaVu Sans"/>
               </a:rPr>
               <a:t>Livelihood Improvement</a:t>
             </a:r>
@@ -3541,7 +3348,7 @@
             </a:endParaRPr>
           </a:p>
           <a:p>
-            <a:pPr indent="-216000">
+            <a:pPr marL="216000" indent="-215280">
               <a:lnSpc>
                 <a:spcPct val="100000"/>
               </a:lnSpc>
@@ -3557,6 +3364,7 @@
                   <a:srgbClr val="002060"/>
                 </a:solidFill>
                 <a:latin typeface="Arial Narrow"/>
+                <a:ea typeface="DejaVu Sans"/>
               </a:rPr>
               <a:t>Value/Revenue creation</a:t>
             </a:r>
@@ -3565,7 +3373,7 @@
             </a:endParaRPr>
           </a:p>
           <a:p>
-            <a:pPr indent="-216000">
+            <a:pPr marL="216000" indent="-215280">
               <a:lnSpc>
                 <a:spcPct val="100000"/>
               </a:lnSpc>
@@ -3581,6 +3389,7 @@
                   <a:srgbClr val="002060"/>
                 </a:solidFill>
                 <a:latin typeface="Arial Narrow"/>
+                <a:ea typeface="DejaVu Sans"/>
               </a:rPr>
               <a:t>Safety and Security</a:t>
             </a:r>
@@ -3589,7 +3398,7 @@
             </a:endParaRPr>
           </a:p>
           <a:p>
-            <a:pPr indent="-216000">
+            <a:pPr marL="216000" indent="-215280">
               <a:lnSpc>
                 <a:spcPct val="100000"/>
               </a:lnSpc>
@@ -3605,6 +3414,7 @@
                   <a:srgbClr val="002060"/>
                 </a:solidFill>
                 <a:latin typeface="Arial Narrow"/>
+                <a:ea typeface="DejaVu Sans"/>
               </a:rPr>
               <a:t>Efficiency</a:t>
             </a:r>
@@ -3613,7 +3423,7 @@
             </a:endParaRPr>
           </a:p>
           <a:p>
-            <a:pPr indent="-216000">
+            <a:pPr marL="216000" indent="-215280">
               <a:lnSpc>
                 <a:spcPct val="100000"/>
               </a:lnSpc>
@@ -3629,6 +3439,7 @@
                   <a:srgbClr val="002060"/>
                 </a:solidFill>
                 <a:latin typeface="Arial Narrow"/>
+                <a:ea typeface="DejaVu Sans"/>
               </a:rPr>
               <a:t>Reliability</a:t>
             </a:r>
@@ -3637,7 +3448,7 @@
             </a:endParaRPr>
           </a:p>
           <a:p>
-            <a:pPr indent="-216000">
+            <a:pPr marL="216000" indent="-215280">
               <a:lnSpc>
                 <a:spcPct val="100000"/>
               </a:lnSpc>
@@ -3653,6 +3464,7 @@
                   <a:srgbClr val="002060"/>
                 </a:solidFill>
                 <a:latin typeface="Arial Narrow"/>
+                <a:ea typeface="DejaVu Sans"/>
               </a:rPr>
               <a:t>Maintainability/Serviceability</a:t>
             </a:r>
@@ -3661,7 +3473,7 @@
             </a:endParaRPr>
           </a:p>
           <a:p>
-            <a:pPr indent="-216000">
+            <a:pPr marL="216000" indent="-215280">
               <a:lnSpc>
                 <a:spcPct val="100000"/>
               </a:lnSpc>
@@ -3677,6 +3489,7 @@
                   <a:srgbClr val="002060"/>
                 </a:solidFill>
                 <a:latin typeface="Arial Narrow"/>
+                <a:ea typeface="DejaVu Sans"/>
               </a:rPr>
               <a:t>Cultural Appropriateness</a:t>
             </a:r>
@@ -3698,7 +3511,7 @@
       </p:sp>
       <p:pic>
         <p:nvPicPr>
-          <p:cNvPr id="50" name="Picture 36" descr=""/>
+          <p:cNvPr id="47" name="Picture 36" descr=""/>
           <p:cNvPicPr/>
           <p:nvPr/>
         </p:nvPicPr>
@@ -3709,7 +3522,7 @@
         <p:spPr>
           <a:xfrm>
             <a:off x="15423120" y="4091400"/>
-            <a:ext cx="1624320" cy="1386360"/>
+            <a:ext cx="1623600" cy="1385640"/>
           </a:xfrm>
           <a:prstGeom prst="rect">
             <a:avLst/>
@@ -3721,14 +3534,14 @@
       </p:pic>
       <p:sp>
         <p:nvSpPr>
-          <p:cNvPr id="51" name="CustomShape 3"/>
+          <p:cNvPr id="48" name="CustomShape 3"/>
           <p:cNvSpPr/>
           <p:nvPr/>
         </p:nvSpPr>
         <p:spPr>
           <a:xfrm>
             <a:off x="6095880" y="9594000"/>
-            <a:ext cx="5486040" cy="5807880"/>
+            <a:ext cx="5485320" cy="5807160"/>
           </a:xfrm>
           <a:prstGeom prst="rect">
             <a:avLst/>
@@ -3763,6 +3576,7 @@
                   <a:srgbClr val="000000"/>
                 </a:solidFill>
                 <a:latin typeface="Arial"/>
+                <a:ea typeface="DejaVu Sans"/>
               </a:rPr>
               <a:t>Key </a:t>
             </a:r>
@@ -3782,6 +3596,7 @@
                   <a:srgbClr val="000000"/>
                 </a:solidFill>
                 <a:latin typeface="Arial"/>
+                <a:ea typeface="DejaVu Sans"/>
               </a:rPr>
               <a:t>Resources</a:t>
             </a:r>
@@ -3811,6 +3626,7 @@
                   <a:srgbClr val="002060"/>
                 </a:solidFill>
                 <a:latin typeface="Arial Narrow"/>
+                <a:ea typeface="DejaVu Sans"/>
               </a:rPr>
               <a:t>What Key Assets &amp; Resources do our Value Propositions require?</a:t>
             </a:r>
@@ -3840,6 +3656,7 @@
                   <a:srgbClr val="002060"/>
                 </a:solidFill>
                 <a:latin typeface="Arial Narrow"/>
+                <a:ea typeface="DejaVu Sans"/>
               </a:rPr>
               <a:t>Types of resources:</a:t>
             </a:r>
@@ -3848,7 +3665,7 @@
             </a:endParaRPr>
           </a:p>
           <a:p>
-            <a:pPr indent="-216000">
+            <a:pPr marL="216000" indent="-215280">
               <a:lnSpc>
                 <a:spcPct val="100000"/>
               </a:lnSpc>
@@ -3864,6 +3681,7 @@
                   <a:srgbClr val="002060"/>
                 </a:solidFill>
                 <a:latin typeface="Arial Narrow"/>
+                <a:ea typeface="DejaVu Sans"/>
               </a:rPr>
               <a:t>Human</a:t>
             </a:r>
@@ -3872,7 +3690,7 @@
             </a:endParaRPr>
           </a:p>
           <a:p>
-            <a:pPr indent="-216000">
+            <a:pPr marL="216000" indent="-215280">
               <a:lnSpc>
                 <a:spcPct val="100000"/>
               </a:lnSpc>
@@ -3888,6 +3706,7 @@
                   <a:srgbClr val="002060"/>
                 </a:solidFill>
                 <a:latin typeface="Arial Narrow"/>
+                <a:ea typeface="DejaVu Sans"/>
               </a:rPr>
               <a:t>Financial</a:t>
             </a:r>
@@ -3896,7 +3715,7 @@
             </a:endParaRPr>
           </a:p>
           <a:p>
-            <a:pPr indent="-216000">
+            <a:pPr marL="216000" indent="-215280">
               <a:lnSpc>
                 <a:spcPct val="100000"/>
               </a:lnSpc>
@@ -3912,6 +3731,7 @@
                   <a:srgbClr val="002060"/>
                 </a:solidFill>
                 <a:latin typeface="Arial Narrow"/>
+                <a:ea typeface="DejaVu Sans"/>
               </a:rPr>
               <a:t>Physical</a:t>
             </a:r>
@@ -3920,7 +3740,7 @@
             </a:endParaRPr>
           </a:p>
           <a:p>
-            <a:pPr indent="-216000">
+            <a:pPr marL="216000" indent="-215280">
               <a:lnSpc>
                 <a:spcPct val="100000"/>
               </a:lnSpc>
@@ -3936,6 +3756,7 @@
                   <a:srgbClr val="002060"/>
                 </a:solidFill>
                 <a:latin typeface="Arial Narrow"/>
+                <a:ea typeface="DejaVu Sans"/>
               </a:rPr>
               <a:t>Intellectual (Innovation, Know-How, Brand, Data, etc.)</a:t>
             </a:r>
@@ -3944,7 +3765,7 @@
             </a:endParaRPr>
           </a:p>
           <a:p>
-            <a:pPr indent="-216000">
+            <a:pPr marL="216000" indent="-215280">
               <a:lnSpc>
                 <a:spcPct val="100000"/>
               </a:lnSpc>
@@ -3960,6 +3781,7 @@
                   <a:srgbClr val="002060"/>
                 </a:solidFill>
                 <a:latin typeface="Arial Narrow"/>
+                <a:ea typeface="DejaVu Sans"/>
               </a:rPr>
               <a:t>Support and Access</a:t>
             </a:r>
@@ -3971,7 +3793,7 @@
       </p:sp>
       <p:pic>
         <p:nvPicPr>
-          <p:cNvPr id="52" name="Picture 34" descr=""/>
+          <p:cNvPr id="49" name="Picture 34" descr=""/>
           <p:cNvPicPr/>
           <p:nvPr/>
         </p:nvPicPr>
@@ -3982,7 +3804,7 @@
         <p:spPr>
           <a:xfrm>
             <a:off x="10258200" y="9649440"/>
-            <a:ext cx="1162080" cy="1393560"/>
+            <a:ext cx="1161360" cy="1392840"/>
           </a:xfrm>
           <a:prstGeom prst="rect">
             <a:avLst/>
@@ -3994,14 +3816,14 @@
       </p:pic>
       <p:sp>
         <p:nvSpPr>
-          <p:cNvPr id="53" name="CustomShape 4"/>
+          <p:cNvPr id="50" name="CustomShape 4"/>
           <p:cNvSpPr/>
           <p:nvPr/>
         </p:nvSpPr>
         <p:spPr>
           <a:xfrm>
             <a:off x="609480" y="3976560"/>
-            <a:ext cx="5486040" cy="11425320"/>
+            <a:ext cx="5485320" cy="11424600"/>
           </a:xfrm>
           <a:prstGeom prst="rect">
             <a:avLst/>
@@ -4036,6 +3858,7 @@
                   <a:srgbClr val="000000"/>
                 </a:solidFill>
                 <a:latin typeface="Arial"/>
+                <a:ea typeface="DejaVu Sans"/>
               </a:rPr>
               <a:t>Key</a:t>
             </a:r>
@@ -4055,6 +3878,7 @@
                   <a:srgbClr val="000000"/>
                 </a:solidFill>
                 <a:latin typeface="Arial"/>
+                <a:ea typeface="DejaVu Sans"/>
               </a:rPr>
               <a:t>Partners</a:t>
             </a:r>
@@ -4084,6 +3908,7 @@
                   <a:srgbClr val="002060"/>
                 </a:solidFill>
                 <a:latin typeface="Arial Narrow"/>
+                <a:ea typeface="DejaVu Sans"/>
               </a:rPr>
               <a:t>Who are our key Partners?</a:t>
             </a:r>
@@ -4103,6 +3928,7 @@
                   <a:srgbClr val="002060"/>
                 </a:solidFill>
                 <a:latin typeface="Arial Narrow"/>
+                <a:ea typeface="DejaVu Sans"/>
               </a:rPr>
               <a:t>Who are our key Suppliers?</a:t>
             </a:r>
@@ -4122,6 +3948,7 @@
                   <a:srgbClr val="002060"/>
                 </a:solidFill>
                 <a:latin typeface="Arial Narrow"/>
+                <a:ea typeface="DejaVu Sans"/>
               </a:rPr>
               <a:t>What skills, expertise and access do Partners have that we do not?</a:t>
             </a:r>
@@ -4141,6 +3968,7 @@
                   <a:srgbClr val="002060"/>
                 </a:solidFill>
                 <a:latin typeface="Arial Narrow"/>
+                <a:ea typeface="DejaVu Sans"/>
               </a:rPr>
               <a:t>What Partner operations will we piggyback on (Distribution, Sales, Customer Relationships, Fund Raising, etc.)? </a:t>
             </a:r>
@@ -4160,6 +3988,7 @@
                   <a:srgbClr val="002060"/>
                 </a:solidFill>
                 <a:latin typeface="Arial Narrow"/>
+                <a:ea typeface="DejaVu Sans"/>
               </a:rPr>
               <a:t>What Partner products or services will we need for our solution to be effective?</a:t>
             </a:r>
@@ -4179,6 +4008,7 @@
                   <a:srgbClr val="002060"/>
                 </a:solidFill>
                 <a:latin typeface="Arial Narrow"/>
+                <a:ea typeface="DejaVu Sans"/>
               </a:rPr>
               <a:t>Which Key Resources are we acquiring from partners (Intellectual Property, Licenses, Customer base, Market Knowledge and Access, Advice, Sales force access, Distribution network, etc.)?</a:t>
             </a:r>
@@ -4198,6 +4028,7 @@
                   <a:srgbClr val="002060"/>
                 </a:solidFill>
                 <a:latin typeface="Arial Narrow"/>
+                <a:ea typeface="DejaVu Sans"/>
               </a:rPr>
               <a:t>Which Key Activities do partners perform (Fund Raising, Manufacturing, Service Provision, Marketing, Sales, Customer Relationship, Metrics and Measurement, Advice, etc.)?</a:t>
             </a:r>
@@ -4227,6 +4058,7 @@
                   <a:srgbClr val="002060"/>
                 </a:solidFill>
                 <a:latin typeface="Arial Narrow"/>
+                <a:ea typeface="DejaVu Sans"/>
               </a:rPr>
               <a:t>Motivations for Partnerships:</a:t>
             </a:r>
@@ -4235,7 +4067,7 @@
             </a:endParaRPr>
           </a:p>
           <a:p>
-            <a:pPr indent="-216000">
+            <a:pPr marL="216000" indent="-215280">
               <a:lnSpc>
                 <a:spcPct val="100000"/>
               </a:lnSpc>
@@ -4251,6 +4083,7 @@
                   <a:srgbClr val="002060"/>
                 </a:solidFill>
                 <a:latin typeface="Arial Narrow"/>
+                <a:ea typeface="DejaVu Sans"/>
               </a:rPr>
               <a:t>Optimization and economy</a:t>
             </a:r>
@@ -4259,7 +4092,7 @@
             </a:endParaRPr>
           </a:p>
           <a:p>
-            <a:pPr indent="-216000">
+            <a:pPr marL="216000" indent="-215280">
               <a:lnSpc>
                 <a:spcPct val="100000"/>
               </a:lnSpc>
@@ -4275,6 +4108,7 @@
                   <a:srgbClr val="002060"/>
                 </a:solidFill>
                 <a:latin typeface="Arial Narrow"/>
+                <a:ea typeface="DejaVu Sans"/>
               </a:rPr>
               <a:t>Reduction of risk and uncertainty</a:t>
             </a:r>
@@ -4283,7 +4117,7 @@
             </a:endParaRPr>
           </a:p>
           <a:p>
-            <a:pPr indent="-216000">
+            <a:pPr marL="216000" indent="-215280">
               <a:lnSpc>
                 <a:spcPct val="100000"/>
               </a:lnSpc>
@@ -4299,6 +4133,7 @@
                   <a:srgbClr val="002060"/>
                 </a:solidFill>
                 <a:latin typeface="Arial Narrow"/>
+                <a:ea typeface="DejaVu Sans"/>
               </a:rPr>
               <a:t>Speed of implementation</a:t>
             </a:r>
@@ -4307,7 +4142,7 @@
             </a:endParaRPr>
           </a:p>
           <a:p>
-            <a:pPr indent="-216000">
+            <a:pPr marL="216000" indent="-215280">
               <a:lnSpc>
                 <a:spcPct val="100000"/>
               </a:lnSpc>
@@ -4323,6 +4158,7 @@
                   <a:srgbClr val="002060"/>
                 </a:solidFill>
                 <a:latin typeface="Arial Narrow"/>
+                <a:ea typeface="DejaVu Sans"/>
               </a:rPr>
               <a:t>Reduced cost</a:t>
             </a:r>
@@ -4331,7 +4167,7 @@
             </a:endParaRPr>
           </a:p>
           <a:p>
-            <a:pPr indent="-216000">
+            <a:pPr marL="216000" indent="-215280">
               <a:lnSpc>
                 <a:spcPct val="100000"/>
               </a:lnSpc>
@@ -4347,6 +4183,7 @@
                   <a:srgbClr val="002060"/>
                 </a:solidFill>
                 <a:latin typeface="Arial Narrow"/>
+                <a:ea typeface="DejaVu Sans"/>
               </a:rPr>
               <a:t>Acquisition of particular relationships, knowledge, resources or activities</a:t>
             </a:r>
@@ -4368,14 +4205,14 @@
       </p:sp>
       <p:sp>
         <p:nvSpPr>
-          <p:cNvPr id="54" name="CustomShape 5"/>
+          <p:cNvPr id="51" name="CustomShape 5"/>
           <p:cNvSpPr/>
           <p:nvPr/>
         </p:nvSpPr>
         <p:spPr>
           <a:xfrm>
             <a:off x="6095880" y="3979080"/>
-            <a:ext cx="5486040" cy="5610600"/>
+            <a:ext cx="5485320" cy="5609880"/>
           </a:xfrm>
           <a:prstGeom prst="rect">
             <a:avLst/>
@@ -4410,6 +4247,7 @@
                   <a:srgbClr val="000000"/>
                 </a:solidFill>
                 <a:latin typeface="Arial"/>
+                <a:ea typeface="DejaVu Sans"/>
               </a:rPr>
               <a:t>Key</a:t>
             </a:r>
@@ -4429,6 +4267,7 @@
                   <a:srgbClr val="000000"/>
                 </a:solidFill>
                 <a:latin typeface="Arial"/>
+                <a:ea typeface="DejaVu Sans"/>
               </a:rPr>
               <a:t>Activities</a:t>
             </a:r>
@@ -4458,6 +4297,7 @@
                   <a:srgbClr val="002060"/>
                 </a:solidFill>
                 <a:latin typeface="Arial Narrow"/>
+                <a:ea typeface="DejaVu Sans"/>
               </a:rPr>
               <a:t>What Key Actions or Activities are required for our: </a:t>
             </a:r>
@@ -4477,6 +4317,7 @@
                   <a:srgbClr val="002060"/>
                 </a:solidFill>
                 <a:latin typeface="Arial Narrow"/>
+                <a:ea typeface="DejaVu Sans"/>
               </a:rPr>
               <a:t>Value propositions? Channels? Relationships? Financial Viability?</a:t>
             </a:r>
@@ -4506,6 +4347,7 @@
                   <a:srgbClr val="002060"/>
                 </a:solidFill>
                 <a:latin typeface="Arial Narrow"/>
+                <a:ea typeface="DejaVu Sans"/>
               </a:rPr>
               <a:t>Example Startup Activities:</a:t>
             </a:r>
@@ -4525,6 +4367,7 @@
                   <a:srgbClr val="002060"/>
                 </a:solidFill>
                 <a:latin typeface="Arial Narrow"/>
+                <a:ea typeface="DejaVu Sans"/>
               </a:rPr>
               <a:t>Fund Raising; Product and Service Design and Development; Team Building; Solution Testing &amp; Certification; Partnership Selection</a:t>
             </a:r>
@@ -4554,6 +4397,7 @@
                   <a:srgbClr val="002060"/>
                 </a:solidFill>
                 <a:latin typeface="Arial Narrow"/>
+                <a:ea typeface="DejaVu Sans"/>
               </a:rPr>
               <a:t>Example Established Project Activities:</a:t>
             </a:r>
@@ -4573,6 +4417,7 @@
                   <a:srgbClr val="002060"/>
                 </a:solidFill>
                 <a:latin typeface="Arial Narrow"/>
+                <a:ea typeface="DejaVu Sans"/>
               </a:rPr>
               <a:t>Manufacturing; Maintenance; Service Delivery; Fund Raising; Marketing; Scaling; Sales; Managing Partners; Distribution and Delivery; Customer Support; What will we do for an encore?</a:t>
             </a:r>
@@ -4584,14 +4429,14 @@
       </p:sp>
       <p:sp>
         <p:nvSpPr>
-          <p:cNvPr id="55" name="CustomShape 6"/>
+          <p:cNvPr id="52" name="CustomShape 6"/>
           <p:cNvSpPr/>
           <p:nvPr/>
         </p:nvSpPr>
         <p:spPr>
           <a:xfrm>
             <a:off x="17068680" y="3979080"/>
-            <a:ext cx="5486040" cy="5610600"/>
+            <a:ext cx="5485320" cy="5609880"/>
           </a:xfrm>
           <a:prstGeom prst="rect">
             <a:avLst/>
@@ -4626,6 +4471,7 @@
                   <a:srgbClr val="000000"/>
                 </a:solidFill>
                 <a:latin typeface="Arial"/>
+                <a:ea typeface="DejaVu Sans"/>
               </a:rPr>
               <a:t>Customer</a:t>
             </a:r>
@@ -4645,6 +4491,7 @@
                   <a:srgbClr val="000000"/>
                 </a:solidFill>
                 <a:latin typeface="Arial"/>
+                <a:ea typeface="DejaVu Sans"/>
               </a:rPr>
               <a:t>Relationships</a:t>
             </a:r>
@@ -4674,6 +4521,7 @@
                   <a:srgbClr val="002060"/>
                 </a:solidFill>
                 <a:latin typeface="Arial Narrow"/>
+                <a:ea typeface="DejaVu Sans"/>
               </a:rPr>
               <a:t>What type of relationship do we have as we acquire, retain &amp; maintain our customer segments? High touch? Low touch?</a:t>
             </a:r>
@@ -4683,6 +4531,7 @@
                   <a:srgbClr val="002060"/>
                 </a:solidFill>
                 <a:latin typeface="Arial Narrow"/>
+                <a:ea typeface="DejaVu Sans"/>
               </a:rPr>
               <a:t> </a:t>
             </a:r>
@@ -4702,6 +4551,7 @@
                   <a:srgbClr val="002060"/>
                 </a:solidFill>
                 <a:latin typeface="Arial Narrow"/>
+                <a:ea typeface="DejaVu Sans"/>
               </a:rPr>
               <a:t>How will we reach our customers emotionally?</a:t>
             </a:r>
@@ -4721,6 +4571,7 @@
                   <a:srgbClr val="002060"/>
                 </a:solidFill>
                 <a:latin typeface="Arial Narrow"/>
+                <a:ea typeface="DejaVu Sans"/>
               </a:rPr>
               <a:t>What are the barriers to a successful relationship? (Culture, Language, Gender, Accessibility, etc.)</a:t>
             </a:r>
@@ -4740,6 +4591,7 @@
                   <a:srgbClr val="002060"/>
                 </a:solidFill>
                 <a:latin typeface="Arial Narrow"/>
+                <a:ea typeface="DejaVu Sans"/>
               </a:rPr>
               <a:t>How do we show our commitment to quality?</a:t>
             </a:r>
@@ -4759,6 +4611,7 @@
                   <a:srgbClr val="002060"/>
                 </a:solidFill>
                 <a:latin typeface="Arial Narrow"/>
+                <a:ea typeface="DejaVu Sans"/>
               </a:rPr>
               <a:t>Who will be our front-line representatives?</a:t>
             </a:r>
@@ -4788,6 +4641,7 @@
                   <a:srgbClr val="002060"/>
                 </a:solidFill>
                 <a:latin typeface="Arial Narrow"/>
+                <a:ea typeface="DejaVu Sans"/>
               </a:rPr>
               <a:t>Examples:</a:t>
             </a:r>
@@ -4807,6 +4661,7 @@
                   <a:srgbClr val="002060"/>
                 </a:solidFill>
                 <a:latin typeface="Arial Narrow"/>
+                <a:ea typeface="DejaVu Sans"/>
               </a:rPr>
               <a:t>Personal assistance; Communities; Self-Service; Co-creation; Automated Services</a:t>
             </a:r>
@@ -4826,6 +4681,7 @@
                   <a:srgbClr val="002060"/>
                 </a:solidFill>
                 <a:latin typeface="Arial Narrow"/>
+                <a:ea typeface="DejaVu Sans"/>
               </a:rPr>
               <a:t>Who has strong relationships with our customers?</a:t>
             </a:r>
@@ -4845,6 +4701,7 @@
                   <a:srgbClr val="002060"/>
                 </a:solidFill>
                 <a:latin typeface="Arial Narrow"/>
+                <a:ea typeface="DejaVu Sans"/>
               </a:rPr>
               <a:t>Employees; Retailers; Sales Channels; Partners; Service Providers; Distributors; Evangelists</a:t>
             </a:r>
@@ -4856,14 +4713,14 @@
       </p:sp>
       <p:sp>
         <p:nvSpPr>
-          <p:cNvPr id="56" name="CustomShape 7"/>
+          <p:cNvPr id="53" name="CustomShape 7"/>
           <p:cNvSpPr/>
           <p:nvPr/>
         </p:nvSpPr>
         <p:spPr>
           <a:xfrm>
             <a:off x="22555080" y="3979080"/>
-            <a:ext cx="5486040" cy="11424960"/>
+            <a:ext cx="5485320" cy="11424240"/>
           </a:xfrm>
           <a:prstGeom prst="rect">
             <a:avLst/>
@@ -4898,6 +4755,7 @@
                   <a:srgbClr val="000000"/>
                 </a:solidFill>
                 <a:latin typeface="Arial"/>
+                <a:ea typeface="DejaVu Sans"/>
               </a:rPr>
               <a:t>Customer</a:t>
             </a:r>
@@ -4917,6 +4775,7 @@
                   <a:srgbClr val="000000"/>
                 </a:solidFill>
                 <a:latin typeface="Arial"/>
+                <a:ea typeface="DejaVu Sans"/>
               </a:rPr>
               <a:t>Segments</a:t>
             </a:r>
@@ -4946,6 +4805,7 @@
                   <a:srgbClr val="002060"/>
                 </a:solidFill>
                 <a:latin typeface="Arial Narrow"/>
+                <a:ea typeface="DejaVu Sans"/>
               </a:rPr>
               <a:t>Customers:</a:t>
             </a:r>
@@ -4965,6 +4825,7 @@
                   <a:srgbClr val="002060"/>
                 </a:solidFill>
                 <a:latin typeface="Arial Narrow"/>
+                <a:ea typeface="DejaVu Sans"/>
               </a:rPr>
               <a:t>For whom are we creating value?</a:t>
             </a:r>
@@ -4984,6 +4845,7 @@
                   <a:srgbClr val="002060"/>
                 </a:solidFill>
                 <a:latin typeface="Arial Narrow"/>
+                <a:ea typeface="DejaVu Sans"/>
               </a:rPr>
               <a:t>Who are our most important customers?</a:t>
             </a:r>
@@ -5003,6 +4865,7 @@
                   <a:srgbClr val="002060"/>
                 </a:solidFill>
                 <a:latin typeface="Arial Narrow"/>
+                <a:ea typeface="DejaVu Sans"/>
               </a:rPr>
               <a:t>Whose pain are we trying to address?</a:t>
             </a:r>
@@ -5022,6 +4885,7 @@
                   <a:srgbClr val="002060"/>
                 </a:solidFill>
                 <a:latin typeface="Arial Narrow"/>
+                <a:ea typeface="DejaVu Sans"/>
               </a:rPr>
               <a:t>Who will gain from our product or service?</a:t>
             </a:r>
@@ -5041,6 +4905,7 @@
                   <a:srgbClr val="002060"/>
                 </a:solidFill>
                 <a:latin typeface="Arial Narrow"/>
+                <a:ea typeface="DejaVu Sans"/>
               </a:rPr>
               <a:t>How many customers are in these segments?</a:t>
             </a:r>
@@ -5060,6 +4925,7 @@
                   <a:srgbClr val="002060"/>
                 </a:solidFill>
                 <a:latin typeface="Arial Narrow"/>
+                <a:ea typeface="DejaVu Sans"/>
               </a:rPr>
               <a:t>Which customer segments scale or offer a gateway to scale?</a:t>
             </a:r>
@@ -5079,6 +4945,7 @@
                   <a:srgbClr val="002060"/>
                 </a:solidFill>
                 <a:latin typeface="Arial Narrow"/>
+                <a:ea typeface="DejaVu Sans"/>
               </a:rPr>
               <a:t>With whom am I competing for this segment?</a:t>
             </a:r>
@@ -5108,6 +4975,7 @@
                   <a:srgbClr val="002060"/>
                 </a:solidFill>
                 <a:latin typeface="Arial Narrow"/>
+                <a:ea typeface="DejaVu Sans"/>
               </a:rPr>
               <a:t>Impact Stakeholders:</a:t>
             </a:r>
@@ -5127,6 +4995,7 @@
                   <a:srgbClr val="002060"/>
                 </a:solidFill>
                 <a:latin typeface="Arial Narrow"/>
+                <a:ea typeface="DejaVu Sans"/>
               </a:rPr>
               <a:t>Who are the main Stakeholders types?</a:t>
             </a:r>
@@ -5146,6 +5015,7 @@
                   <a:srgbClr val="002060"/>
                 </a:solidFill>
                 <a:latin typeface="Arial Narrow"/>
+                <a:ea typeface="DejaVu Sans"/>
               </a:rPr>
               <a:t>For which Stakeholders are we creating value?</a:t>
             </a:r>
@@ -5165,6 +5035,7 @@
                   <a:srgbClr val="002060"/>
                 </a:solidFill>
                 <a:latin typeface="Arial Narrow"/>
+                <a:ea typeface="DejaVu Sans"/>
               </a:rPr>
               <a:t>Are there particular “segments” within each Stakeholder type?</a:t>
             </a:r>
@@ -5184,6 +5055,7 @@
                   <a:srgbClr val="002060"/>
                 </a:solidFill>
                 <a:latin typeface="Arial Narrow"/>
+                <a:ea typeface="DejaVu Sans"/>
               </a:rPr>
               <a:t>What are their main drivers and behaviors?</a:t>
             </a:r>
@@ -5203,6 +5075,7 @@
                   <a:srgbClr val="002060"/>
                 </a:solidFill>
                 <a:latin typeface="Arial Narrow"/>
+                <a:ea typeface="DejaVu Sans"/>
               </a:rPr>
               <a:t>Do some stakeholders assume several roles, e.g. are your customers also beneficiaries, are your founders also investors?</a:t>
             </a:r>
@@ -5232,6 +5105,7 @@
                   <a:srgbClr val="002060"/>
                 </a:solidFill>
                 <a:latin typeface="Arial Narrow"/>
+                <a:ea typeface="DejaVu Sans"/>
               </a:rPr>
               <a:t>Customer Types:</a:t>
             </a:r>
@@ -5240,7 +5114,7 @@
             </a:endParaRPr>
           </a:p>
           <a:p>
-            <a:pPr marL="114480" indent="-114120">
+            <a:pPr marL="114480" indent="-113400">
               <a:lnSpc>
                 <a:spcPct val="100000"/>
               </a:lnSpc>
@@ -5256,6 +5130,7 @@
                   <a:srgbClr val="002060"/>
                 </a:solidFill>
                 <a:latin typeface="Arial Narrow"/>
+                <a:ea typeface="DejaVu Sans"/>
               </a:rPr>
               <a:t>End Users</a:t>
             </a:r>
@@ -5264,7 +5139,7 @@
             </a:endParaRPr>
           </a:p>
           <a:p>
-            <a:pPr marL="114480" indent="-114120">
+            <a:pPr marL="114480" indent="-113400">
               <a:lnSpc>
                 <a:spcPct val="100000"/>
               </a:lnSpc>
@@ -5280,6 +5155,7 @@
                   <a:srgbClr val="002060"/>
                 </a:solidFill>
                 <a:latin typeface="Arial Narrow"/>
+                <a:ea typeface="DejaVu Sans"/>
               </a:rPr>
               <a:t>Economic Buyers</a:t>
             </a:r>
@@ -5288,7 +5164,7 @@
             </a:endParaRPr>
           </a:p>
           <a:p>
-            <a:pPr marL="114480" indent="-114120">
+            <a:pPr marL="114480" indent="-113400">
               <a:lnSpc>
                 <a:spcPct val="100000"/>
               </a:lnSpc>
@@ -5304,6 +5180,7 @@
                   <a:srgbClr val="002060"/>
                 </a:solidFill>
                 <a:latin typeface="Arial Narrow"/>
+                <a:ea typeface="DejaVu Sans"/>
               </a:rPr>
               <a:t>Decision Makers</a:t>
             </a:r>
@@ -5312,7 +5189,7 @@
             </a:endParaRPr>
           </a:p>
           <a:p>
-            <a:pPr marL="114480" indent="-114120">
+            <a:pPr marL="114480" indent="-113400">
               <a:lnSpc>
                 <a:spcPct val="100000"/>
               </a:lnSpc>
@@ -5328,6 +5205,7 @@
                   <a:srgbClr val="002060"/>
                 </a:solidFill>
                 <a:latin typeface="Arial Narrow"/>
+                <a:ea typeface="DejaVu Sans"/>
               </a:rPr>
               <a:t>Stakeholders</a:t>
             </a:r>
@@ -5336,7 +5214,7 @@
             </a:endParaRPr>
           </a:p>
           <a:p>
-            <a:pPr marL="114480" indent="-114120">
+            <a:pPr marL="114480" indent="-113400">
               <a:lnSpc>
                 <a:spcPct val="100000"/>
               </a:lnSpc>
@@ -5352,6 +5230,7 @@
                   <a:srgbClr val="002060"/>
                 </a:solidFill>
                 <a:latin typeface="Arial Narrow"/>
+                <a:ea typeface="DejaVu Sans"/>
               </a:rPr>
               <a:t>perhaps Influencers, Recommenders &amp; Saboteurs</a:t>
             </a:r>
@@ -5373,14 +5252,14 @@
       </p:sp>
       <p:sp>
         <p:nvSpPr>
-          <p:cNvPr id="57" name="CustomShape 8"/>
+          <p:cNvPr id="54" name="CustomShape 8"/>
           <p:cNvSpPr/>
           <p:nvPr/>
         </p:nvSpPr>
         <p:spPr>
           <a:xfrm>
             <a:off x="609480" y="15404400"/>
-            <a:ext cx="13730040" cy="4114440"/>
+            <a:ext cx="13729320" cy="4113720"/>
           </a:xfrm>
           <a:prstGeom prst="rect">
             <a:avLst/>
@@ -5415,6 +5294,7 @@
                   <a:srgbClr val="000000"/>
                 </a:solidFill>
                 <a:latin typeface="Arial"/>
+                <a:ea typeface="DejaVu Sans"/>
               </a:rPr>
               <a:t>Cost Structure</a:t>
             </a:r>
@@ -5444,6 +5324,7 @@
                   <a:srgbClr val="002060"/>
                 </a:solidFill>
                 <a:latin typeface="Arial Narrow"/>
+                <a:ea typeface="DejaVu Sans"/>
               </a:rPr>
               <a:t>What are the most important costs inherent in our business model?</a:t>
             </a:r>
@@ -5463,6 +5344,7 @@
                   <a:srgbClr val="002060"/>
                 </a:solidFill>
                 <a:latin typeface="Arial Narrow"/>
+                <a:ea typeface="DejaVu Sans"/>
               </a:rPr>
               <a:t>Which Key Resources are most expensive? Which Key Activities are most expensive?</a:t>
             </a:r>
@@ -5481,7 +5363,7 @@
             </a:endParaRPr>
           </a:p>
           <a:p>
-            <a:pPr indent="-216000">
+            <a:pPr marL="216000" indent="-215280">
               <a:lnSpc>
                 <a:spcPct val="100000"/>
               </a:lnSpc>
@@ -5497,6 +5379,7 @@
                   <a:srgbClr val="002060"/>
                 </a:solidFill>
                 <a:latin typeface="Arial Narrow"/>
+                <a:ea typeface="DejaVu Sans"/>
               </a:rPr>
               <a:t>Fixed Costs (salaries, rents, utilities, equipment costs, fund raising) – incurred regardless of number of customers served</a:t>
             </a:r>
@@ -5505,7 +5388,7 @@
             </a:endParaRPr>
           </a:p>
           <a:p>
-            <a:pPr indent="-216000">
+            <a:pPr marL="216000" indent="-215280">
               <a:lnSpc>
                 <a:spcPct val="100000"/>
               </a:lnSpc>
@@ -5521,6 +5404,7 @@
                   <a:srgbClr val="002060"/>
                 </a:solidFill>
                 <a:latin typeface="Arial Narrow"/>
+                <a:ea typeface="DejaVu Sans"/>
               </a:rPr>
               <a:t>Variable costs (Cost of Goods sold, Raw materials, Service agents salaries/commissions) – only incurred when a product or service is provided to a customer</a:t>
             </a:r>
@@ -5550,6 +5434,7 @@
                   <a:srgbClr val="002060"/>
                 </a:solidFill>
                 <a:latin typeface="Arial Narrow"/>
+                <a:ea typeface="DejaVu Sans"/>
               </a:rPr>
               <a:t>Reducing Costs strategies:</a:t>
             </a:r>
@@ -5569,6 +5454,7 @@
                   <a:srgbClr val="002060"/>
                 </a:solidFill>
                 <a:latin typeface="Arial Narrow"/>
+                <a:ea typeface="DejaVu Sans"/>
               </a:rPr>
               <a:t>Outsourcing and Partnerships; Economies of Scale; Economies of Scope; Licensing and Franchising; Pro-Bono and Benefits-in-kind</a:t>
             </a:r>
@@ -5588,6 +5474,7 @@
                   <a:srgbClr val="002060"/>
                 </a:solidFill>
                 <a:latin typeface="Arial Narrow"/>
+                <a:ea typeface="DejaVu Sans"/>
               </a:rPr>
               <a:t>	</a:t>
             </a:r>
@@ -5609,14 +5496,14 @@
       </p:sp>
       <p:sp>
         <p:nvSpPr>
-          <p:cNvPr id="58" name="CustomShape 9"/>
+          <p:cNvPr id="55" name="CustomShape 9"/>
           <p:cNvSpPr/>
           <p:nvPr/>
         </p:nvSpPr>
         <p:spPr>
           <a:xfrm>
             <a:off x="14340240" y="15404400"/>
-            <a:ext cx="13715640" cy="4114440"/>
+            <a:ext cx="13714920" cy="4113720"/>
           </a:xfrm>
           <a:prstGeom prst="rect">
             <a:avLst/>
@@ -5651,6 +5538,7 @@
                   <a:srgbClr val="000000"/>
                 </a:solidFill>
                 <a:latin typeface="Arial"/>
+                <a:ea typeface="DejaVu Sans"/>
               </a:rPr>
               <a:t>Revenue Streams</a:t>
             </a:r>
@@ -5680,6 +5568,7 @@
                   <a:srgbClr val="002060"/>
                 </a:solidFill>
                 <a:latin typeface="Arial Narrow"/>
+                <a:ea typeface="DejaVu Sans"/>
               </a:rPr>
               <a:t>What cash do we generate from each customer segment? </a:t>
             </a:r>
@@ -5699,6 +5588,7 @@
                   <a:srgbClr val="002060"/>
                 </a:solidFill>
                 <a:latin typeface="Arial Narrow"/>
+                <a:ea typeface="DejaVu Sans"/>
               </a:rPr>
               <a:t>For what value are our customers really willing to pay (or how will we set our prices)?</a:t>
             </a:r>
@@ -5718,6 +5608,7 @@
                   <a:srgbClr val="002060"/>
                 </a:solidFill>
                 <a:latin typeface="Arial Narrow"/>
+                <a:ea typeface="DejaVu Sans"/>
               </a:rPr>
               <a:t>How will be structure the economic exchange (sale, rental, etc.)? How will we conduct the sales transaction?</a:t>
             </a:r>
@@ -5759,14 +5650,14 @@
       </p:sp>
       <p:sp>
         <p:nvSpPr>
-          <p:cNvPr id="59" name="CustomShape 10"/>
+          <p:cNvPr id="56" name="CustomShape 10"/>
           <p:cNvSpPr/>
           <p:nvPr/>
         </p:nvSpPr>
         <p:spPr>
           <a:xfrm>
             <a:off x="609480" y="953640"/>
-            <a:ext cx="27431640" cy="20791800"/>
+            <a:ext cx="27430920" cy="20791080"/>
           </a:xfrm>
           <a:prstGeom prst="rect">
             <a:avLst/>
@@ -5779,7 +5670,7 @@
             <a:round/>
           </a:ln>
           <a:effectLst>
-            <a:outerShdw dist="23040" dir="5400000">
+            <a:outerShdw dir="5400000" dist="23040">
               <a:srgbClr val="000000">
                 <a:alpha val="35000"/>
               </a:srgbClr>
@@ -5795,7 +5686,7 @@
       </p:sp>
       <p:pic>
         <p:nvPicPr>
-          <p:cNvPr id="60" name="Picture 27" descr=""/>
+          <p:cNvPr id="57" name="Picture 27" descr=""/>
           <p:cNvPicPr/>
           <p:nvPr/>
         </p:nvPicPr>
@@ -5806,7 +5697,7 @@
         <p:spPr>
           <a:xfrm>
             <a:off x="26746200" y="4077360"/>
-            <a:ext cx="1080720" cy="1379880"/>
+            <a:ext cx="1080000" cy="1379160"/>
           </a:xfrm>
           <a:prstGeom prst="rect">
             <a:avLst/>
@@ -5818,7 +5709,7 @@
       </p:pic>
       <p:pic>
         <p:nvPicPr>
-          <p:cNvPr id="61" name="Picture 30" descr=""/>
+          <p:cNvPr id="58" name="Picture 30" descr=""/>
           <p:cNvPicPr/>
           <p:nvPr/>
         </p:nvPicPr>
@@ -5829,7 +5720,7 @@
         <p:spPr>
           <a:xfrm>
             <a:off x="4077360" y="4049280"/>
-            <a:ext cx="1798920" cy="1362960"/>
+            <a:ext cx="1798200" cy="1362240"/>
           </a:xfrm>
           <a:prstGeom prst="rect">
             <a:avLst/>
@@ -5841,7 +5732,7 @@
       </p:pic>
       <p:pic>
         <p:nvPicPr>
-          <p:cNvPr id="62" name="Picture 31" descr=""/>
+          <p:cNvPr id="59" name="Picture 31" descr=""/>
           <p:cNvPicPr/>
           <p:nvPr/>
         </p:nvPicPr>
@@ -5852,7 +5743,7 @@
         <p:spPr>
           <a:xfrm>
             <a:off x="12498840" y="15496560"/>
-            <a:ext cx="1761840" cy="1357560"/>
+            <a:ext cx="1761120" cy="1356840"/>
           </a:xfrm>
           <a:prstGeom prst="rect">
             <a:avLst/>
@@ -5864,7 +5755,7 @@
       </p:pic>
       <p:pic>
         <p:nvPicPr>
-          <p:cNvPr id="63" name="Picture 32" descr=""/>
+          <p:cNvPr id="60" name="Picture 32" descr=""/>
           <p:cNvPicPr/>
           <p:nvPr/>
         </p:nvPicPr>
@@ -5875,7 +5766,7 @@
         <p:spPr>
           <a:xfrm>
             <a:off x="26764200" y="15478920"/>
-            <a:ext cx="1055880" cy="1382760"/>
+            <a:ext cx="1055160" cy="1382040"/>
           </a:xfrm>
           <a:prstGeom prst="rect">
             <a:avLst/>
@@ -5887,7 +5778,7 @@
       </p:pic>
       <p:pic>
         <p:nvPicPr>
-          <p:cNvPr id="64" name="Picture 33" descr=""/>
+          <p:cNvPr id="61" name="Picture 33" descr=""/>
           <p:cNvPicPr/>
           <p:nvPr/>
         </p:nvPicPr>
@@ -5898,7 +5789,7 @@
         <p:spPr>
           <a:xfrm>
             <a:off x="10067760" y="4076640"/>
-            <a:ext cx="1369440" cy="1486080"/>
+            <a:ext cx="1368720" cy="1485360"/>
           </a:xfrm>
           <a:prstGeom prst="rect">
             <a:avLst/>
@@ -5910,7 +5801,7 @@
       </p:pic>
       <p:pic>
         <p:nvPicPr>
-          <p:cNvPr id="65" name="Picture 35" descr=""/>
+          <p:cNvPr id="62" name="Picture 35" descr=""/>
           <p:cNvPicPr/>
           <p:nvPr/>
         </p:nvPicPr>
@@ -5921,7 +5812,7 @@
         <p:spPr>
           <a:xfrm>
             <a:off x="21112560" y="4064400"/>
-            <a:ext cx="1352880" cy="1370880"/>
+            <a:ext cx="1352160" cy="1370160"/>
           </a:xfrm>
           <a:prstGeom prst="rect">
             <a:avLst/>
@@ -5933,7 +5824,7 @@
       </p:pic>
       <p:graphicFrame>
         <p:nvGraphicFramePr>
-          <p:cNvPr id="66" name="Table 11"/>
+          <p:cNvPr id="63" name="Table 11"/>
           <p:cNvGraphicFramePr/>
           <p:nvPr/>
         </p:nvGraphicFramePr>
@@ -5950,7 +5841,7 @@
                 <a:gridCol w="3612600"/>
                 <a:gridCol w="3525480"/>
               </a:tblGrid>
-              <a:tr h="370800">
+              <a:tr h="1316520">
                 <a:tc>
                   <a:txBody>
                     <a:bodyPr>
@@ -5976,7 +5867,7 @@
                       </a:endParaRPr>
                     </a:p>
                     <a:p>
-                      <a:pPr indent="-216000">
+                      <a:pPr marL="216000" indent="-215280">
                         <a:lnSpc>
                           <a:spcPct val="100000"/>
                         </a:lnSpc>
@@ -6000,7 +5891,7 @@
                       </a:endParaRPr>
                     </a:p>
                     <a:p>
-                      <a:pPr indent="-216000">
+                      <a:pPr marL="216000" indent="-215280">
                         <a:lnSpc>
                           <a:spcPct val="100000"/>
                         </a:lnSpc>
@@ -6033,7 +5924,7 @@
                       </a:endParaRPr>
                     </a:p>
                     <a:p>
-                      <a:pPr indent="-216000">
+                      <a:pPr marL="216000" indent="-215280">
                         <a:lnSpc>
                           <a:spcPct val="100000"/>
                         </a:lnSpc>
@@ -6057,7 +5948,7 @@
                       </a:endParaRPr>
                     </a:p>
                     <a:p>
-                      <a:pPr indent="-216000">
+                      <a:pPr marL="216000" indent="-215280">
                         <a:lnSpc>
                           <a:spcPct val="100000"/>
                         </a:lnSpc>
@@ -6081,7 +5972,7 @@
                       </a:endParaRPr>
                     </a:p>
                     <a:p>
-                      <a:pPr indent="-216000">
+                      <a:pPr marL="216000" indent="-215280">
                         <a:lnSpc>
                           <a:spcPct val="100000"/>
                         </a:lnSpc>
@@ -6134,7 +6025,7 @@
                       </a:endParaRPr>
                     </a:p>
                     <a:p>
-                      <a:pPr indent="-216000">
+                      <a:pPr marL="216000" indent="-215280">
                         <a:lnSpc>
                           <a:spcPct val="100000"/>
                         </a:lnSpc>
@@ -6158,7 +6049,7 @@
                       </a:endParaRPr>
                     </a:p>
                     <a:p>
-                      <a:pPr>
+                      <a:pPr marL="216000" indent="-215280">
                         <a:lnSpc>
                           <a:spcPct val="100000"/>
                         </a:lnSpc>
@@ -6182,7 +6073,7 @@
                       </a:endParaRPr>
                     </a:p>
                     <a:p>
-                      <a:pPr>
+                      <a:pPr marL="216000" indent="-215280">
                         <a:lnSpc>
                           <a:spcPct val="100000"/>
                         </a:lnSpc>
@@ -6206,7 +6097,7 @@
                       </a:endParaRPr>
                     </a:p>
                     <a:p>
-                      <a:pPr>
+                      <a:pPr marL="216000" indent="-215280">
                         <a:lnSpc>
                           <a:spcPct val="100000"/>
                         </a:lnSpc>
@@ -6230,7 +6121,7 @@
                       </a:endParaRPr>
                     </a:p>
                     <a:p>
-                      <a:pPr>
+                      <a:pPr marL="216000" indent="-215280">
                         <a:lnSpc>
                           <a:spcPct val="100000"/>
                         </a:lnSpc>
@@ -6283,7 +6174,7 @@
                       </a:endParaRPr>
                     </a:p>
                     <a:p>
-                      <a:pPr>
+                      <a:pPr marL="216000" indent="-215640">
                         <a:lnSpc>
                           <a:spcPct val="100000"/>
                         </a:lnSpc>
@@ -6307,7 +6198,7 @@
                       </a:endParaRPr>
                     </a:p>
                     <a:p>
-                      <a:pPr>
+                      <a:pPr marL="216000" indent="-215640">
                         <a:lnSpc>
                           <a:spcPct val="100000"/>
                         </a:lnSpc>
@@ -6331,7 +6222,7 @@
                       </a:endParaRPr>
                     </a:p>
                     <a:p>
-                      <a:pPr>
+                      <a:pPr marL="216000" indent="-215640">
                         <a:lnSpc>
                           <a:spcPct val="100000"/>
                         </a:lnSpc>
@@ -6355,7 +6246,7 @@
                       </a:endParaRPr>
                     </a:p>
                     <a:p>
-                      <a:pPr>
+                      <a:pPr marL="216000" indent="-215640">
                         <a:lnSpc>
                           <a:spcPct val="100000"/>
                         </a:lnSpc>
@@ -6390,14 +6281,14 @@
       </p:graphicFrame>
       <p:sp>
         <p:nvSpPr>
-          <p:cNvPr id="67" name="CustomShape 12"/>
+          <p:cNvPr id="64" name="CustomShape 12"/>
           <p:cNvSpPr/>
           <p:nvPr/>
         </p:nvSpPr>
         <p:spPr>
           <a:xfrm>
             <a:off x="611280" y="2361600"/>
-            <a:ext cx="13715640" cy="1615680"/>
+            <a:ext cx="13714920" cy="1614960"/>
           </a:xfrm>
           <a:prstGeom prst="rect">
             <a:avLst/>
@@ -6432,6 +6323,7 @@
                   <a:srgbClr val="000000"/>
                 </a:solidFill>
                 <a:latin typeface="Arial"/>
+                <a:ea typeface="DejaVu Sans"/>
               </a:rPr>
               <a:t>Mission</a:t>
             </a:r>
@@ -6461,6 +6353,7 @@
                   <a:srgbClr val="002060"/>
                 </a:solidFill>
                 <a:latin typeface="Arial Narrow"/>
+                <a:ea typeface="DejaVu Sans"/>
               </a:rPr>
               <a:t>What is our company mission? </a:t>
             </a:r>
@@ -6480,6 +6373,7 @@
                   <a:srgbClr val="002060"/>
                 </a:solidFill>
                 <a:latin typeface="Arial Narrow"/>
+                <a:ea typeface="DejaVu Sans"/>
               </a:rPr>
               <a:t>(Whom we serve, how we do so, and the outcomes we create) </a:t>
             </a:r>
@@ -6521,14 +6415,14 @@
       </p:sp>
       <p:sp>
         <p:nvSpPr>
-          <p:cNvPr id="68" name="CustomShape 13"/>
+          <p:cNvPr id="65" name="CustomShape 13"/>
           <p:cNvSpPr/>
           <p:nvPr/>
         </p:nvSpPr>
         <p:spPr>
           <a:xfrm>
             <a:off x="14325480" y="2361600"/>
-            <a:ext cx="13699080" cy="1614600"/>
+            <a:ext cx="13698360" cy="1613880"/>
           </a:xfrm>
           <a:prstGeom prst="rect">
             <a:avLst/>
@@ -6563,6 +6457,7 @@
                   <a:srgbClr val="000000"/>
                 </a:solidFill>
                 <a:latin typeface="Arial"/>
+                <a:ea typeface="DejaVu Sans"/>
               </a:rPr>
               <a:t>Competitive Landscape</a:t>
             </a:r>
@@ -6592,6 +6487,7 @@
                   <a:srgbClr val="002060"/>
                 </a:solidFill>
                 <a:latin typeface="Arial Narrow"/>
+                <a:ea typeface="DejaVu Sans"/>
               </a:rPr>
               <a:t>Who are our key competitors? (largest, most menacing?)</a:t>
             </a:r>
@@ -6611,6 +6507,7 @@
                   <a:srgbClr val="002060"/>
                 </a:solidFill>
                 <a:latin typeface="Arial Narrow"/>
+                <a:ea typeface="DejaVu Sans"/>
               </a:rPr>
               <a:t>How do they compete? What are their value propositions? What are their strengths &amp; weaknesses?</a:t>
             </a:r>
@@ -6632,14 +6529,14 @@
       </p:sp>
       <p:sp>
         <p:nvSpPr>
-          <p:cNvPr id="69" name="CustomShape 14"/>
+          <p:cNvPr id="66" name="CustomShape 14"/>
           <p:cNvSpPr/>
           <p:nvPr/>
         </p:nvSpPr>
         <p:spPr>
           <a:xfrm>
             <a:off x="597600" y="19519200"/>
-            <a:ext cx="21222720" cy="2226240"/>
+            <a:ext cx="21222000" cy="2225520"/>
           </a:xfrm>
           <a:prstGeom prst="rect">
             <a:avLst/>
@@ -6674,6 +6571,7 @@
                   <a:srgbClr val="000000"/>
                 </a:solidFill>
                 <a:latin typeface="Arial"/>
+                <a:ea typeface="DejaVu Sans"/>
               </a:rPr>
               <a:t>Impact</a:t>
             </a:r>
@@ -6703,6 +6601,7 @@
                   <a:srgbClr val="002060"/>
                 </a:solidFill>
                 <a:latin typeface="Arial"/>
+                <a:ea typeface="DejaVu Sans"/>
               </a:rPr>
               <a:t>What impact do you expect to have?</a:t>
             </a:r>
@@ -6722,6 +6621,7 @@
                   <a:srgbClr val="002060"/>
                 </a:solidFill>
                 <a:latin typeface="Arial"/>
+                <a:ea typeface="DejaVu Sans"/>
               </a:rPr>
               <a:t>Describe how you might impact lives of users and/or society in general.</a:t>
             </a:r>
@@ -6741,6 +6641,7 @@
                   <a:srgbClr val="002060"/>
                 </a:solidFill>
                 <a:latin typeface="Arial"/>
+                <a:ea typeface="DejaVu Sans"/>
               </a:rPr>
               <a:t># of Jobs created (direct and indirect)?</a:t>
             </a:r>
@@ -6760,6 +6661,7 @@
                   <a:srgbClr val="002060"/>
                 </a:solidFill>
                 <a:latin typeface="Arial"/>
+                <a:ea typeface="DejaVu Sans"/>
               </a:rPr>
               <a:t># of lives impacted?</a:t>
             </a:r>
@@ -6791,7 +6693,7 @@
       </p:sp>
       <p:pic>
         <p:nvPicPr>
-          <p:cNvPr id="70" name="Picture 1" descr=""/>
+          <p:cNvPr id="67" name="Picture 1" descr=""/>
           <p:cNvPicPr/>
           <p:nvPr/>
         </p:nvPicPr>
@@ -6802,7 +6704,7 @@
         <p:spPr>
           <a:xfrm>
             <a:off x="12399120" y="2461320"/>
-            <a:ext cx="1739880" cy="1389600"/>
+            <a:ext cx="1739160" cy="1388880"/>
           </a:xfrm>
           <a:prstGeom prst="rect">
             <a:avLst/>
@@ -6814,7 +6716,7 @@
       </p:pic>
       <p:pic>
         <p:nvPicPr>
-          <p:cNvPr id="71" name="Picture 2" descr=""/>
+          <p:cNvPr id="68" name="Picture 2" descr=""/>
           <p:cNvPicPr/>
           <p:nvPr/>
         </p:nvPicPr>
@@ -6825,7 +6727,7 @@
         <p:spPr>
           <a:xfrm>
             <a:off x="26449200" y="2458800"/>
-            <a:ext cx="1440360" cy="1391760"/>
+            <a:ext cx="1439640" cy="1391040"/>
           </a:xfrm>
           <a:prstGeom prst="rect">
             <a:avLst/>
@@ -6837,14 +6739,14 @@
       </p:pic>
       <p:sp>
         <p:nvSpPr>
-          <p:cNvPr id="72" name="CustomShape 15"/>
+          <p:cNvPr id="69" name="CustomShape 15"/>
           <p:cNvSpPr/>
           <p:nvPr/>
         </p:nvSpPr>
         <p:spPr>
           <a:xfrm>
             <a:off x="609480" y="381240"/>
-            <a:ext cx="27463320" cy="427320"/>
+            <a:ext cx="27462600" cy="426600"/>
           </a:xfrm>
           <a:prstGeom prst="rect">
             <a:avLst/>
@@ -6862,7 +6764,7 @@
         </p:style>
         <p:txBody>
           <a:bodyPr lIns="90000" rIns="90000" tIns="0" bIns="0" anchor="ctr">
-            <a:spAutoFit/>
+            <a:noAutofit/>
           </a:bodyPr>
           <a:p>
             <a:pPr>
@@ -6876,6 +6778,7 @@
                   <a:srgbClr val="808080"/>
                 </a:solidFill>
                 <a:latin typeface="Georgia"/>
+                <a:ea typeface="DejaVu Sans"/>
               </a:rPr>
               <a:t>Name / Company Name:</a:t>
             </a:r>
@@ -6885,6 +6788,7 @@
                   <a:srgbClr val="808080"/>
                 </a:solidFill>
                 <a:latin typeface="Georgia"/>
+                <a:ea typeface="DejaVu Sans"/>
               </a:rPr>
               <a:t>	</a:t>
             </a:r>
@@ -6894,6 +6798,7 @@
                   <a:srgbClr val="808080"/>
                 </a:solidFill>
                 <a:latin typeface="Georgia"/>
+                <a:ea typeface="DejaVu Sans"/>
               </a:rPr>
               <a:t>	</a:t>
             </a:r>
@@ -6903,6 +6808,7 @@
                   <a:srgbClr val="808080"/>
                 </a:solidFill>
                 <a:latin typeface="Georgia"/>
+                <a:ea typeface="DejaVu Sans"/>
               </a:rPr>
               <a:t>	</a:t>
             </a:r>
@@ -6912,6 +6818,7 @@
                   <a:srgbClr val="808080"/>
                 </a:solidFill>
                 <a:latin typeface="Georgia"/>
+                <a:ea typeface="DejaVu Sans"/>
               </a:rPr>
               <a:t>	</a:t>
             </a:r>
@@ -6921,6 +6828,7 @@
                   <a:srgbClr val="808080"/>
                 </a:solidFill>
                 <a:latin typeface="Georgia"/>
+                <a:ea typeface="DejaVu Sans"/>
               </a:rPr>
               <a:t>Date:</a:t>
             </a:r>
@@ -6930,6 +6838,7 @@
                   <a:srgbClr val="808080"/>
                 </a:solidFill>
                 <a:latin typeface="Georgia"/>
+                <a:ea typeface="DejaVu Sans"/>
               </a:rPr>
               <a:t>	</a:t>
             </a:r>
@@ -6939,6 +6848,7 @@
                   <a:srgbClr val="808080"/>
                 </a:solidFill>
                 <a:latin typeface="Georgia"/>
+                <a:ea typeface="DejaVu Sans"/>
               </a:rPr>
               <a:t>	</a:t>
             </a:r>
@@ -6948,6 +6858,7 @@
                   <a:srgbClr val="808080"/>
                 </a:solidFill>
                 <a:latin typeface="Georgia"/>
+                <a:ea typeface="DejaVu Sans"/>
               </a:rPr>
               <a:t>	</a:t>
             </a:r>
@@ -6957,6 +6868,7 @@
                   <a:srgbClr val="808080"/>
                 </a:solidFill>
                 <a:latin typeface="Georgia"/>
+                <a:ea typeface="DejaVu Sans"/>
               </a:rPr>
               <a:t> BMC Objective:</a:t>
             </a:r>
@@ -6968,14 +6880,14 @@
       </p:sp>
       <p:sp>
         <p:nvSpPr>
-          <p:cNvPr id="73" name="CustomShape 16"/>
+          <p:cNvPr id="70" name="CustomShape 16"/>
           <p:cNvSpPr/>
           <p:nvPr/>
         </p:nvSpPr>
         <p:spPr>
           <a:xfrm>
             <a:off x="892080" y="1105920"/>
-            <a:ext cx="26829000" cy="1004400"/>
+            <a:ext cx="26828280" cy="1399680"/>
           </a:xfrm>
           <a:prstGeom prst="rect">
             <a:avLst/>
@@ -6993,7 +6905,7 @@
         </p:style>
         <p:txBody>
           <a:bodyPr lIns="90000" rIns="90000" tIns="45000" bIns="45000">
-            <a:spAutoFit/>
+            <a:noAutofit/>
           </a:bodyPr>
           <a:p>
             <a:pPr>
@@ -7007,6 +6919,7 @@
                   <a:srgbClr val="000000"/>
                 </a:solidFill>
                 <a:latin typeface="Arial"/>
+                <a:ea typeface="DejaVu Sans"/>
               </a:rPr>
               <a:t>Problem Statement</a:t>
             </a:r>
@@ -7036,6 +6949,7 @@
                   <a:srgbClr val="002060"/>
                 </a:solidFill>
                 <a:latin typeface="Arial Narrow"/>
+                <a:ea typeface="DejaVu Sans"/>
               </a:rPr>
               <a:t>What big problem are we setting out to solve? How large is it? How many people are affected? In what geographies? What external factors surround the problem and might influence our strategy and operations, e.g., the economy, technology, political conditions, social conditions, etc.? </a:t>
             </a:r>
@@ -7047,7 +6961,7 @@
       </p:sp>
       <p:pic>
         <p:nvPicPr>
-          <p:cNvPr id="74" name="Picture 14" descr=""/>
+          <p:cNvPr id="71" name="Picture 14" descr=""/>
           <p:cNvPicPr/>
           <p:nvPr/>
         </p:nvPicPr>
@@ -7058,7 +6972,7 @@
         <p:spPr>
           <a:xfrm>
             <a:off x="26796960" y="1088640"/>
-            <a:ext cx="1004400" cy="1129680"/>
+            <a:ext cx="1003680" cy="1128960"/>
           </a:xfrm>
           <a:prstGeom prst="rect">
             <a:avLst/>
@@ -7070,7 +6984,7 @@
       </p:pic>
       <p:pic>
         <p:nvPicPr>
-          <p:cNvPr id="75" name="Picture 43" descr=""/>
+          <p:cNvPr id="72" name="Picture 43" descr=""/>
           <p:cNvPicPr/>
           <p:nvPr/>
         </p:nvPicPr>
@@ -7082,7 +6996,7 @@
         <p:spPr>
           <a:xfrm>
             <a:off x="20458440" y="19709280"/>
-            <a:ext cx="1213560" cy="923040"/>
+            <a:ext cx="1212840" cy="922320"/>
           </a:xfrm>
           <a:prstGeom prst="rect">
             <a:avLst/>
@@ -7151,14 +7065,14 @@
       </p:grpSpPr>
       <p:sp>
         <p:nvSpPr>
-          <p:cNvPr id="76" name="CustomShape 1"/>
+          <p:cNvPr id="73" name="CustomShape 1"/>
           <p:cNvSpPr/>
           <p:nvPr/>
         </p:nvSpPr>
         <p:spPr>
           <a:xfrm>
             <a:off x="17068680" y="9592560"/>
-            <a:ext cx="5486040" cy="5809320"/>
+            <a:ext cx="5485320" cy="5808600"/>
           </a:xfrm>
           <a:prstGeom prst="rect">
             <a:avLst/>
@@ -7193,885 +7107,111 @@
                   <a:srgbClr val="000000"/>
                 </a:solidFill>
                 <a:latin typeface="Arial"/>
-              </a:rPr>
-              <a:t>C</a:t>
-            </a:r>
+                <a:ea typeface="DejaVu Sans"/>
+              </a:rPr>
+              <a:t>Channels</a:t>
+            </a:r>
+            <a:endParaRPr b="0" lang="fr-FR" sz="3600" spc="-1" strike="noStrike">
+              <a:latin typeface="Arial"/>
+            </a:endParaRPr>
+          </a:p>
+          <a:p>
+            <a:pPr>
+              <a:lnSpc>
+                <a:spcPct val="100000"/>
+              </a:lnSpc>
+            </a:pPr>
+            <a:endParaRPr b="0" lang="fr-FR" sz="3600" spc="-1" strike="noStrike">
+              <a:latin typeface="Arial"/>
+            </a:endParaRPr>
+          </a:p>
+          <a:p>
+            <a:pPr>
+              <a:lnSpc>
+                <a:spcPct val="100000"/>
+              </a:lnSpc>
+            </a:pPr>
             <a:r>
               <a:rPr b="0" lang="fr-FR" sz="3600" spc="-1" strike="noStrike">
                 <a:solidFill>
                   <a:srgbClr val="000000"/>
                 </a:solidFill>
                 <a:latin typeface="Arial"/>
-              </a:rPr>
-              <a:t>h</a:t>
-            </a:r>
+                <a:ea typeface="DejaVu Sans"/>
+              </a:rPr>
+              <a:t>Fairs (FIARA)</a:t>
+            </a:r>
+            <a:endParaRPr b="0" lang="fr-FR" sz="3600" spc="-1" strike="noStrike">
+              <a:latin typeface="Arial"/>
+            </a:endParaRPr>
+          </a:p>
+          <a:p>
+            <a:pPr>
+              <a:lnSpc>
+                <a:spcPct val="100000"/>
+              </a:lnSpc>
+            </a:pPr>
+            <a:endParaRPr b="0" lang="fr-FR" sz="3600" spc="-1" strike="noStrike">
+              <a:latin typeface="Arial"/>
+            </a:endParaRPr>
+          </a:p>
+          <a:p>
+            <a:pPr>
+              <a:lnSpc>
+                <a:spcPct val="100000"/>
+              </a:lnSpc>
+            </a:pPr>
             <a:r>
               <a:rPr b="0" lang="fr-FR" sz="3600" spc="-1" strike="noStrike">
                 <a:solidFill>
                   <a:srgbClr val="000000"/>
                 </a:solidFill>
                 <a:latin typeface="Arial"/>
-              </a:rPr>
-              <a:t>a</a:t>
-            </a:r>
+                <a:ea typeface="DejaVu Sans"/>
+              </a:rPr>
+              <a:t>TV &amp; RADIO communication</a:t>
+            </a:r>
+            <a:endParaRPr b="0" lang="fr-FR" sz="3600" spc="-1" strike="noStrike">
+              <a:latin typeface="Arial"/>
+            </a:endParaRPr>
+          </a:p>
+          <a:p>
+            <a:pPr>
+              <a:lnSpc>
+                <a:spcPct val="100000"/>
+              </a:lnSpc>
+            </a:pPr>
+            <a:endParaRPr b="0" lang="fr-FR" sz="3600" spc="-1" strike="noStrike">
+              <a:latin typeface="Arial"/>
+            </a:endParaRPr>
+          </a:p>
+          <a:p>
+            <a:pPr>
+              <a:lnSpc>
+                <a:spcPct val="100000"/>
+              </a:lnSpc>
+            </a:pPr>
             <a:r>
               <a:rPr b="0" lang="fr-FR" sz="3600" spc="-1" strike="noStrike">
                 <a:solidFill>
                   <a:srgbClr val="000000"/>
                 </a:solidFill>
                 <a:latin typeface="Arial"/>
-              </a:rPr>
-              <a:t>n</a:t>
-            </a:r>
-            <a:r>
-              <a:rPr b="0" lang="fr-FR" sz="3600" spc="-1" strike="noStrike">
-                <a:solidFill>
-                  <a:srgbClr val="000000"/>
-                </a:solidFill>
-                <a:latin typeface="Arial"/>
-              </a:rPr>
-              <a:t>n</a:t>
-            </a:r>
-            <a:r>
-              <a:rPr b="0" lang="fr-FR" sz="3600" spc="-1" strike="noStrike">
-                <a:solidFill>
-                  <a:srgbClr val="000000"/>
-                </a:solidFill>
-                <a:latin typeface="Arial"/>
-              </a:rPr>
-              <a:t>e</a:t>
-            </a:r>
-            <a:r>
-              <a:rPr b="0" lang="fr-FR" sz="3600" spc="-1" strike="noStrike">
-                <a:solidFill>
-                  <a:srgbClr val="000000"/>
-                </a:solidFill>
-                <a:latin typeface="Arial"/>
-              </a:rPr>
-              <a:t>l</a:t>
-            </a:r>
-            <a:r>
-              <a:rPr b="0" lang="fr-FR" sz="3600" spc="-1" strike="noStrike">
-                <a:solidFill>
-                  <a:srgbClr val="000000"/>
-                </a:solidFill>
-                <a:latin typeface="Arial"/>
-              </a:rPr>
-              <a:t>s</a:t>
-            </a:r>
-            <a:endParaRPr b="0" lang="fr-FR" sz="3600" spc="-1" strike="noStrike">
-              <a:latin typeface="Arial"/>
-            </a:endParaRPr>
-          </a:p>
-          <a:p>
-            <a:pPr>
-              <a:lnSpc>
-                <a:spcPct val="100000"/>
-              </a:lnSpc>
-            </a:pPr>
-            <a:endParaRPr b="0" lang="fr-FR" sz="3600" spc="-1" strike="noStrike">
-              <a:latin typeface="Arial"/>
-            </a:endParaRPr>
-          </a:p>
-          <a:p>
-            <a:pPr marL="216000" indent="-216000">
-              <a:lnSpc>
-                <a:spcPct val="100000"/>
-              </a:lnSpc>
-              <a:buClr>
-                <a:srgbClr val="000000"/>
-              </a:buClr>
-              <a:buSzPct val="45000"/>
-              <a:buFont typeface="Wingdings" charset="2"/>
-              <a:buChar char=""/>
-            </a:pPr>
-            <a:r>
-              <a:rPr b="0" lang="fr-FR" sz="2800" spc="-1" strike="noStrike">
-                <a:solidFill>
-                  <a:srgbClr val="000000"/>
-                </a:solidFill>
-                <a:latin typeface="Arial"/>
-              </a:rPr>
-              <a:t>F</a:t>
-            </a:r>
-            <a:r>
-              <a:rPr b="0" lang="fr-FR" sz="2800" spc="-1" strike="noStrike">
-                <a:solidFill>
-                  <a:srgbClr val="000000"/>
-                </a:solidFill>
-                <a:latin typeface="Arial"/>
-              </a:rPr>
-              <a:t>o</a:t>
-            </a:r>
-            <a:r>
-              <a:rPr b="0" lang="fr-FR" sz="2800" spc="-1" strike="noStrike">
-                <a:solidFill>
-                  <a:srgbClr val="000000"/>
-                </a:solidFill>
-                <a:latin typeface="Arial"/>
-              </a:rPr>
-              <a:t>i</a:t>
-            </a:r>
-            <a:r>
-              <a:rPr b="0" lang="fr-FR" sz="2800" spc="-1" strike="noStrike">
-                <a:solidFill>
-                  <a:srgbClr val="000000"/>
-                </a:solidFill>
-                <a:latin typeface="Arial"/>
-              </a:rPr>
-              <a:t>r</a:t>
-            </a:r>
-            <a:r>
-              <a:rPr b="0" lang="fr-FR" sz="2800" spc="-1" strike="noStrike">
-                <a:solidFill>
-                  <a:srgbClr val="000000"/>
-                </a:solidFill>
-                <a:latin typeface="Arial"/>
-              </a:rPr>
-              <a:t>e</a:t>
-            </a:r>
-            <a:r>
-              <a:rPr b="0" lang="fr-FR" sz="2800" spc="-1" strike="noStrike">
-                <a:solidFill>
-                  <a:srgbClr val="000000"/>
-                </a:solidFill>
-                <a:latin typeface="Arial"/>
-              </a:rPr>
-              <a:t>s</a:t>
-            </a:r>
-            <a:r>
-              <a:rPr b="0" lang="fr-FR" sz="2800" spc="-1" strike="noStrike">
-                <a:solidFill>
-                  <a:srgbClr val="000000"/>
-                </a:solidFill>
-                <a:latin typeface="Arial"/>
-              </a:rPr>
-              <a:t> </a:t>
-            </a:r>
-            <a:r>
-              <a:rPr b="0" lang="fr-FR" sz="2800" spc="-1" strike="noStrike">
-                <a:solidFill>
-                  <a:srgbClr val="000000"/>
-                </a:solidFill>
-                <a:latin typeface="Arial"/>
-              </a:rPr>
-              <a:t>(</a:t>
-            </a:r>
-            <a:r>
-              <a:rPr b="0" lang="fr-FR" sz="2800" spc="-1" strike="noStrike">
-                <a:solidFill>
-                  <a:srgbClr val="000000"/>
-                </a:solidFill>
-                <a:latin typeface="Arial"/>
-              </a:rPr>
-              <a:t>F</a:t>
-            </a:r>
-            <a:r>
-              <a:rPr b="0" lang="fr-FR" sz="2800" spc="-1" strike="noStrike">
-                <a:solidFill>
-                  <a:srgbClr val="000000"/>
-                </a:solidFill>
-                <a:latin typeface="Arial"/>
-              </a:rPr>
-              <a:t>I</a:t>
-            </a:r>
-            <a:r>
-              <a:rPr b="0" lang="fr-FR" sz="2800" spc="-1" strike="noStrike">
-                <a:solidFill>
-                  <a:srgbClr val="000000"/>
-                </a:solidFill>
-                <a:latin typeface="Arial"/>
-              </a:rPr>
-              <a:t>A</a:t>
-            </a:r>
-            <a:r>
-              <a:rPr b="0" lang="fr-FR" sz="2800" spc="-1" strike="noStrike">
-                <a:solidFill>
-                  <a:srgbClr val="000000"/>
-                </a:solidFill>
-                <a:latin typeface="Arial"/>
-              </a:rPr>
-              <a:t>R</a:t>
-            </a:r>
-            <a:r>
-              <a:rPr b="0" lang="fr-FR" sz="2800" spc="-1" strike="noStrike">
-                <a:solidFill>
-                  <a:srgbClr val="000000"/>
-                </a:solidFill>
-                <a:latin typeface="Arial"/>
-              </a:rPr>
-              <a:t>A</a:t>
-            </a:r>
-            <a:r>
-              <a:rPr b="0" lang="fr-FR" sz="2800" spc="-1" strike="noStrike">
-                <a:solidFill>
-                  <a:srgbClr val="000000"/>
-                </a:solidFill>
-                <a:latin typeface="Arial"/>
-              </a:rPr>
-              <a:t>)</a:t>
-            </a:r>
-            <a:endParaRPr b="0" lang="fr-FR" sz="2800" spc="-1" strike="noStrike">
-              <a:latin typeface="Arial"/>
-            </a:endParaRPr>
-          </a:p>
-          <a:p>
-            <a:pPr marL="216000" indent="-216000">
-              <a:lnSpc>
-                <a:spcPct val="100000"/>
-              </a:lnSpc>
-              <a:buClr>
-                <a:srgbClr val="000000"/>
-              </a:buClr>
-              <a:buSzPct val="45000"/>
-              <a:buFont typeface="Wingdings" charset="2"/>
-              <a:buChar char=""/>
-            </a:pPr>
-            <a:endParaRPr b="0" lang="fr-FR" sz="2800" spc="-1" strike="noStrike">
-              <a:latin typeface="Arial"/>
-            </a:endParaRPr>
-          </a:p>
-          <a:p>
-            <a:pPr marL="216000" indent="-216000">
-              <a:lnSpc>
-                <a:spcPct val="100000"/>
-              </a:lnSpc>
-              <a:buClr>
-                <a:srgbClr val="000000"/>
-              </a:buClr>
-              <a:buSzPct val="45000"/>
-              <a:buFont typeface="Wingdings" charset="2"/>
-              <a:buChar char=""/>
-            </a:pPr>
-            <a:r>
-              <a:rPr b="0" lang="fr-FR" sz="2800" spc="-1" strike="noStrike">
-                <a:solidFill>
-                  <a:srgbClr val="000000"/>
-                </a:solidFill>
-                <a:latin typeface="Arial"/>
-              </a:rPr>
-              <a:t>C</a:t>
-            </a:r>
-            <a:r>
-              <a:rPr b="0" lang="fr-FR" sz="2800" spc="-1" strike="noStrike">
-                <a:solidFill>
-                  <a:srgbClr val="000000"/>
-                </a:solidFill>
-                <a:latin typeface="Arial"/>
-              </a:rPr>
-              <a:t>o</a:t>
-            </a:r>
-            <a:r>
-              <a:rPr b="0" lang="fr-FR" sz="2800" spc="-1" strike="noStrike">
-                <a:solidFill>
-                  <a:srgbClr val="000000"/>
-                </a:solidFill>
-                <a:latin typeface="Arial"/>
-              </a:rPr>
-              <a:t>m</a:t>
-            </a:r>
-            <a:r>
-              <a:rPr b="0" lang="fr-FR" sz="2800" spc="-1" strike="noStrike">
-                <a:solidFill>
-                  <a:srgbClr val="000000"/>
-                </a:solidFill>
-                <a:latin typeface="Arial"/>
-              </a:rPr>
-              <a:t>m</a:t>
-            </a:r>
-            <a:r>
-              <a:rPr b="0" lang="fr-FR" sz="2800" spc="-1" strike="noStrike">
-                <a:solidFill>
-                  <a:srgbClr val="000000"/>
-                </a:solidFill>
-                <a:latin typeface="Arial"/>
-              </a:rPr>
-              <a:t>u</a:t>
-            </a:r>
-            <a:r>
-              <a:rPr b="0" lang="fr-FR" sz="2800" spc="-1" strike="noStrike">
-                <a:solidFill>
-                  <a:srgbClr val="000000"/>
-                </a:solidFill>
-                <a:latin typeface="Arial"/>
-              </a:rPr>
-              <a:t>n</a:t>
-            </a:r>
-            <a:r>
-              <a:rPr b="0" lang="fr-FR" sz="2800" spc="-1" strike="noStrike">
-                <a:solidFill>
-                  <a:srgbClr val="000000"/>
-                </a:solidFill>
-                <a:latin typeface="Arial"/>
-              </a:rPr>
-              <a:t>i</a:t>
-            </a:r>
-            <a:r>
-              <a:rPr b="0" lang="fr-FR" sz="2800" spc="-1" strike="noStrike">
-                <a:solidFill>
-                  <a:srgbClr val="000000"/>
-                </a:solidFill>
-                <a:latin typeface="Arial"/>
-              </a:rPr>
-              <a:t>c</a:t>
-            </a:r>
-            <a:r>
-              <a:rPr b="0" lang="fr-FR" sz="2800" spc="-1" strike="noStrike">
-                <a:solidFill>
-                  <a:srgbClr val="000000"/>
-                </a:solidFill>
-                <a:latin typeface="Arial"/>
-              </a:rPr>
-              <a:t>a</a:t>
-            </a:r>
-            <a:r>
-              <a:rPr b="0" lang="fr-FR" sz="2800" spc="-1" strike="noStrike">
-                <a:solidFill>
-                  <a:srgbClr val="000000"/>
-                </a:solidFill>
-                <a:latin typeface="Arial"/>
-              </a:rPr>
-              <a:t>t</a:t>
-            </a:r>
-            <a:r>
-              <a:rPr b="0" lang="fr-FR" sz="2800" spc="-1" strike="noStrike">
-                <a:solidFill>
-                  <a:srgbClr val="000000"/>
-                </a:solidFill>
-                <a:latin typeface="Arial"/>
-              </a:rPr>
-              <a:t>i</a:t>
-            </a:r>
-            <a:r>
-              <a:rPr b="0" lang="fr-FR" sz="2800" spc="-1" strike="noStrike">
-                <a:solidFill>
-                  <a:srgbClr val="000000"/>
-                </a:solidFill>
-                <a:latin typeface="Arial"/>
-              </a:rPr>
-              <a:t>o</a:t>
-            </a:r>
-            <a:r>
-              <a:rPr b="0" lang="fr-FR" sz="2800" spc="-1" strike="noStrike">
-                <a:solidFill>
-                  <a:srgbClr val="000000"/>
-                </a:solidFill>
-                <a:latin typeface="Arial"/>
-              </a:rPr>
-              <a:t>n</a:t>
-            </a:r>
-            <a:r>
-              <a:rPr b="0" lang="fr-FR" sz="2800" spc="-1" strike="noStrike">
-                <a:solidFill>
-                  <a:srgbClr val="000000"/>
-                </a:solidFill>
-                <a:latin typeface="Arial"/>
-              </a:rPr>
-              <a:t> </a:t>
-            </a:r>
-            <a:r>
-              <a:rPr b="0" lang="fr-FR" sz="2800" spc="-1" strike="noStrike">
-                <a:solidFill>
-                  <a:srgbClr val="000000"/>
-                </a:solidFill>
-                <a:latin typeface="Arial"/>
-              </a:rPr>
-              <a:t>T</a:t>
-            </a:r>
-            <a:r>
-              <a:rPr b="0" lang="fr-FR" sz="2800" spc="-1" strike="noStrike">
-                <a:solidFill>
-                  <a:srgbClr val="000000"/>
-                </a:solidFill>
-                <a:latin typeface="Arial"/>
-              </a:rPr>
-              <a:t>V</a:t>
-            </a:r>
-            <a:r>
-              <a:rPr b="0" lang="fr-FR" sz="2800" spc="-1" strike="noStrike">
-                <a:solidFill>
-                  <a:srgbClr val="000000"/>
-                </a:solidFill>
-                <a:latin typeface="Arial"/>
-              </a:rPr>
-              <a:t> </a:t>
-            </a:r>
-            <a:r>
-              <a:rPr b="0" lang="fr-FR" sz="2800" spc="-1" strike="noStrike">
-                <a:solidFill>
-                  <a:srgbClr val="000000"/>
-                </a:solidFill>
-                <a:latin typeface="Arial"/>
-              </a:rPr>
-              <a:t>&amp;</a:t>
-            </a:r>
-            <a:r>
-              <a:rPr b="0" lang="fr-FR" sz="2800" spc="-1" strike="noStrike">
-                <a:solidFill>
-                  <a:srgbClr val="000000"/>
-                </a:solidFill>
-                <a:latin typeface="Arial"/>
-              </a:rPr>
-              <a:t> </a:t>
-            </a:r>
-            <a:r>
-              <a:rPr b="0" lang="fr-FR" sz="2800" spc="-1" strike="noStrike">
-                <a:solidFill>
-                  <a:srgbClr val="000000"/>
-                </a:solidFill>
-                <a:latin typeface="Arial"/>
-              </a:rPr>
-              <a:t>R</a:t>
-            </a:r>
-            <a:r>
-              <a:rPr b="0" lang="fr-FR" sz="2800" spc="-1" strike="noStrike">
-                <a:solidFill>
-                  <a:srgbClr val="000000"/>
-                </a:solidFill>
-                <a:latin typeface="Arial"/>
-              </a:rPr>
-              <a:t>A</a:t>
-            </a:r>
-            <a:r>
-              <a:rPr b="0" lang="fr-FR" sz="2800" spc="-1" strike="noStrike">
-                <a:solidFill>
-                  <a:srgbClr val="000000"/>
-                </a:solidFill>
-                <a:latin typeface="Arial"/>
-              </a:rPr>
-              <a:t>D</a:t>
-            </a:r>
-            <a:r>
-              <a:rPr b="0" lang="fr-FR" sz="2800" spc="-1" strike="noStrike">
-                <a:solidFill>
-                  <a:srgbClr val="000000"/>
-                </a:solidFill>
-                <a:latin typeface="Arial"/>
-              </a:rPr>
-              <a:t>I</a:t>
-            </a:r>
-            <a:r>
-              <a:rPr b="0" lang="fr-FR" sz="2800" spc="-1" strike="noStrike">
-                <a:solidFill>
-                  <a:srgbClr val="000000"/>
-                </a:solidFill>
-                <a:latin typeface="Arial"/>
-              </a:rPr>
-              <a:t>O</a:t>
-            </a:r>
-            <a:endParaRPr b="0" lang="fr-FR" sz="2800" spc="-1" strike="noStrike">
-              <a:latin typeface="Arial"/>
-            </a:endParaRPr>
-          </a:p>
-          <a:p>
-            <a:pPr marL="216000" indent="-216000">
-              <a:lnSpc>
-                <a:spcPct val="100000"/>
-              </a:lnSpc>
-              <a:buClr>
-                <a:srgbClr val="000000"/>
-              </a:buClr>
-              <a:buSzPct val="45000"/>
-              <a:buFont typeface="Wingdings" charset="2"/>
-              <a:buChar char=""/>
-            </a:pPr>
-            <a:endParaRPr b="0" lang="fr-FR" sz="2800" spc="-1" strike="noStrike">
-              <a:latin typeface="Arial"/>
-            </a:endParaRPr>
-          </a:p>
-          <a:p>
-            <a:pPr marL="216000" indent="-216000">
-              <a:lnSpc>
-                <a:spcPct val="100000"/>
-              </a:lnSpc>
-              <a:buClr>
-                <a:srgbClr val="000000"/>
-              </a:buClr>
-              <a:buSzPct val="45000"/>
-              <a:buFont typeface="Wingdings" charset="2"/>
-              <a:buChar char=""/>
-            </a:pPr>
-            <a:r>
-              <a:rPr b="0" lang="fr-FR" sz="2800" spc="-1" strike="noStrike">
-                <a:solidFill>
-                  <a:srgbClr val="000000"/>
-                </a:solidFill>
-                <a:latin typeface="Arial"/>
-              </a:rPr>
-              <a:t>S</a:t>
-            </a:r>
-            <a:r>
-              <a:rPr b="0" lang="fr-FR" sz="2800" spc="-1" strike="noStrike">
-                <a:solidFill>
-                  <a:srgbClr val="000000"/>
-                </a:solidFill>
-                <a:latin typeface="Arial"/>
-              </a:rPr>
-              <a:t>e</a:t>
-            </a:r>
-            <a:r>
-              <a:rPr b="0" lang="fr-FR" sz="2800" spc="-1" strike="noStrike">
-                <a:solidFill>
-                  <a:srgbClr val="000000"/>
-                </a:solidFill>
-                <a:latin typeface="Arial"/>
-              </a:rPr>
-              <a:t>m</a:t>
-            </a:r>
-            <a:r>
-              <a:rPr b="0" lang="fr-FR" sz="2800" spc="-1" strike="noStrike">
-                <a:solidFill>
-                  <a:srgbClr val="000000"/>
-                </a:solidFill>
-                <a:latin typeface="Arial"/>
-              </a:rPr>
-              <a:t>i</a:t>
-            </a:r>
-            <a:r>
-              <a:rPr b="0" lang="fr-FR" sz="2800" spc="-1" strike="noStrike">
-                <a:solidFill>
-                  <a:srgbClr val="000000"/>
-                </a:solidFill>
-                <a:latin typeface="Arial"/>
-              </a:rPr>
-              <a:t>n</a:t>
-            </a:r>
-            <a:r>
-              <a:rPr b="0" lang="fr-FR" sz="2800" spc="-1" strike="noStrike">
-                <a:solidFill>
-                  <a:srgbClr val="000000"/>
-                </a:solidFill>
-                <a:latin typeface="Arial"/>
-              </a:rPr>
-              <a:t>a</a:t>
-            </a:r>
-            <a:r>
-              <a:rPr b="0" lang="fr-FR" sz="2800" spc="-1" strike="noStrike">
-                <a:solidFill>
-                  <a:srgbClr val="000000"/>
-                </a:solidFill>
-                <a:latin typeface="Arial"/>
-              </a:rPr>
-              <a:t>i</a:t>
-            </a:r>
-            <a:r>
-              <a:rPr b="0" lang="fr-FR" sz="2800" spc="-1" strike="noStrike">
-                <a:solidFill>
-                  <a:srgbClr val="000000"/>
-                </a:solidFill>
-                <a:latin typeface="Arial"/>
-              </a:rPr>
-              <a:t>r</a:t>
-            </a:r>
-            <a:r>
-              <a:rPr b="0" lang="fr-FR" sz="2800" spc="-1" strike="noStrike">
-                <a:solidFill>
-                  <a:srgbClr val="000000"/>
-                </a:solidFill>
-                <a:latin typeface="Arial"/>
-              </a:rPr>
-              <a:t>e</a:t>
-            </a:r>
-            <a:r>
-              <a:rPr b="0" lang="fr-FR" sz="2800" spc="-1" strike="noStrike">
-                <a:solidFill>
-                  <a:srgbClr val="000000"/>
-                </a:solidFill>
-                <a:latin typeface="Arial"/>
-              </a:rPr>
-              <a:t>s</a:t>
-            </a:r>
-            <a:r>
-              <a:rPr b="0" lang="fr-FR" sz="2800" spc="-1" strike="noStrike">
-                <a:solidFill>
-                  <a:srgbClr val="000000"/>
-                </a:solidFill>
-                <a:latin typeface="Arial"/>
-              </a:rPr>
-              <a:t> </a:t>
-            </a:r>
-            <a:r>
-              <a:rPr b="0" lang="fr-FR" sz="2800" spc="-1" strike="noStrike">
-                <a:solidFill>
-                  <a:srgbClr val="000000"/>
-                </a:solidFill>
-                <a:latin typeface="Arial"/>
-              </a:rPr>
-              <a:t>d</a:t>
-            </a:r>
-            <a:r>
-              <a:rPr b="0" lang="fr-FR" sz="2800" spc="-1" strike="noStrike">
-                <a:solidFill>
-                  <a:srgbClr val="000000"/>
-                </a:solidFill>
-                <a:latin typeface="Arial"/>
-              </a:rPr>
-              <a:t>’</a:t>
-            </a:r>
-            <a:r>
-              <a:rPr b="0" lang="fr-FR" sz="2800" spc="-1" strike="noStrike">
-                <a:solidFill>
-                  <a:srgbClr val="000000"/>
-                </a:solidFill>
-                <a:latin typeface="Arial"/>
-              </a:rPr>
-              <a:t>I</a:t>
-            </a:r>
-            <a:r>
-              <a:rPr b="0" lang="fr-FR" sz="2800" spc="-1" strike="noStrike">
-                <a:solidFill>
-                  <a:srgbClr val="000000"/>
-                </a:solidFill>
-                <a:latin typeface="Arial"/>
-              </a:rPr>
-              <a:t>n</a:t>
-            </a:r>
-            <a:r>
-              <a:rPr b="0" lang="fr-FR" sz="2800" spc="-1" strike="noStrike">
-                <a:solidFill>
-                  <a:srgbClr val="000000"/>
-                </a:solidFill>
-                <a:latin typeface="Arial"/>
-              </a:rPr>
-              <a:t>f</a:t>
-            </a:r>
-            <a:r>
-              <a:rPr b="0" lang="fr-FR" sz="2800" spc="-1" strike="noStrike">
-                <a:solidFill>
-                  <a:srgbClr val="000000"/>
-                </a:solidFill>
-                <a:latin typeface="Arial"/>
-              </a:rPr>
-              <a:t>o</a:t>
-            </a:r>
-            <a:r>
-              <a:rPr b="0" lang="fr-FR" sz="2800" spc="-1" strike="noStrike">
-                <a:solidFill>
-                  <a:srgbClr val="000000"/>
-                </a:solidFill>
-                <a:latin typeface="Arial"/>
-              </a:rPr>
-              <a:t>r</a:t>
-            </a:r>
-            <a:r>
-              <a:rPr b="0" lang="fr-FR" sz="2800" spc="-1" strike="noStrike">
-                <a:solidFill>
-                  <a:srgbClr val="000000"/>
-                </a:solidFill>
-                <a:latin typeface="Arial"/>
-              </a:rPr>
-              <a:t>m</a:t>
-            </a:r>
-            <a:r>
-              <a:rPr b="0" lang="fr-FR" sz="2800" spc="-1" strike="noStrike">
-                <a:solidFill>
-                  <a:srgbClr val="000000"/>
-                </a:solidFill>
-                <a:latin typeface="Arial"/>
-              </a:rPr>
-              <a:t>a</a:t>
-            </a:r>
-            <a:r>
-              <a:rPr b="0" lang="fr-FR" sz="2800" spc="-1" strike="noStrike">
-                <a:solidFill>
-                  <a:srgbClr val="000000"/>
-                </a:solidFill>
-                <a:latin typeface="Arial"/>
-              </a:rPr>
-              <a:t>t</a:t>
-            </a:r>
-            <a:r>
-              <a:rPr b="0" lang="fr-FR" sz="2800" spc="-1" strike="noStrike">
-                <a:solidFill>
-                  <a:srgbClr val="000000"/>
-                </a:solidFill>
-                <a:latin typeface="Arial"/>
-              </a:rPr>
-              <a:t>i</a:t>
-            </a:r>
-            <a:r>
-              <a:rPr b="0" lang="fr-FR" sz="2800" spc="-1" strike="noStrike">
-                <a:solidFill>
-                  <a:srgbClr val="000000"/>
-                </a:solidFill>
-                <a:latin typeface="Arial"/>
-              </a:rPr>
-              <a:t>o</a:t>
-            </a:r>
-            <a:r>
-              <a:rPr b="0" lang="fr-FR" sz="2800" spc="-1" strike="noStrike">
-                <a:solidFill>
-                  <a:srgbClr val="000000"/>
-                </a:solidFill>
-                <a:latin typeface="Arial"/>
-              </a:rPr>
-              <a:t>n</a:t>
-            </a:r>
-            <a:r>
-              <a:rPr b="0" lang="fr-FR" sz="2800" spc="-1" strike="noStrike">
-                <a:solidFill>
-                  <a:srgbClr val="000000"/>
-                </a:solidFill>
-                <a:latin typeface="Arial"/>
-              </a:rPr>
-              <a:t> </a:t>
-            </a:r>
-            <a:r>
-              <a:rPr b="0" lang="fr-FR" sz="2800" spc="-1" strike="noStrike">
-                <a:solidFill>
-                  <a:srgbClr val="000000"/>
-                </a:solidFill>
-                <a:latin typeface="Arial"/>
-              </a:rPr>
-              <a:t>e</a:t>
-            </a:r>
-            <a:r>
-              <a:rPr b="0" lang="fr-FR" sz="2800" spc="-1" strike="noStrike">
-                <a:solidFill>
-                  <a:srgbClr val="000000"/>
-                </a:solidFill>
-                <a:latin typeface="Arial"/>
-              </a:rPr>
-              <a:t>t</a:t>
-            </a:r>
-            <a:r>
-              <a:rPr b="0" lang="fr-FR" sz="2800" spc="-1" strike="noStrike">
-                <a:solidFill>
-                  <a:srgbClr val="000000"/>
-                </a:solidFill>
-                <a:latin typeface="Arial"/>
-              </a:rPr>
-              <a:t> </a:t>
-            </a:r>
-            <a:r>
-              <a:rPr b="0" lang="fr-FR" sz="2800" spc="-1" strike="noStrike">
-                <a:solidFill>
-                  <a:srgbClr val="000000"/>
-                </a:solidFill>
-                <a:latin typeface="Arial"/>
-              </a:rPr>
-              <a:t>d</a:t>
-            </a:r>
-            <a:r>
-              <a:rPr b="0" lang="fr-FR" sz="2800" spc="-1" strike="noStrike">
-                <a:solidFill>
-                  <a:srgbClr val="000000"/>
-                </a:solidFill>
-                <a:latin typeface="Arial"/>
-              </a:rPr>
-              <a:t>e</a:t>
-            </a:r>
-            <a:r>
-              <a:rPr b="0" lang="fr-FR" sz="2800" spc="-1" strike="noStrike">
-                <a:solidFill>
-                  <a:srgbClr val="000000"/>
-                </a:solidFill>
-                <a:latin typeface="Arial"/>
-              </a:rPr>
-              <a:t> </a:t>
-            </a:r>
-            <a:r>
-              <a:rPr b="0" lang="fr-FR" sz="2800" spc="-1" strike="noStrike">
-                <a:solidFill>
-                  <a:srgbClr val="000000"/>
-                </a:solidFill>
-                <a:latin typeface="Arial"/>
-              </a:rPr>
-              <a:t>F</a:t>
-            </a:r>
-            <a:r>
-              <a:rPr b="0" lang="fr-FR" sz="2800" spc="-1" strike="noStrike">
-                <a:solidFill>
-                  <a:srgbClr val="000000"/>
-                </a:solidFill>
-                <a:latin typeface="Arial"/>
-              </a:rPr>
-              <a:t>o</a:t>
-            </a:r>
-            <a:r>
-              <a:rPr b="0" lang="fr-FR" sz="2800" spc="-1" strike="noStrike">
-                <a:solidFill>
-                  <a:srgbClr val="000000"/>
-                </a:solidFill>
-                <a:latin typeface="Arial"/>
-              </a:rPr>
-              <a:t>r</a:t>
-            </a:r>
-            <a:r>
-              <a:rPr b="0" lang="fr-FR" sz="2800" spc="-1" strike="noStrike">
-                <a:solidFill>
-                  <a:srgbClr val="000000"/>
-                </a:solidFill>
-                <a:latin typeface="Arial"/>
-              </a:rPr>
-              <a:t>m</a:t>
-            </a:r>
-            <a:r>
-              <a:rPr b="0" lang="fr-FR" sz="2800" spc="-1" strike="noStrike">
-                <a:solidFill>
-                  <a:srgbClr val="000000"/>
-                </a:solidFill>
-                <a:latin typeface="Arial"/>
-              </a:rPr>
-              <a:t>a</a:t>
-            </a:r>
-            <a:r>
-              <a:rPr b="0" lang="fr-FR" sz="2800" spc="-1" strike="noStrike">
-                <a:solidFill>
-                  <a:srgbClr val="000000"/>
-                </a:solidFill>
-                <a:latin typeface="Arial"/>
-              </a:rPr>
-              <a:t>t</a:t>
-            </a:r>
-            <a:r>
-              <a:rPr b="0" lang="fr-FR" sz="2800" spc="-1" strike="noStrike">
-                <a:solidFill>
-                  <a:srgbClr val="000000"/>
-                </a:solidFill>
-                <a:latin typeface="Arial"/>
-              </a:rPr>
-              <a:t>i</a:t>
-            </a:r>
-            <a:r>
-              <a:rPr b="0" lang="fr-FR" sz="2800" spc="-1" strike="noStrike">
-                <a:solidFill>
-                  <a:srgbClr val="000000"/>
-                </a:solidFill>
-                <a:latin typeface="Arial"/>
-              </a:rPr>
-              <a:t>o</a:t>
-            </a:r>
-            <a:r>
-              <a:rPr b="0" lang="fr-FR" sz="2800" spc="-1" strike="noStrike">
-                <a:solidFill>
-                  <a:srgbClr val="000000"/>
-                </a:solidFill>
-                <a:latin typeface="Arial"/>
-              </a:rPr>
-              <a:t>n</a:t>
-            </a:r>
-            <a:endParaRPr b="0" lang="fr-FR" sz="2800" spc="-1" strike="noStrike">
-              <a:latin typeface="Arial"/>
-            </a:endParaRPr>
-          </a:p>
-          <a:p>
-            <a:pPr>
-              <a:lnSpc>
-                <a:spcPct val="100000"/>
-              </a:lnSpc>
-            </a:pPr>
-            <a:endParaRPr b="0" lang="fr-FR" sz="2800" spc="-1" strike="noStrike">
-              <a:latin typeface="Arial"/>
-            </a:endParaRPr>
-          </a:p>
-          <a:p>
-            <a:pPr>
-              <a:lnSpc>
-                <a:spcPct val="100000"/>
-              </a:lnSpc>
-            </a:pPr>
-            <a:endParaRPr b="0" lang="fr-FR" sz="2800" spc="-1" strike="noStrike">
+                <a:ea typeface="DejaVu Sans"/>
+              </a:rPr>
+              <a:t>Information and Training Seminars</a:t>
+            </a:r>
+            <a:endParaRPr b="0" lang="fr-FR" sz="3600" spc="-1" strike="noStrike">
+              <a:latin typeface="Arial"/>
+            </a:endParaRPr>
+          </a:p>
+          <a:p>
+            <a:pPr>
+              <a:lnSpc>
+                <a:spcPct val="100000"/>
+              </a:lnSpc>
+            </a:pPr>
+            <a:endParaRPr b="0" lang="fr-FR" sz="3600" spc="-1" strike="noStrike">
               <a:latin typeface="Arial"/>
             </a:endParaRPr>
           </a:p>
@@ -8079,7 +7219,7 @@
       </p:sp>
       <p:pic>
         <p:nvPicPr>
-          <p:cNvPr id="77" name="Picture 29" descr=""/>
+          <p:cNvPr id="74" name="Picture 29" descr=""/>
           <p:cNvPicPr/>
           <p:nvPr/>
         </p:nvPicPr>
@@ -8090,7 +7230,7 @@
         <p:spPr>
           <a:xfrm>
             <a:off x="20806560" y="9632880"/>
-            <a:ext cx="1666440" cy="1316520"/>
+            <a:ext cx="1665720" cy="1315800"/>
           </a:xfrm>
           <a:prstGeom prst="rect">
             <a:avLst/>
@@ -8102,14 +7242,14 @@
       </p:pic>
       <p:sp>
         <p:nvSpPr>
-          <p:cNvPr id="78" name="CustomShape 2"/>
+          <p:cNvPr id="75" name="CustomShape 2"/>
           <p:cNvSpPr/>
           <p:nvPr/>
         </p:nvSpPr>
         <p:spPr>
           <a:xfrm>
             <a:off x="11582280" y="3979080"/>
-            <a:ext cx="5486040" cy="11424960"/>
+            <a:ext cx="5485320" cy="11424240"/>
           </a:xfrm>
           <a:prstGeom prst="rect">
             <a:avLst/>
@@ -8144,6 +7284,7 @@
                   <a:srgbClr val="000000"/>
                 </a:solidFill>
                 <a:latin typeface="Arial"/>
+                <a:ea typeface="DejaVu Sans"/>
               </a:rPr>
               <a:t>Value</a:t>
             </a:r>
@@ -8163,6 +7304,7 @@
                   <a:srgbClr val="000000"/>
                 </a:solidFill>
                 <a:latin typeface="Arial"/>
+                <a:ea typeface="DejaVu Sans"/>
               </a:rPr>
               <a:t>Propositions</a:t>
             </a:r>
@@ -8206,46 +7348,37 @@
                 <a:spcPct val="100000"/>
               </a:lnSpc>
             </a:pPr>
-            <a:endParaRPr b="0" lang="fr-FR" sz="3600" spc="-1" strike="noStrike">
-              <a:latin typeface="Arial"/>
-            </a:endParaRPr>
-          </a:p>
-          <a:p>
-            <a:pPr>
-              <a:lnSpc>
-                <a:spcPct val="100000"/>
-              </a:lnSpc>
-            </a:pPr>
-            <a:r>
-              <a:rPr b="0" lang="fr-FR" sz="3200" spc="-1" strike="noStrike">
+            <a:r>
+              <a:rPr b="0" lang="fr-FR" sz="3600" spc="-1" strike="noStrike">
                 <a:solidFill>
                   <a:srgbClr val="ce181e"/>
                 </a:solidFill>
                 <a:latin typeface="Arial"/>
-              </a:rPr>
-              <a:t>Des Moyens pour optimiser vos ressources Agricoles, et proteger l’Environnement Urbain !!!</a:t>
-            </a:r>
-            <a:endParaRPr b="0" lang="fr-FR" sz="3200" spc="-1" strike="noStrike">
-              <a:latin typeface="Arial"/>
-            </a:endParaRPr>
-          </a:p>
-          <a:p>
-            <a:pPr>
-              <a:lnSpc>
-                <a:spcPct val="100000"/>
-              </a:lnSpc>
-            </a:pPr>
-            <a:endParaRPr b="0" lang="fr-FR" sz="3200" spc="-1" strike="noStrike">
-              <a:latin typeface="Arial"/>
-            </a:endParaRPr>
-          </a:p>
-          <a:p>
-            <a:pPr>
-              <a:lnSpc>
-                <a:spcPct val="100000"/>
-              </a:lnSpc>
-            </a:pPr>
-            <a:endParaRPr b="0" lang="fr-FR" sz="3200" spc="-1" strike="noStrike">
+                <a:ea typeface="DejaVu Sans"/>
+              </a:rPr>
+              <a:t>Means to optimize your agricultural resources, and protect the urban environment !!!</a:t>
+            </a:r>
+            <a:endParaRPr b="0" lang="fr-FR" sz="3600" spc="-1" strike="noStrike">
+              <a:latin typeface="Arial"/>
+            </a:endParaRPr>
+          </a:p>
+          <a:p>
+            <a:pPr>
+              <a:lnSpc>
+                <a:spcPct val="100000"/>
+              </a:lnSpc>
+            </a:pPr>
+            <a:endParaRPr b="0" lang="fr-FR" sz="3600" spc="-1" strike="noStrike">
+              <a:latin typeface="Arial"/>
+            </a:endParaRPr>
+          </a:p>
+          <a:p>
+            <a:pPr>
+              <a:lnSpc>
+                <a:spcPct val="100000"/>
+              </a:lnSpc>
+            </a:pPr>
+            <a:endParaRPr b="0" lang="fr-FR" sz="3600" spc="-1" strike="noStrike">
               <a:latin typeface="Arial"/>
             </a:endParaRPr>
           </a:p>
@@ -8253,7 +7386,7 @@
       </p:sp>
       <p:pic>
         <p:nvPicPr>
-          <p:cNvPr id="79" name="Picture 36" descr=""/>
+          <p:cNvPr id="76" name="Picture 36" descr=""/>
           <p:cNvPicPr/>
           <p:nvPr/>
         </p:nvPicPr>
@@ -8264,7 +7397,7 @@
         <p:spPr>
           <a:xfrm>
             <a:off x="15423120" y="4091400"/>
-            <a:ext cx="1624320" cy="1386360"/>
+            <a:ext cx="1623600" cy="1385640"/>
           </a:xfrm>
           <a:prstGeom prst="rect">
             <a:avLst/>
@@ -8276,14 +7409,14 @@
       </p:pic>
       <p:sp>
         <p:nvSpPr>
-          <p:cNvPr id="80" name="CustomShape 3"/>
+          <p:cNvPr id="77" name="CustomShape 3"/>
           <p:cNvSpPr/>
           <p:nvPr/>
         </p:nvSpPr>
         <p:spPr>
           <a:xfrm>
             <a:off x="6095880" y="9594000"/>
-            <a:ext cx="5486040" cy="5807880"/>
+            <a:ext cx="5485320" cy="5807160"/>
           </a:xfrm>
           <a:prstGeom prst="rect">
             <a:avLst/>
@@ -8318,6 +7451,7 @@
                   <a:srgbClr val="000000"/>
                 </a:solidFill>
                 <a:latin typeface="Arial"/>
+                <a:ea typeface="DejaVu Sans"/>
               </a:rPr>
               <a:t>Key </a:t>
             </a:r>
@@ -8337,6 +7471,7 @@
                   <a:srgbClr val="000000"/>
                 </a:solidFill>
                 <a:latin typeface="Arial"/>
+                <a:ea typeface="DejaVu Sans"/>
               </a:rPr>
               <a:t>Resources</a:t>
             </a:r>
@@ -8360,24 +7495,15 @@
                 <a:spcPct val="100000"/>
               </a:lnSpc>
             </a:pPr>
-            <a:endParaRPr b="0" lang="fr-FR" sz="3600" spc="-1" strike="noStrike">
-              <a:latin typeface="Arial"/>
-            </a:endParaRPr>
-          </a:p>
-          <a:p>
-            <a:pPr>
-              <a:lnSpc>
-                <a:spcPct val="100000"/>
-              </a:lnSpc>
-            </a:pPr>
             <a:r>
               <a:rPr b="0" lang="fr-FR" sz="2200" spc="-1" strike="noStrike">
                 <a:solidFill>
                   <a:srgbClr val="000000"/>
                 </a:solidFill>
                 <a:latin typeface="Arial Narrow"/>
-              </a:rPr>
-              <a:t>RH :</a:t>
+                <a:ea typeface="DejaVu Sans"/>
+              </a:rPr>
+              <a:t>HR: 2 IT Engineers, 1 Agro experts, 2 Commercials.</a:t>
             </a:r>
             <a:endParaRPr b="0" lang="fr-FR" sz="2200" spc="-1" strike="noStrike">
               <a:latin typeface="Arial"/>
@@ -8405,8 +7531,9 @@
                   <a:srgbClr val="000000"/>
                 </a:solidFill>
                 <a:latin typeface="Arial Narrow"/>
-              </a:rPr>
-              <a:t>LOGISTIQUE :</a:t>
+                <a:ea typeface="DejaVu Sans"/>
+              </a:rPr>
+              <a:t>LOGISTICS: IoT Equipment, Office Equipment, A delivery car,</a:t>
             </a:r>
             <a:endParaRPr b="0" lang="fr-FR" sz="2200" spc="-1" strike="noStrike">
               <a:latin typeface="Arial"/>
@@ -8428,25 +7555,26 @@
                 <a:spcPct val="100000"/>
               </a:lnSpc>
             </a:pPr>
+            <a:endParaRPr b="0" lang="fr-FR" sz="2200" spc="-1" strike="noStrike">
+              <a:latin typeface="Arial"/>
+            </a:endParaRPr>
+          </a:p>
+          <a:p>
+            <a:pPr>
+              <a:lnSpc>
+                <a:spcPct val="100000"/>
+              </a:lnSpc>
+            </a:pPr>
             <a:r>
               <a:rPr b="0" lang="fr-FR" sz="2200" spc="-1" strike="noStrike">
                 <a:solidFill>
                   <a:srgbClr val="000000"/>
                 </a:solidFill>
                 <a:latin typeface="Arial Narrow"/>
-              </a:rPr>
-              <a:t>FINANCE :</a:t>
-            </a:r>
-            <a:endParaRPr b="0" lang="fr-FR" sz="2200" spc="-1" strike="noStrike">
-              <a:latin typeface="Arial"/>
-            </a:endParaRPr>
-          </a:p>
-          <a:p>
-            <a:pPr>
-              <a:lnSpc>
-                <a:spcPct val="100000"/>
-              </a:lnSpc>
-            </a:pPr>
+                <a:ea typeface="DejaVu Sans"/>
+              </a:rPr>
+              <a:t>FINANCE: 1 000 000 F</a:t>
+            </a:r>
             <a:endParaRPr b="0" lang="fr-FR" sz="2200" spc="-1" strike="noStrike">
               <a:latin typeface="Arial"/>
             </a:endParaRPr>
@@ -8465,7 +7593,7 @@
       </p:sp>
       <p:pic>
         <p:nvPicPr>
-          <p:cNvPr id="81" name="Picture 34" descr=""/>
+          <p:cNvPr id="78" name="Picture 34" descr=""/>
           <p:cNvPicPr/>
           <p:nvPr/>
         </p:nvPicPr>
@@ -8476,7 +7604,7 @@
         <p:spPr>
           <a:xfrm>
             <a:off x="10258200" y="9649440"/>
-            <a:ext cx="1162080" cy="1393560"/>
+            <a:ext cx="1161360" cy="1392840"/>
           </a:xfrm>
           <a:prstGeom prst="rect">
             <a:avLst/>
@@ -8488,14 +7616,14 @@
       </p:pic>
       <p:sp>
         <p:nvSpPr>
-          <p:cNvPr id="82" name="CustomShape 4"/>
+          <p:cNvPr id="79" name="CustomShape 4"/>
           <p:cNvSpPr/>
           <p:nvPr/>
         </p:nvSpPr>
         <p:spPr>
           <a:xfrm>
             <a:off x="609480" y="3976560"/>
-            <a:ext cx="5486040" cy="11425320"/>
+            <a:ext cx="5485320" cy="11424600"/>
           </a:xfrm>
           <a:prstGeom prst="rect">
             <a:avLst/>
@@ -8530,6 +7658,7 @@
                   <a:srgbClr val="000000"/>
                 </a:solidFill>
                 <a:latin typeface="Arial"/>
+                <a:ea typeface="DejaVu Sans"/>
               </a:rPr>
               <a:t>Key</a:t>
             </a:r>
@@ -8549,6 +7678,7 @@
                   <a:srgbClr val="000000"/>
                 </a:solidFill>
                 <a:latin typeface="Arial"/>
+                <a:ea typeface="DejaVu Sans"/>
               </a:rPr>
               <a:t>Partners</a:t>
             </a:r>
@@ -8592,44 +7722,15 @@
                 <a:spcPct val="100000"/>
               </a:lnSpc>
             </a:pPr>
-            <a:endParaRPr b="0" lang="fr-FR" sz="3600" spc="-1" strike="noStrike">
-              <a:latin typeface="Arial"/>
-            </a:endParaRPr>
-          </a:p>
-          <a:p>
-            <a:pPr>
-              <a:lnSpc>
-                <a:spcPct val="100000"/>
-              </a:lnSpc>
-            </a:pPr>
-            <a:endParaRPr b="0" lang="fr-FR" sz="3600" spc="-1" strike="noStrike">
-              <a:latin typeface="Arial"/>
-            </a:endParaRPr>
-          </a:p>
-          <a:p>
-            <a:pPr>
-              <a:lnSpc>
-                <a:spcPct val="100000"/>
-              </a:lnSpc>
-            </a:pPr>
-            <a:endParaRPr b="0" lang="fr-FR" sz="3600" spc="-1" strike="noStrike">
-              <a:latin typeface="Arial"/>
-            </a:endParaRPr>
-          </a:p>
-          <a:p>
-            <a:pPr>
-              <a:lnSpc>
-                <a:spcPct val="100000"/>
-              </a:lnSpc>
-            </a:pPr>
             <a:r>
               <a:rPr b="0" lang="fr-FR" sz="3600" spc="-1" strike="noStrike">
                 <a:solidFill>
                   <a:srgbClr val="000000"/>
                 </a:solidFill>
                 <a:latin typeface="Arial Narrow"/>
-              </a:rPr>
-              <a:t>UGB</a:t>
+                <a:ea typeface="DejaVu Sans"/>
+              </a:rPr>
+              <a:t>Wazihub: Technical materials for kits</a:t>
             </a:r>
             <a:endParaRPr b="0" lang="fr-FR" sz="3600" spc="-1" strike="noStrike">
               <a:latin typeface="Arial"/>
@@ -8657,8 +7758,9 @@
                   <a:srgbClr val="000000"/>
                 </a:solidFill>
                 <a:latin typeface="Arial Narrow"/>
-              </a:rPr>
-              <a:t>Wazihub</a:t>
+                <a:ea typeface="DejaVu Sans"/>
+              </a:rPr>
+              <a:t>UFR S2ATA: Micro gardening and plants</a:t>
             </a:r>
             <a:endParaRPr b="0" lang="fr-FR" sz="3600" spc="-1" strike="noStrike">
               <a:latin typeface="Arial"/>
@@ -8686,8 +7788,29 @@
                   <a:srgbClr val="000000"/>
                 </a:solidFill>
                 <a:latin typeface="Arial Narrow"/>
-              </a:rPr>
-              <a:t>UFR S2ATA</a:t>
+                <a:ea typeface="DejaVu Sans"/>
+              </a:rPr>
+              <a:t>UGB Incubator: Incubation and Customer Relations </a:t>
+            </a:r>
+            <a:endParaRPr b="0" lang="fr-FR" sz="3600" spc="-1" strike="noStrike">
+              <a:latin typeface="Arial"/>
+            </a:endParaRPr>
+          </a:p>
+          <a:p>
+            <a:pPr>
+              <a:lnSpc>
+                <a:spcPct val="100000"/>
+              </a:lnSpc>
+            </a:pPr>
+            <a:r>
+              <a:rPr b="0" lang="fr-FR" sz="3600" spc="-1" strike="noStrike">
+                <a:solidFill>
+                  <a:srgbClr val="000000"/>
+                </a:solidFill>
+                <a:latin typeface="Arial Narrow"/>
+                <a:ea typeface="DejaVu Sans"/>
+              </a:rPr>
+              <a:t> </a:t>
             </a:r>
             <a:endParaRPr b="0" lang="fr-FR" sz="3600" spc="-1" strike="noStrike">
               <a:latin typeface="Arial"/>
@@ -8717,14 +7840,14 @@
       </p:sp>
       <p:sp>
         <p:nvSpPr>
-          <p:cNvPr id="83" name="CustomShape 5"/>
+          <p:cNvPr id="80" name="CustomShape 5"/>
           <p:cNvSpPr/>
           <p:nvPr/>
         </p:nvSpPr>
         <p:spPr>
           <a:xfrm>
             <a:off x="6095880" y="3979080"/>
-            <a:ext cx="5486040" cy="5610600"/>
+            <a:ext cx="5485320" cy="5609880"/>
           </a:xfrm>
           <a:prstGeom prst="rect">
             <a:avLst/>
@@ -8759,6 +7882,7 @@
                   <a:srgbClr val="000000"/>
                 </a:solidFill>
                 <a:latin typeface="Arial"/>
+                <a:ea typeface="DejaVu Sans"/>
               </a:rPr>
               <a:t>Key</a:t>
             </a:r>
@@ -8778,6 +7902,7 @@
                   <a:srgbClr val="000000"/>
                 </a:solidFill>
                 <a:latin typeface="Arial"/>
+                <a:ea typeface="DejaVu Sans"/>
               </a:rPr>
               <a:t>Activities</a:t>
             </a:r>
@@ -8786,32 +7911,20 @@
             </a:endParaRPr>
           </a:p>
           <a:p>
-            <a:pPr marL="216000" indent="-216000">
-              <a:lnSpc>
-                <a:spcPct val="100000"/>
-              </a:lnSpc>
-              <a:buClr>
-                <a:srgbClr val="000000"/>
-              </a:buClr>
-              <a:buSzPct val="45000"/>
-              <a:buFont typeface="Wingdings" charset="2"/>
-              <a:buChar char=""/>
-            </a:pPr>
-            <a:endParaRPr b="0" lang="fr-FR" sz="3600" spc="-1" strike="noStrike">
-              <a:latin typeface="Arial"/>
-            </a:endParaRPr>
-          </a:p>
-          <a:p>
-            <a:pPr marL="216000" indent="-216000">
-              <a:lnSpc>
-                <a:spcPct val="100000"/>
-              </a:lnSpc>
-              <a:buClr>
-                <a:srgbClr val="000000"/>
-              </a:buClr>
-              <a:buSzPct val="45000"/>
-              <a:buFont typeface="Wingdings" charset="2"/>
-              <a:buChar char=""/>
+            <a:pPr>
+              <a:lnSpc>
+                <a:spcPct val="100000"/>
+              </a:lnSpc>
+            </a:pPr>
+            <a:endParaRPr b="0" lang="fr-FR" sz="3600" spc="-1" strike="noStrike">
+              <a:latin typeface="Arial"/>
+            </a:endParaRPr>
+          </a:p>
+          <a:p>
+            <a:pPr>
+              <a:lnSpc>
+                <a:spcPct val="100000"/>
+              </a:lnSpc>
             </a:pPr>
             <a:r>
               <a:rPr b="0" lang="fr-FR" sz="3200" spc="-1" strike="noStrike">
@@ -8819,40 +7932,29 @@
                   <a:srgbClr val="000000"/>
                 </a:solidFill>
                 <a:latin typeface="Arial"/>
-              </a:rPr>
-              <a:t>Confection de 100 Kits</a:t>
+                <a:ea typeface="DejaVu Sans"/>
+              </a:rPr>
+              <a:t>Confection of 50 Kits</a:t>
             </a:r>
             <a:endParaRPr b="0" lang="fr-FR" sz="3200" spc="-1" strike="noStrike">
               <a:latin typeface="Arial"/>
             </a:endParaRPr>
           </a:p>
           <a:p>
-            <a:pPr marL="216000" indent="-216000">
-              <a:lnSpc>
-                <a:spcPct val="100000"/>
-              </a:lnSpc>
-              <a:buClr>
-                <a:srgbClr val="000000"/>
-              </a:buClr>
-              <a:buSzPct val="45000"/>
-              <a:buFont typeface="Wingdings" charset="2"/>
-              <a:buChar char=""/>
+            <a:pPr>
+              <a:lnSpc>
+                <a:spcPct val="100000"/>
+              </a:lnSpc>
             </a:pPr>
             <a:endParaRPr b="0" lang="fr-FR" sz="3200" spc="-1" strike="noStrike">
               <a:latin typeface="Arial"/>
             </a:endParaRPr>
           </a:p>
           <a:p>
-            <a:pPr marL="216000" indent="-216000">
-              <a:lnSpc>
-                <a:spcPct val="100000"/>
-              </a:lnSpc>
-              <a:buClr>
-                <a:srgbClr val="000000"/>
-              </a:buClr>
-              <a:buSzPct val="45000"/>
-              <a:buFont typeface="Wingdings" charset="2"/>
-              <a:buChar char=""/>
+            <a:pPr>
+              <a:lnSpc>
+                <a:spcPct val="100000"/>
+              </a:lnSpc>
             </a:pPr>
             <a:r>
               <a:rPr b="0" lang="fr-FR" sz="3200" spc="-1" strike="noStrike">
@@ -8860,40 +7962,29 @@
                   <a:srgbClr val="000000"/>
                 </a:solidFill>
                 <a:latin typeface="Arial"/>
-              </a:rPr>
-              <a:t>Confection de Tables de Microjardinage</a:t>
+                <a:ea typeface="DejaVu Sans"/>
+              </a:rPr>
+              <a:t>Making of Micro-gardening Tables</a:t>
             </a:r>
             <a:endParaRPr b="0" lang="fr-FR" sz="3200" spc="-1" strike="noStrike">
               <a:latin typeface="Arial"/>
             </a:endParaRPr>
           </a:p>
           <a:p>
-            <a:pPr marL="216000" indent="-216000">
-              <a:lnSpc>
-                <a:spcPct val="100000"/>
-              </a:lnSpc>
-              <a:buClr>
-                <a:srgbClr val="000000"/>
-              </a:buClr>
-              <a:buSzPct val="45000"/>
-              <a:buFont typeface="Wingdings" charset="2"/>
-              <a:buChar char=""/>
+            <a:pPr>
+              <a:lnSpc>
+                <a:spcPct val="100000"/>
+              </a:lnSpc>
             </a:pPr>
             <a:endParaRPr b="0" lang="fr-FR" sz="3200" spc="-1" strike="noStrike">
               <a:latin typeface="Arial"/>
             </a:endParaRPr>
           </a:p>
           <a:p>
-            <a:pPr marL="216000" indent="-216000">
-              <a:lnSpc>
-                <a:spcPct val="100000"/>
-              </a:lnSpc>
-              <a:buClr>
-                <a:srgbClr val="000000"/>
-              </a:buClr>
-              <a:buSzPct val="45000"/>
-              <a:buFont typeface="Wingdings" charset="2"/>
-              <a:buChar char=""/>
+            <a:pPr>
+              <a:lnSpc>
+                <a:spcPct val="100000"/>
+              </a:lnSpc>
             </a:pPr>
             <a:r>
               <a:rPr b="0" lang="fr-FR" sz="3200" spc="-1" strike="noStrike">
@@ -8901,8 +7992,9 @@
                   <a:srgbClr val="000000"/>
                 </a:solidFill>
                 <a:latin typeface="Arial"/>
-              </a:rPr>
-              <a:t>Campagne de Communication</a:t>
+                <a:ea typeface="DejaVu Sans"/>
+              </a:rPr>
+              <a:t>Communication campaign</a:t>
             </a:r>
             <a:endParaRPr b="0" lang="fr-FR" sz="3200" spc="-1" strike="noStrike">
               <a:latin typeface="Arial"/>
@@ -8922,14 +8014,14 @@
       </p:sp>
       <p:sp>
         <p:nvSpPr>
-          <p:cNvPr id="84" name="CustomShape 6"/>
+          <p:cNvPr id="81" name="CustomShape 6"/>
           <p:cNvSpPr/>
           <p:nvPr/>
         </p:nvSpPr>
         <p:spPr>
           <a:xfrm>
             <a:off x="17068680" y="3979080"/>
-            <a:ext cx="5486040" cy="5610600"/>
+            <a:ext cx="5485320" cy="5609880"/>
           </a:xfrm>
           <a:prstGeom prst="rect">
             <a:avLst/>
@@ -8964,6 +8056,7 @@
                   <a:srgbClr val="000000"/>
                 </a:solidFill>
                 <a:latin typeface="Arial"/>
+                <a:ea typeface="DejaVu Sans"/>
               </a:rPr>
               <a:t>Customer</a:t>
             </a:r>
@@ -8983,6 +8076,7 @@
                   <a:srgbClr val="000000"/>
                 </a:solidFill>
                 <a:latin typeface="Arial"/>
+                <a:ea typeface="DejaVu Sans"/>
               </a:rPr>
               <a:t>Relationships</a:t>
             </a:r>
@@ -9012,8 +8106,9 @@
                   <a:srgbClr val="000000"/>
                 </a:solidFill>
                 <a:latin typeface="Arial"/>
-              </a:rPr>
-              <a:t>Suivi et Maintenance</a:t>
+                <a:ea typeface="DejaVu Sans"/>
+              </a:rPr>
+              <a:t>Monitoring and Maintenance</a:t>
             </a:r>
             <a:endParaRPr b="0" lang="fr-FR" sz="3600" spc="-1" strike="noStrike">
               <a:latin typeface="Arial"/>
@@ -9041,29 +8136,10 @@
                   <a:srgbClr val="000000"/>
                 </a:solidFill>
                 <a:latin typeface="Arial"/>
-              </a:rPr>
-              <a:t>Visites de Courtoisies</a:t>
-            </a:r>
-            <a:endParaRPr b="0" lang="fr-FR" sz="3600" spc="-1" strike="noStrike">
-              <a:latin typeface="Arial"/>
-            </a:endParaRPr>
-          </a:p>
-          <a:p>
-            <a:pPr>
-              <a:lnSpc>
-                <a:spcPct val="100000"/>
-              </a:lnSpc>
-            </a:pPr>
-            <a:endParaRPr b="0" lang="fr-FR" sz="3600" spc="-1" strike="noStrike">
-              <a:latin typeface="Arial"/>
-            </a:endParaRPr>
-          </a:p>
-          <a:p>
-            <a:pPr>
-              <a:lnSpc>
-                <a:spcPct val="100000"/>
-              </a:lnSpc>
-            </a:pPr>
+                <a:ea typeface="DejaVu Sans"/>
+              </a:rPr>
+              <a:t>Courtesy Visits</a:t>
+            </a:r>
             <a:endParaRPr b="0" lang="fr-FR" sz="3600" spc="-1" strike="noStrike">
               <a:latin typeface="Arial"/>
             </a:endParaRPr>
@@ -9082,14 +8158,14 @@
       </p:sp>
       <p:sp>
         <p:nvSpPr>
-          <p:cNvPr id="85" name="CustomShape 7"/>
+          <p:cNvPr id="82" name="CustomShape 7"/>
           <p:cNvSpPr/>
           <p:nvPr/>
         </p:nvSpPr>
         <p:spPr>
           <a:xfrm>
             <a:off x="22555080" y="3979080"/>
-            <a:ext cx="5486040" cy="11424960"/>
+            <a:ext cx="5485320" cy="11424240"/>
           </a:xfrm>
           <a:prstGeom prst="rect">
             <a:avLst/>
@@ -9124,6 +8200,7 @@
                   <a:srgbClr val="000000"/>
                 </a:solidFill>
                 <a:latin typeface="Arial"/>
+                <a:ea typeface="DejaVu Sans"/>
               </a:rPr>
               <a:t>Customer</a:t>
             </a:r>
@@ -9143,6 +8220,7 @@
                   <a:srgbClr val="000000"/>
                 </a:solidFill>
                 <a:latin typeface="Arial"/>
+                <a:ea typeface="DejaVu Sans"/>
               </a:rPr>
               <a:t>Segments</a:t>
             </a:r>
@@ -9176,22 +8254,13 @@
                 <a:spcPct val="100000"/>
               </a:lnSpc>
             </a:pPr>
-            <a:endParaRPr b="0" lang="fr-FR" sz="3600" spc="-1" strike="noStrike">
-              <a:latin typeface="Arial"/>
-            </a:endParaRPr>
-          </a:p>
-          <a:p>
-            <a:pPr>
-              <a:lnSpc>
-                <a:spcPct val="100000"/>
-              </a:lnSpc>
-            </a:pPr>
             <a:r>
               <a:rPr b="0" lang="fr-FR" sz="3600" spc="-1" strike="noStrike">
                 <a:solidFill>
                   <a:srgbClr val="000000"/>
                 </a:solidFill>
-                <a:latin typeface="Arial Narrow"/>
+                <a:latin typeface="Arial"/>
+                <a:ea typeface="DejaVu Sans"/>
               </a:rPr>
               <a:t>→ </a:t>
             </a:r>
@@ -9200,9 +8269,10 @@
                 <a:solidFill>
                   <a:srgbClr val="000000"/>
                 </a:solidFill>
-                <a:latin typeface="Arial Narrow"/>
-              </a:rPr>
-              <a:t>Les Habitants du milieu Urbain</a:t>
+                <a:latin typeface="Arial"/>
+                <a:ea typeface="DejaVu Sans"/>
+              </a:rPr>
+              <a:t>Urban dwellers</a:t>
             </a:r>
             <a:endParaRPr b="0" lang="fr-FR" sz="3600" spc="-1" strike="noStrike">
               <a:latin typeface="Arial"/>
@@ -9229,7 +8299,8 @@
                 <a:solidFill>
                   <a:srgbClr val="000000"/>
                 </a:solidFill>
-                <a:latin typeface="Arial Narrow"/>
+                <a:latin typeface="Arial"/>
+                <a:ea typeface="DejaVu Sans"/>
               </a:rPr>
               <a:t>→ </a:t>
             </a:r>
@@ -9238,9 +8309,10 @@
                 <a:solidFill>
                   <a:srgbClr val="000000"/>
                 </a:solidFill>
-                <a:latin typeface="Arial Narrow"/>
-              </a:rPr>
-              <a:t>Les  Organismes , Groupements et les Petites  et Moyennes Entreprises</a:t>
+                <a:latin typeface="Arial"/>
+                <a:ea typeface="DejaVu Sans"/>
+              </a:rPr>
+              <a:t>Organizations, Groups and Small and Medium Enterprises</a:t>
             </a:r>
             <a:endParaRPr b="0" lang="fr-FR" sz="3600" spc="-1" strike="noStrike">
               <a:latin typeface="Arial"/>
@@ -9267,7 +8339,8 @@
                 <a:solidFill>
                   <a:srgbClr val="000000"/>
                 </a:solidFill>
-                <a:latin typeface="Arial Narrow"/>
+                <a:latin typeface="Arial"/>
+                <a:ea typeface="DejaVu Sans"/>
               </a:rPr>
               <a:t>→ </a:t>
             </a:r>
@@ -9276,9 +8349,10 @@
                 <a:solidFill>
                   <a:srgbClr val="000000"/>
                 </a:solidFill>
-                <a:latin typeface="Arial Narrow"/>
-              </a:rPr>
-              <a:t>Les Entrepreneurs Agricoles </a:t>
+                <a:latin typeface="Arial"/>
+                <a:ea typeface="DejaVu Sans"/>
+              </a:rPr>
+              <a:t>Agricultural Entrepreneurs</a:t>
             </a:r>
             <a:endParaRPr b="0" lang="fr-FR" sz="3600" spc="-1" strike="noStrike">
               <a:latin typeface="Arial"/>
@@ -9315,7 +8389,8 @@
                 <a:solidFill>
                   <a:srgbClr val="000000"/>
                 </a:solidFill>
-                <a:latin typeface="Arial Narrow"/>
+                <a:latin typeface="Arial"/>
+                <a:ea typeface="DejaVu Sans"/>
               </a:rPr>
               <a:t>→ </a:t>
             </a:r>
@@ -9324,30 +8399,22 @@
                 <a:solidFill>
                   <a:srgbClr val="000000"/>
                 </a:solidFill>
-                <a:latin typeface="Arial Narrow"/>
-              </a:rPr>
-              <a:t>Le Ministere de l’Environnement et du Developpement Durable</a:t>
-            </a:r>
-            <a:r>
-              <a:rPr b="0" lang="fr-FR" sz="1400" spc="-1" strike="noStrike">
-                <a:solidFill>
-                  <a:srgbClr val="000000"/>
-                </a:solidFill>
-                <a:latin typeface="Arial Narrow"/>
-              </a:rPr>
-              <a:t> </a:t>
-            </a:r>
-            <a:endParaRPr b="0" lang="fr-FR" sz="1400" spc="-1" strike="noStrike">
-              <a:latin typeface="Arial"/>
-            </a:endParaRPr>
-          </a:p>
-          <a:p>
-            <a:pPr>
-              <a:lnSpc>
-                <a:spcPct val="100000"/>
-              </a:lnSpc>
-            </a:pPr>
-            <a:endParaRPr b="0" lang="fr-FR" sz="1400" spc="-1" strike="noStrike">
+                <a:latin typeface="Arial"/>
+                <a:ea typeface="DejaVu Sans"/>
+              </a:rPr>
+              <a:t>The Ministry of the Environment and Sustainable Development</a:t>
+            </a:r>
+            <a:endParaRPr b="0" lang="fr-FR" sz="3600" spc="-1" strike="noStrike">
+              <a:latin typeface="Arial"/>
+            </a:endParaRPr>
+          </a:p>
+          <a:p>
+            <a:pPr>
+              <a:lnSpc>
+                <a:spcPct val="100000"/>
+              </a:lnSpc>
+            </a:pPr>
+            <a:endParaRPr b="0" lang="fr-FR" sz="3600" spc="-1" strike="noStrike">
               <a:latin typeface="Arial"/>
             </a:endParaRPr>
           </a:p>
@@ -9355,14 +8422,14 @@
       </p:sp>
       <p:sp>
         <p:nvSpPr>
-          <p:cNvPr id="86" name="CustomShape 8"/>
+          <p:cNvPr id="83" name="CustomShape 8"/>
           <p:cNvSpPr/>
           <p:nvPr/>
         </p:nvSpPr>
         <p:spPr>
           <a:xfrm>
             <a:off x="609480" y="15404400"/>
-            <a:ext cx="13730040" cy="4114440"/>
+            <a:ext cx="13729320" cy="4113720"/>
           </a:xfrm>
           <a:prstGeom prst="rect">
             <a:avLst/>
@@ -9397,6 +8464,7 @@
                   <a:srgbClr val="000000"/>
                 </a:solidFill>
                 <a:latin typeface="Arial"/>
+                <a:ea typeface="DejaVu Sans"/>
               </a:rPr>
               <a:t>Cost Structure</a:t>
             </a:r>
@@ -9410,6 +8478,46 @@
                 <a:spcPct val="100000"/>
               </a:lnSpc>
             </a:pPr>
+            <a:endParaRPr b="0" lang="fr-FR" sz="3600" spc="-1" strike="noStrike">
+              <a:latin typeface="Arial"/>
+            </a:endParaRPr>
+          </a:p>
+          <a:p>
+            <a:pPr>
+              <a:lnSpc>
+                <a:spcPct val="100000"/>
+              </a:lnSpc>
+            </a:pPr>
+            <a:r>
+              <a:rPr b="0" lang="fr-FR" sz="3600" spc="-1" strike="noStrike">
+                <a:solidFill>
+                  <a:srgbClr val="000000"/>
+                </a:solidFill>
+                <a:latin typeface="Arial"/>
+                <a:ea typeface="DejaVu Sans"/>
+              </a:rPr>
+              <a:t>Fix : Salaires:1,35M/mois, Loyer :250K,</a:t>
+            </a:r>
+            <a:endParaRPr b="0" lang="fr-FR" sz="3600" spc="-1" strike="noStrike">
+              <a:latin typeface="Arial"/>
+            </a:endParaRPr>
+          </a:p>
+          <a:p>
+            <a:pPr>
+              <a:lnSpc>
+                <a:spcPct val="100000"/>
+              </a:lnSpc>
+            </a:pPr>
+            <a:r>
+              <a:rPr b="0" lang="fr-FR" sz="3600" spc="-1" strike="noStrike">
+                <a:solidFill>
+                  <a:srgbClr val="000000"/>
+                </a:solidFill>
+                <a:latin typeface="Arial"/>
+                <a:ea typeface="DejaVu Sans"/>
+              </a:rPr>
+              <a:t>Variables : Equipements Techniques: 3M, Divers :500K</a:t>
+            </a:r>
             <a:endParaRPr b="0" lang="fr-FR" sz="3600" spc="-1" strike="noStrike">
               <a:latin typeface="Arial"/>
             </a:endParaRPr>
@@ -9428,14 +8536,14 @@
       </p:sp>
       <p:sp>
         <p:nvSpPr>
-          <p:cNvPr id="87" name="CustomShape 9"/>
+          <p:cNvPr id="84" name="CustomShape 9"/>
           <p:cNvSpPr/>
           <p:nvPr/>
         </p:nvSpPr>
         <p:spPr>
           <a:xfrm>
             <a:off x="14340240" y="15404400"/>
-            <a:ext cx="13715640" cy="4114440"/>
+            <a:ext cx="13714920" cy="4113720"/>
           </a:xfrm>
           <a:prstGeom prst="rect">
             <a:avLst/>
@@ -9470,9 +8578,20 @@
                   <a:srgbClr val="000000"/>
                 </a:solidFill>
                 <a:latin typeface="Arial"/>
+                <a:ea typeface="DejaVu Sans"/>
               </a:rPr>
               <a:t>Revenue Streams</a:t>
             </a:r>
+            <a:endParaRPr b="0" lang="fr-FR" sz="3600" spc="-1" strike="noStrike">
+              <a:latin typeface="Arial"/>
+            </a:endParaRPr>
+          </a:p>
+          <a:p>
+            <a:pPr>
+              <a:lnSpc>
+                <a:spcPct val="100000"/>
+              </a:lnSpc>
+            </a:pPr>
             <a:endParaRPr b="0" lang="fr-FR" sz="3600" spc="-1" strike="noStrike">
               <a:latin typeface="Arial"/>
             </a:endParaRPr>
@@ -9501,14 +8620,14 @@
       </p:sp>
       <p:sp>
         <p:nvSpPr>
-          <p:cNvPr id="88" name="CustomShape 10"/>
+          <p:cNvPr id="85" name="CustomShape 10"/>
           <p:cNvSpPr/>
           <p:nvPr/>
         </p:nvSpPr>
         <p:spPr>
           <a:xfrm>
             <a:off x="609480" y="953640"/>
-            <a:ext cx="27431640" cy="20791800"/>
+            <a:ext cx="27430920" cy="20791080"/>
           </a:xfrm>
           <a:prstGeom prst="rect">
             <a:avLst/>
@@ -9521,7 +8640,7 @@
             <a:round/>
           </a:ln>
           <a:effectLst>
-            <a:outerShdw dist="23040" dir="5400000">
+            <a:outerShdw dir="5400000" dist="23040">
               <a:srgbClr val="000000">
                 <a:alpha val="35000"/>
               </a:srgbClr>
@@ -9537,7 +8656,7 @@
       </p:sp>
       <p:pic>
         <p:nvPicPr>
-          <p:cNvPr id="89" name="Picture 27" descr=""/>
+          <p:cNvPr id="86" name="Picture 27" descr=""/>
           <p:cNvPicPr/>
           <p:nvPr/>
         </p:nvPicPr>
@@ -9548,7 +8667,7 @@
         <p:spPr>
           <a:xfrm>
             <a:off x="26746200" y="4077360"/>
-            <a:ext cx="1080720" cy="1379880"/>
+            <a:ext cx="1080000" cy="1379160"/>
           </a:xfrm>
           <a:prstGeom prst="rect">
             <a:avLst/>
@@ -9560,7 +8679,7 @@
       </p:pic>
       <p:pic>
         <p:nvPicPr>
-          <p:cNvPr id="90" name="Picture 30" descr=""/>
+          <p:cNvPr id="87" name="Picture 30" descr=""/>
           <p:cNvPicPr/>
           <p:nvPr/>
         </p:nvPicPr>
@@ -9571,7 +8690,7 @@
         <p:spPr>
           <a:xfrm>
             <a:off x="4077360" y="4049280"/>
-            <a:ext cx="1798920" cy="1362960"/>
+            <a:ext cx="1798200" cy="1362240"/>
           </a:xfrm>
           <a:prstGeom prst="rect">
             <a:avLst/>
@@ -9583,7 +8702,7 @@
       </p:pic>
       <p:pic>
         <p:nvPicPr>
-          <p:cNvPr id="91" name="Picture 31" descr=""/>
+          <p:cNvPr id="88" name="Picture 31" descr=""/>
           <p:cNvPicPr/>
           <p:nvPr/>
         </p:nvPicPr>
@@ -9594,7 +8713,7 @@
         <p:spPr>
           <a:xfrm>
             <a:off x="12498840" y="15496560"/>
-            <a:ext cx="1761840" cy="1357560"/>
+            <a:ext cx="1761120" cy="1356840"/>
           </a:xfrm>
           <a:prstGeom prst="rect">
             <a:avLst/>
@@ -9606,7 +8725,7 @@
       </p:pic>
       <p:pic>
         <p:nvPicPr>
-          <p:cNvPr id="92" name="Picture 32" descr=""/>
+          <p:cNvPr id="89" name="Picture 32" descr=""/>
           <p:cNvPicPr/>
           <p:nvPr/>
         </p:nvPicPr>
@@ -9617,7 +8736,7 @@
         <p:spPr>
           <a:xfrm>
             <a:off x="26764200" y="15478920"/>
-            <a:ext cx="1055880" cy="1382760"/>
+            <a:ext cx="1055160" cy="1382040"/>
           </a:xfrm>
           <a:prstGeom prst="rect">
             <a:avLst/>
@@ -9629,7 +8748,7 @@
       </p:pic>
       <p:pic>
         <p:nvPicPr>
-          <p:cNvPr id="93" name="Picture 33" descr=""/>
+          <p:cNvPr id="90" name="Picture 33" descr=""/>
           <p:cNvPicPr/>
           <p:nvPr/>
         </p:nvPicPr>
@@ -9640,7 +8759,7 @@
         <p:spPr>
           <a:xfrm>
             <a:off x="10067760" y="4076640"/>
-            <a:ext cx="1369440" cy="1486080"/>
+            <a:ext cx="1368720" cy="1485360"/>
           </a:xfrm>
           <a:prstGeom prst="rect">
             <a:avLst/>
@@ -9652,7 +8771,7 @@
       </p:pic>
       <p:pic>
         <p:nvPicPr>
-          <p:cNvPr id="94" name="Picture 35" descr=""/>
+          <p:cNvPr id="91" name="Picture 35" descr=""/>
           <p:cNvPicPr/>
           <p:nvPr/>
         </p:nvPicPr>
@@ -9663,7 +8782,7 @@
         <p:spPr>
           <a:xfrm>
             <a:off x="21112560" y="4064400"/>
-            <a:ext cx="1352880" cy="1370880"/>
+            <a:ext cx="1352160" cy="1370160"/>
           </a:xfrm>
           <a:prstGeom prst="rect">
             <a:avLst/>
@@ -9675,14 +8794,14 @@
       </p:pic>
       <p:sp>
         <p:nvSpPr>
-          <p:cNvPr id="95" name="CustomShape 11"/>
+          <p:cNvPr id="92" name="CustomShape 11"/>
           <p:cNvSpPr/>
           <p:nvPr/>
         </p:nvSpPr>
         <p:spPr>
           <a:xfrm>
             <a:off x="611280" y="2361600"/>
-            <a:ext cx="13715640" cy="1615680"/>
+            <a:ext cx="13714920" cy="1614960"/>
           </a:xfrm>
           <a:prstGeom prst="rect">
             <a:avLst/>
@@ -9717,8 +8836,9 @@
                   <a:srgbClr val="000000"/>
                 </a:solidFill>
                 <a:latin typeface="Arial"/>
-              </a:rPr>
-              <a:t>Mission : Participer à l’autosuffisance alimentaire , la </a:t>
+                <a:ea typeface="DejaVu Sans"/>
+              </a:rPr>
+              <a:t>Mission: Participate in food self-sufficiency,Job creation and     environmental conservation.</a:t>
             </a:r>
             <a:endParaRPr b="0" lang="fr-FR" sz="3600" spc="-1" strike="noStrike">
               <a:latin typeface="Arial"/>
@@ -9736,8 +8856,9 @@
                   <a:srgbClr val="000000"/>
                 </a:solidFill>
                 <a:latin typeface="Arial"/>
-              </a:rPr>
-              <a:t>Création d’emploi et la conservation de l ‘environnement. </a:t>
+                <a:ea typeface="DejaVu Sans"/>
+              </a:rPr>
+              <a:t> </a:t>
             </a:r>
             <a:endParaRPr b="0" lang="fr-FR" sz="3600" spc="-1" strike="noStrike">
               <a:latin typeface="Arial"/>
@@ -9797,14 +8918,14 @@
       </p:sp>
       <p:sp>
         <p:nvSpPr>
-          <p:cNvPr id="96" name="CustomShape 12"/>
+          <p:cNvPr id="93" name="CustomShape 12"/>
           <p:cNvSpPr/>
           <p:nvPr/>
         </p:nvSpPr>
         <p:spPr>
           <a:xfrm>
             <a:off x="14325480" y="2361600"/>
-            <a:ext cx="13699080" cy="1614600"/>
+            <a:ext cx="13698360" cy="1613880"/>
           </a:xfrm>
           <a:prstGeom prst="rect">
             <a:avLst/>
@@ -9839,8 +8960,29 @@
                   <a:srgbClr val="000000"/>
                 </a:solidFill>
                 <a:latin typeface="Arial"/>
-              </a:rPr>
-              <a:t>Competitive Landscape : Concurrence...</a:t>
+                <a:ea typeface="DejaVu Sans"/>
+              </a:rPr>
+              <a:t>Competitive Landscape: Agricultural Entrepreneur, Micro </a:t>
+            </a:r>
+            <a:endParaRPr b="0" lang="fr-FR" sz="3600" spc="-1" strike="noStrike">
+              <a:latin typeface="Arial"/>
+            </a:endParaRPr>
+          </a:p>
+          <a:p>
+            <a:pPr>
+              <a:lnSpc>
+                <a:spcPct val="100000"/>
+              </a:lnSpc>
+            </a:pPr>
+            <a:r>
+              <a:rPr b="0" lang="fr-FR" sz="3600" spc="-1" strike="noStrike">
+                <a:solidFill>
+                  <a:srgbClr val="000000"/>
+                </a:solidFill>
+                <a:latin typeface="Arial"/>
+                <a:ea typeface="DejaVu Sans"/>
+              </a:rPr>
+              <a:t>Employee Gardening </a:t>
             </a:r>
             <a:endParaRPr b="0" lang="fr-FR" sz="3600" spc="-1" strike="noStrike">
               <a:latin typeface="Arial"/>
@@ -9880,14 +9022,14 @@
       </p:sp>
       <p:sp>
         <p:nvSpPr>
-          <p:cNvPr id="97" name="CustomShape 13"/>
+          <p:cNvPr id="94" name="CustomShape 13"/>
           <p:cNvSpPr/>
           <p:nvPr/>
         </p:nvSpPr>
         <p:spPr>
           <a:xfrm>
             <a:off x="597600" y="19519200"/>
-            <a:ext cx="21222720" cy="2226240"/>
+            <a:ext cx="21222000" cy="2225520"/>
           </a:xfrm>
           <a:prstGeom prst="rect">
             <a:avLst/>
@@ -9922,8 +9064,49 @@
                   <a:srgbClr val="000000"/>
                 </a:solidFill>
                 <a:latin typeface="Arial"/>
+                <a:ea typeface="DejaVu Sans"/>
               </a:rPr>
               <a:t>Impact</a:t>
+            </a:r>
+            <a:endParaRPr b="0" lang="fr-FR" sz="3600" spc="-1" strike="noStrike">
+              <a:latin typeface="Arial"/>
+            </a:endParaRPr>
+          </a:p>
+          <a:p>
+            <a:pPr>
+              <a:lnSpc>
+                <a:spcPct val="100000"/>
+              </a:lnSpc>
+            </a:pPr>
+            <a:r>
+              <a:rPr b="0" lang="fr-FR" sz="3600" spc="-1" strike="noStrike">
+                <a:solidFill>
+                  <a:srgbClr val="000000"/>
+                </a:solidFill>
+                <a:latin typeface="Arial"/>
+                <a:ea typeface="DejaVu Sans"/>
+              </a:rPr>
+              <a:t>Revolution in agricultural practices, organic products,</a:t>
+            </a:r>
+            <a:endParaRPr b="0" lang="fr-FR" sz="3600" spc="-1" strike="noStrike">
+              <a:latin typeface="Arial"/>
+            </a:endParaRPr>
+          </a:p>
+          <a:p>
+            <a:pPr>
+              <a:lnSpc>
+                <a:spcPct val="100000"/>
+              </a:lnSpc>
+            </a:pPr>
+            <a:r>
+              <a:rPr b="0" lang="fr-FR" sz="3600" spc="-1" strike="noStrike">
+                <a:solidFill>
+                  <a:srgbClr val="000000"/>
+                </a:solidFill>
+                <a:latin typeface="Arial"/>
+                <a:ea typeface="DejaVu Sans"/>
+              </a:rPr>
+              <a:t>Protect the environment, recycle plastic objects, create jobs</a:t>
             </a:r>
             <a:endParaRPr b="0" lang="fr-FR" sz="3600" spc="-1" strike="noStrike">
               <a:latin typeface="Arial"/>
@@ -9953,7 +9136,7 @@
       </p:sp>
       <p:pic>
         <p:nvPicPr>
-          <p:cNvPr id="98" name="Picture 1" descr=""/>
+          <p:cNvPr id="95" name="Picture 1" descr=""/>
           <p:cNvPicPr/>
           <p:nvPr/>
         </p:nvPicPr>
@@ -9964,7 +9147,7 @@
         <p:spPr>
           <a:xfrm>
             <a:off x="12399120" y="2461320"/>
-            <a:ext cx="1739880" cy="1389600"/>
+            <a:ext cx="1739160" cy="1388880"/>
           </a:xfrm>
           <a:prstGeom prst="rect">
             <a:avLst/>
@@ -9976,7 +9159,7 @@
       </p:pic>
       <p:pic>
         <p:nvPicPr>
-          <p:cNvPr id="99" name="Picture 2" descr=""/>
+          <p:cNvPr id="96" name="Picture 2" descr=""/>
           <p:cNvPicPr/>
           <p:nvPr/>
         </p:nvPicPr>
@@ -9987,7 +9170,7 @@
         <p:spPr>
           <a:xfrm>
             <a:off x="26449200" y="2458800"/>
-            <a:ext cx="1440360" cy="1391760"/>
+            <a:ext cx="1439640" cy="1391040"/>
           </a:xfrm>
           <a:prstGeom prst="rect">
             <a:avLst/>
@@ -9999,14 +9182,14 @@
       </p:pic>
       <p:sp>
         <p:nvSpPr>
-          <p:cNvPr id="100" name="CustomShape 14"/>
+          <p:cNvPr id="97" name="CustomShape 14"/>
           <p:cNvSpPr/>
           <p:nvPr/>
         </p:nvSpPr>
         <p:spPr>
           <a:xfrm>
             <a:off x="609480" y="381240"/>
-            <a:ext cx="27463320" cy="427320"/>
+            <a:ext cx="27462600" cy="426600"/>
           </a:xfrm>
           <a:prstGeom prst="rect">
             <a:avLst/>
@@ -10024,7 +9207,7 @@
         </p:style>
         <p:txBody>
           <a:bodyPr lIns="90000" rIns="90000" tIns="0" bIns="0" anchor="ctr">
-            <a:spAutoFit/>
+            <a:noAutofit/>
           </a:bodyPr>
           <a:p>
             <a:pPr>
@@ -10038,6 +9221,7 @@
                   <a:srgbClr val="808080"/>
                 </a:solidFill>
                 <a:latin typeface="Georgia"/>
+                <a:ea typeface="DejaVu Sans"/>
               </a:rPr>
               <a:t>Name / Company Name:</a:t>
             </a:r>
@@ -10047,6 +9231,7 @@
                   <a:srgbClr val="808080"/>
                 </a:solidFill>
                 <a:latin typeface="Georgia"/>
+                <a:ea typeface="DejaVu Sans"/>
               </a:rPr>
               <a:t>	</a:t>
             </a:r>
@@ -10056,6 +9241,7 @@
                   <a:srgbClr val="808080"/>
                 </a:solidFill>
                 <a:latin typeface="Georgia"/>
+                <a:ea typeface="DejaVu Sans"/>
               </a:rPr>
               <a:t>	</a:t>
             </a:r>
@@ -10065,6 +9251,7 @@
                   <a:srgbClr val="808080"/>
                 </a:solidFill>
                 <a:latin typeface="Georgia"/>
+                <a:ea typeface="DejaVu Sans"/>
               </a:rPr>
               <a:t>	</a:t>
             </a:r>
@@ -10074,6 +9261,7 @@
                   <a:srgbClr val="808080"/>
                 </a:solidFill>
                 <a:latin typeface="Georgia"/>
+                <a:ea typeface="DejaVu Sans"/>
               </a:rPr>
               <a:t>SANAR-IoT </a:t>
             </a:r>
@@ -10083,6 +9271,7 @@
                   <a:srgbClr val="808080"/>
                 </a:solidFill>
                 <a:latin typeface="Georgia"/>
+                <a:ea typeface="DejaVu Sans"/>
               </a:rPr>
               <a:t>	</a:t>
             </a:r>
@@ -10092,6 +9281,7 @@
                   <a:srgbClr val="808080"/>
                 </a:solidFill>
                 <a:latin typeface="Georgia"/>
+                <a:ea typeface="DejaVu Sans"/>
               </a:rPr>
               <a:t>Date:</a:t>
             </a:r>
@@ -10101,6 +9291,7 @@
                   <a:srgbClr val="808080"/>
                 </a:solidFill>
                 <a:latin typeface="Georgia"/>
+                <a:ea typeface="DejaVu Sans"/>
               </a:rPr>
               <a:t>	</a:t>
             </a:r>
@@ -10110,6 +9301,7 @@
                   <a:srgbClr val="808080"/>
                 </a:solidFill>
                 <a:latin typeface="Georgia"/>
+                <a:ea typeface="DejaVu Sans"/>
               </a:rPr>
               <a:t>	</a:t>
             </a:r>
@@ -10119,6 +9311,7 @@
                   <a:srgbClr val="808080"/>
                 </a:solidFill>
                 <a:latin typeface="Georgia"/>
+                <a:ea typeface="DejaVu Sans"/>
               </a:rPr>
               <a:t>	</a:t>
             </a:r>
@@ -10128,6 +9321,7 @@
                   <a:srgbClr val="808080"/>
                 </a:solidFill>
                 <a:latin typeface="Georgia"/>
+                <a:ea typeface="DejaVu Sans"/>
               </a:rPr>
               <a:t> BMC Objective:</a:t>
             </a:r>
@@ -10139,7 +9333,7 @@
       </p:sp>
       <p:pic>
         <p:nvPicPr>
-          <p:cNvPr id="101" name="Picture 14" descr=""/>
+          <p:cNvPr id="98" name="Picture 14" descr=""/>
           <p:cNvPicPr/>
           <p:nvPr/>
         </p:nvPicPr>
@@ -10150,7 +9344,7 @@
         <p:spPr>
           <a:xfrm>
             <a:off x="26796960" y="1088640"/>
-            <a:ext cx="1004400" cy="1129680"/>
+            <a:ext cx="1003680" cy="1128960"/>
           </a:xfrm>
           <a:prstGeom prst="rect">
             <a:avLst/>
@@ -10162,14 +9356,14 @@
       </p:pic>
       <p:sp>
         <p:nvSpPr>
-          <p:cNvPr id="102" name="CustomShape 15"/>
+          <p:cNvPr id="99" name="CustomShape 15"/>
           <p:cNvSpPr/>
           <p:nvPr/>
         </p:nvSpPr>
         <p:spPr>
           <a:xfrm>
             <a:off x="892080" y="1179360"/>
-            <a:ext cx="26829000" cy="791280"/>
+            <a:ext cx="26828280" cy="1735200"/>
           </a:xfrm>
           <a:prstGeom prst="rect">
             <a:avLst/>
@@ -10187,7 +9381,7 @@
         </p:style>
         <p:txBody>
           <a:bodyPr lIns="90000" rIns="90000" tIns="45000" bIns="45000">
-            <a:spAutoFit/>
+            <a:noAutofit/>
           </a:bodyPr>
           <a:p>
             <a:pPr>
@@ -10201,8 +9395,29 @@
                   <a:srgbClr val="000000"/>
                 </a:solidFill>
                 <a:latin typeface="Arial"/>
-              </a:rPr>
-              <a:t>Problem Statement : Micro Jardinage à portée avec des cultures bio et une optimisation des ressources  </a:t>
+                <a:ea typeface="DejaVu Sans"/>
+              </a:rPr>
+              <a:t>Problem Statement: System for optimizing agricultural resources and environmental protection </a:t>
+            </a:r>
+            <a:endParaRPr b="0" lang="fr-FR" sz="3600" spc="-1" strike="noStrike">
+              <a:latin typeface="Arial"/>
+            </a:endParaRPr>
+          </a:p>
+          <a:p>
+            <a:pPr>
+              <a:lnSpc>
+                <a:spcPct val="100000"/>
+              </a:lnSpc>
+            </a:pPr>
+            <a:r>
+              <a:rPr b="0" lang="fr-FR" sz="3600" spc="-1" strike="noStrike">
+                <a:solidFill>
+                  <a:srgbClr val="000000"/>
+                </a:solidFill>
+                <a:latin typeface="Arial"/>
+                <a:ea typeface="DejaVu Sans"/>
+              </a:rPr>
+              <a:t> </a:t>
             </a:r>
             <a:endParaRPr b="0" lang="fr-FR" sz="3600" spc="-1" strike="noStrike">
               <a:latin typeface="Arial"/>
@@ -10222,7 +9437,7 @@
       </p:sp>
       <p:pic>
         <p:nvPicPr>
-          <p:cNvPr id="103" name="Picture 43" descr=""/>
+          <p:cNvPr id="100" name="Picture 43" descr=""/>
           <p:cNvPicPr/>
           <p:nvPr/>
         </p:nvPicPr>
@@ -10234,7 +9449,7 @@
         <p:spPr>
           <a:xfrm>
             <a:off x="20458440" y="19709280"/>
-            <a:ext cx="1213560" cy="923040"/>
+            <a:ext cx="1212840" cy="922320"/>
           </a:xfrm>
           <a:prstGeom prst="rect">
             <a:avLst/>
@@ -10244,6 +9459,253 @@
           </a:ln>
         </p:spPr>
       </p:pic>
+      <p:graphicFrame>
+        <p:nvGraphicFramePr>
+          <p:cNvPr id="101" name="Table 16"/>
+          <p:cNvGraphicFramePr/>
+          <p:nvPr/>
+        </p:nvGraphicFramePr>
+        <p:xfrm>
+          <a:off x="14524200" y="16200000"/>
+          <a:ext cx="10746720" cy="3319200"/>
+        </p:xfrm>
+        <a:graphic>
+          <a:graphicData uri="http://schemas.openxmlformats.org/drawingml/2006/table">
+            <a:tbl>
+              <a:tblPr/>
+              <a:tblGrid>
+                <a:gridCol w="3609000"/>
+                <a:gridCol w="3612600"/>
+                <a:gridCol w="3525480"/>
+              </a:tblGrid>
+              <a:tr h="3319200">
+                <a:tc>
+                  <a:txBody>
+                    <a:bodyPr>
+                      <a:noAutofit/>
+                    </a:bodyPr>
+                    <a:p>
+                      <a:r>
+                        <a:rPr b="0" lang="fr-FR" sz="2200" spc="-1" strike="noStrike" u="sng">
+                          <a:uFillTx/>
+                          <a:latin typeface="Arial"/>
+                        </a:rPr>
+                        <a:t>Sales</a:t>
+                      </a:r>
+                      <a:endParaRPr b="0" lang="fr-FR" sz="2200" spc="-1" strike="noStrike">
+                        <a:latin typeface="Arial"/>
+                      </a:endParaRPr>
+                    </a:p>
+                    <a:p>
+                      <a:r>
+                        <a:rPr b="0" lang="fr-FR" sz="2200" spc="-1" strike="noStrike" u="sng">
+                          <a:uFillTx/>
+                          <a:latin typeface="Arial"/>
+                        </a:rPr>
+                        <a:t>Cash payment: </a:t>
+                      </a:r>
+                      <a:endParaRPr b="0" lang="fr-FR" sz="2200" spc="-1" strike="noStrike">
+                        <a:latin typeface="Arial"/>
+                      </a:endParaRPr>
+                    </a:p>
+                    <a:p>
+                      <a:r>
+                        <a:rPr b="0" lang="fr-FR" sz="2200" spc="-1" strike="noStrike">
+                          <a:latin typeface="Arial"/>
+                        </a:rPr>
+                        <a:t>Formulas: 300k, 200k, 150k, 100k</a:t>
+                      </a:r>
+                      <a:endParaRPr b="0" lang="fr-FR" sz="2200" spc="-1" strike="noStrike">
+                        <a:latin typeface="Arial"/>
+                      </a:endParaRPr>
+                    </a:p>
+                    <a:p>
+                      <a:r>
+                        <a:rPr b="0" lang="fr-FR" sz="2200" spc="-1" strike="noStrike" u="sng">
+                          <a:uFillTx/>
+                          <a:latin typeface="Arial"/>
+                          <a:ea typeface="DejaVu Sans"/>
+                        </a:rPr>
+                        <a:t>Advance payment :</a:t>
+                      </a:r>
+                      <a:r>
+                        <a:rPr b="0" lang="fr-FR" sz="2200" spc="-1" strike="noStrike">
+                          <a:latin typeface="Arial"/>
+                          <a:ea typeface="DejaVu Sans"/>
+                        </a:rPr>
+                        <a:t> (</a:t>
+                      </a:r>
+                      <a:r>
+                        <a:rPr b="0" lang="fr-FR" sz="2200" spc="-1" strike="noStrike">
+                          <a:latin typeface="Arial"/>
+                        </a:rPr>
+                        <a:t>Payment over 10 months)</a:t>
+                      </a:r>
+                      <a:endParaRPr b="0" lang="fr-FR" sz="2200" spc="-1" strike="noStrike">
+                        <a:latin typeface="Arial"/>
+                      </a:endParaRPr>
+                    </a:p>
+                    <a:p>
+                      <a:endParaRPr b="0" lang="fr-FR" sz="2200" spc="-1" strike="noStrike">
+                        <a:latin typeface="Arial"/>
+                      </a:endParaRPr>
+                    </a:p>
+                    <a:p>
+                      <a:r>
+                        <a:rPr b="0" lang="fr-FR" sz="2200" spc="-1" strike="noStrike">
+                          <a:latin typeface="Arial"/>
+                        </a:rPr>
+                        <a:t>Formulas: 350k, 250k, 200k, 150k</a:t>
+                      </a:r>
+                      <a:endParaRPr b="0" lang="fr-FR" sz="2200" spc="-1" strike="noStrike">
+                        <a:latin typeface="Arial"/>
+                      </a:endParaRPr>
+                    </a:p>
+                    <a:p>
+                      <a:r>
+                        <a:rPr b="0" lang="fr-FR" sz="2200" spc="-1" strike="noStrike">
+                          <a:latin typeface="Arial"/>
+                        </a:rPr>
+                        <a:t>Payment over 10 months</a:t>
+                      </a:r>
+                      <a:endParaRPr b="0" lang="fr-FR" sz="2200" spc="-1" strike="noStrike">
+                        <a:latin typeface="Arial"/>
+                      </a:endParaRPr>
+                    </a:p>
+                  </a:txBody>
+                  <a:tcPr marL="91440" marR="91440">
+                    <a:noFill/>
+                  </a:tcPr>
+                </a:tc>
+                <a:tc>
+                  <a:txBody>
+                    <a:bodyPr>
+                      <a:noAutofit/>
+                    </a:bodyPr>
+                    <a:p>
+                      <a:endParaRPr b="0" lang="fr-FR" sz="2200" spc="-1" strike="noStrike">
+                        <a:latin typeface="Arial"/>
+                      </a:endParaRPr>
+                    </a:p>
+                    <a:p>
+                      <a:r>
+                        <a:rPr b="0" lang="fr-FR" sz="2200" spc="-1" strike="noStrike" u="sng">
+                          <a:uFillTx/>
+                          <a:latin typeface="Arial"/>
+                        </a:rPr>
+                        <a:t>Rental (Tracking included)</a:t>
+                      </a:r>
+                      <a:endParaRPr b="0" lang="fr-FR" sz="2200" spc="-1" strike="noStrike">
+                        <a:latin typeface="Arial"/>
+                      </a:endParaRPr>
+                    </a:p>
+                    <a:p>
+                      <a:endParaRPr b="0" lang="fr-FR" sz="2200" spc="-1" strike="noStrike">
+                        <a:latin typeface="Arial"/>
+                      </a:endParaRPr>
+                    </a:p>
+                    <a:p>
+                      <a:r>
+                        <a:rPr b="0" lang="fr-FR" sz="2200" spc="-1" strike="noStrike">
+                          <a:latin typeface="Arial"/>
+                        </a:rPr>
+                        <a:t>KIT: 50k / month</a:t>
+                      </a:r>
+                      <a:endParaRPr b="0" lang="fr-FR" sz="2200" spc="-1" strike="noStrike">
+                        <a:latin typeface="Arial"/>
+                      </a:endParaRPr>
+                    </a:p>
+                    <a:p>
+                      <a:endParaRPr b="0" lang="fr-FR" sz="2200" spc="-1" strike="noStrike">
+                        <a:latin typeface="Arial"/>
+                      </a:endParaRPr>
+                    </a:p>
+                    <a:p>
+                      <a:endParaRPr b="0" lang="fr-FR" sz="2200" spc="-1" strike="noStrike">
+                        <a:latin typeface="Arial"/>
+                      </a:endParaRPr>
+                    </a:p>
+                    <a:p>
+                      <a:r>
+                        <a:rPr b="0" lang="fr-FR" sz="2200" spc="-1" strike="noStrike">
+                          <a:latin typeface="Arial"/>
+                        </a:rPr>
+                        <a:t>KIT + TABLES (2): 75k / month</a:t>
+                      </a:r>
+                      <a:endParaRPr b="0" lang="fr-FR" sz="2200" spc="-1" strike="noStrike">
+                        <a:latin typeface="Arial"/>
+                      </a:endParaRPr>
+                    </a:p>
+                    <a:p>
+                      <a:endParaRPr b="0" lang="fr-FR" sz="2200" spc="-1" strike="noStrike">
+                        <a:latin typeface="Arial"/>
+                      </a:endParaRPr>
+                    </a:p>
+                    <a:p>
+                      <a:endParaRPr b="0" lang="fr-FR" sz="2200" spc="-1" strike="noStrike">
+                        <a:latin typeface="Arial"/>
+                      </a:endParaRPr>
+                    </a:p>
+                  </a:txBody>
+                  <a:tcPr marL="91440" marR="91440">
+                    <a:noFill/>
+                  </a:tcPr>
+                </a:tc>
+                <a:tc>
+                  <a:txBody>
+                    <a:bodyPr>
+                      <a:noAutofit/>
+                    </a:bodyPr>
+                    <a:p>
+                      <a:endParaRPr b="0" lang="fr-FR" sz="2200" spc="-1" strike="noStrike">
+                        <a:latin typeface="Arial"/>
+                      </a:endParaRPr>
+                    </a:p>
+                    <a:p>
+                      <a:r>
+                        <a:rPr b="0" lang="fr-FR" sz="2200" spc="-1" strike="noStrike" u="sng">
+                          <a:uFillTx/>
+                          <a:latin typeface="Arial"/>
+                        </a:rPr>
+                        <a:t>License: 20M</a:t>
+                      </a:r>
+                      <a:endParaRPr b="0" lang="fr-FR" sz="2200" spc="-1" strike="noStrike">
+                        <a:latin typeface="Arial"/>
+                      </a:endParaRPr>
+                    </a:p>
+                    <a:p>
+                      <a:endParaRPr b="0" lang="fr-FR" sz="2200" spc="-1" strike="noStrike">
+                        <a:latin typeface="Arial"/>
+                      </a:endParaRPr>
+                    </a:p>
+                    <a:p>
+                      <a:r>
+                        <a:rPr b="0" lang="fr-FR" sz="2200" spc="-1" strike="noStrike" u="sng">
+                          <a:uFillTx/>
+                          <a:latin typeface="Arial"/>
+                        </a:rPr>
+                        <a:t>Maintenance</a:t>
+                      </a:r>
+                      <a:r>
+                        <a:rPr b="0" lang="fr-FR" sz="2200" spc="-1" strike="noStrike">
+                          <a:latin typeface="Arial"/>
+                        </a:rPr>
+                        <a:t>: 10k / month</a:t>
+                      </a:r>
+                      <a:endParaRPr b="0" lang="fr-FR" sz="2200" spc="-1" strike="noStrike">
+                        <a:latin typeface="Arial"/>
+                      </a:endParaRPr>
+                    </a:p>
+                  </a:txBody>
+                  <a:tcPr marL="91440" marR="91440">
+                    <a:noFill/>
+                  </a:tcPr>
+                </a:tc>
+              </a:tr>
+            </a:tbl>
+          </a:graphicData>
+        </a:graphic>
+      </p:graphicFrame>
     </p:spTree>
   </p:cSld>
   <mc:AlternateContent>
